--- a/Slides/ggl002-Libraries.pptx
+++ b/Slides/ggl002-Libraries.pptx
@@ -231,7 +231,7 @@
             <a:fld id="{C0D025BB-35D5-419D-8ED2-E5EDB67F143A}" type="datetimeFigureOut">
               <a:rPr lang="en-US" smtClean="0"/>
               <a:pPr/>
-              <a:t>9/18/2020</a:t>
+              <a:t>9/22/2021</a:t>
             </a:fld>
             <a:endParaRPr lang="en-US"/>
           </a:p>
@@ -678,19 +678,19 @@
               <a:t> header </a:t>
             </a:r>
             <a:r>
-              <a:rPr lang="en-US" dirty="0" err="1" smtClean="0"/>
+              <a:rPr lang="en-US" dirty="0" err="1"/>
               <a:t>fájlt</a:t>
             </a:r>
             <a:r>
-              <a:rPr lang="en-US" dirty="0" smtClean="0"/>
+              <a:rPr lang="en-US" dirty="0"/>
               <a:t>.</a:t>
             </a:r>
             <a:r>
-              <a:rPr lang="hu-HU" dirty="0" smtClean="0"/>
+              <a:rPr lang="hu-HU" dirty="0"/>
               <a:t> Ebben lesznek definiálva azok</a:t>
             </a:r>
             <a:r>
-              <a:rPr lang="hu-HU" baseline="0" dirty="0" smtClean="0"/>
+              <a:rPr lang="hu-HU" baseline="0" dirty="0"/>
               <a:t> a C++ típusok, amik a konstans bufferek feltöltésében segítenek --- megadják, hogy hogyan helyezkednek el az adatok a CPU oldali, host memóriában. Innen fognak majd felkerülni a GPU-ra byteról bytra átmásolva. </a:t>
             </a:r>
             <a:endParaRPr lang="en-US" dirty="0"/>
@@ -3284,7 +3284,7 @@
           <a:p>
             <a:pPr rtl="0" fontAlgn="base"/>
             <a:r>
-              <a:rPr lang="en-US" sz="1200" b="0" i="0" u="none" strike="noStrike" kern="1200" dirty="0" err="1" smtClean="0">
+              <a:rPr lang="en-US" sz="1200" b="0" i="0" u="none" strike="noStrike" kern="1200" dirty="0" err="1">
                 <a:solidFill>
                   <a:schemeClr val="tx1"/>
                 </a:solidFill>
@@ -3296,7 +3296,7 @@
               <a:t>Lesz</a:t>
             </a:r>
             <a:r>
-              <a:rPr lang="en-US" sz="1200" b="0" i="0" u="none" strike="noStrike" kern="1200" dirty="0" smtClean="0">
+              <a:rPr lang="en-US" sz="1200" b="0" i="0" u="none" strike="noStrike" kern="1200" dirty="0">
                 <a:solidFill>
                   <a:schemeClr val="tx1"/>
                 </a:solidFill>
@@ -3308,7 +3308,7 @@
               <a:t> </a:t>
             </a:r>
             <a:r>
-              <a:rPr lang="en-US" sz="1200" b="0" i="0" u="none" strike="noStrike" kern="1200" dirty="0" err="1" smtClean="0">
+              <a:rPr lang="en-US" sz="1200" b="0" i="0" u="none" strike="noStrike" kern="1200" dirty="0" err="1">
                 <a:solidFill>
                   <a:schemeClr val="tx1"/>
                 </a:solidFill>
@@ -3320,7 +3320,7 @@
               <a:t>egy</a:t>
             </a:r>
             <a:r>
-              <a:rPr lang="en-US" sz="1200" b="0" i="0" u="none" strike="noStrike" kern="1200" dirty="0" smtClean="0">
+              <a:rPr lang="en-US" sz="1200" b="0" i="0" u="none" strike="noStrike" kern="1200" dirty="0">
                 <a:solidFill>
                   <a:schemeClr val="tx1"/>
                 </a:solidFill>
@@ -3332,7 +3332,7 @@
               <a:t> mesh, </a:t>
             </a:r>
             <a:r>
-              <a:rPr lang="en-US" sz="1200" b="0" i="0" u="none" strike="noStrike" kern="1200" dirty="0" err="1" smtClean="0">
+              <a:rPr lang="en-US" sz="1200" b="0" i="0" u="none" strike="noStrike" kern="1200" dirty="0" err="1">
                 <a:solidFill>
                   <a:schemeClr val="tx1"/>
                 </a:solidFill>
@@ -3344,7 +3344,7 @@
               <a:t>amelyet</a:t>
             </a:r>
             <a:r>
-              <a:rPr lang="en-US" sz="1200" b="0" i="0" u="none" strike="noStrike" kern="1200" dirty="0" smtClean="0">
+              <a:rPr lang="en-US" sz="1200" b="0" i="0" u="none" strike="noStrike" kern="1200" dirty="0">
                 <a:solidFill>
                   <a:schemeClr val="tx1"/>
                 </a:solidFill>
@@ -3356,7 +3356,7 @@
               <a:t> </a:t>
             </a:r>
             <a:r>
-              <a:rPr lang="en-US" sz="1200" b="0" i="0" u="none" strike="noStrike" kern="1200" dirty="0" err="1" smtClean="0">
+              <a:rPr lang="en-US" sz="1200" b="0" i="0" u="none" strike="noStrike" kern="1200" dirty="0" err="1">
                 <a:solidFill>
                   <a:schemeClr val="tx1"/>
                 </a:solidFill>
@@ -3368,7 +3368,7 @@
               <a:t>ténylegesen</a:t>
             </a:r>
             <a:r>
-              <a:rPr lang="en-US" sz="1200" b="0" i="0" u="none" strike="noStrike" kern="1200" dirty="0" smtClean="0">
+              <a:rPr lang="en-US" sz="1200" b="0" i="0" u="none" strike="noStrike" kern="1200" dirty="0">
                 <a:solidFill>
                   <a:schemeClr val="tx1"/>
                 </a:solidFill>
@@ -3380,7 +3380,7 @@
               <a:t> </a:t>
             </a:r>
             <a:r>
-              <a:rPr lang="en-US" sz="1200" b="0" i="0" u="none" strike="noStrike" kern="1200" dirty="0" err="1" smtClean="0">
+              <a:rPr lang="en-US" sz="1200" b="0" i="0" u="none" strike="noStrike" kern="1200" dirty="0" err="1">
                 <a:solidFill>
                   <a:schemeClr val="tx1"/>
                 </a:solidFill>
@@ -3392,7 +3392,7 @@
               <a:t>ki</a:t>
             </a:r>
             <a:r>
-              <a:rPr lang="en-US" sz="1200" b="0" i="0" u="none" strike="noStrike" kern="1200" dirty="0" smtClean="0">
+              <a:rPr lang="en-US" sz="1200" b="0" i="0" u="none" strike="noStrike" kern="1200" dirty="0">
                 <a:solidFill>
                   <a:schemeClr val="tx1"/>
                 </a:solidFill>
@@ -3404,7 +3404,7 @@
               <a:t> </a:t>
             </a:r>
             <a:r>
-              <a:rPr lang="en-US" sz="1200" b="0" i="0" u="none" strike="noStrike" kern="1200" dirty="0" err="1" smtClean="0">
+              <a:rPr lang="en-US" sz="1200" b="0" i="0" u="none" strike="noStrike" kern="1200" dirty="0" err="1">
                 <a:solidFill>
                   <a:schemeClr val="tx1"/>
                 </a:solidFill>
@@ -3416,7 +3416,7 @@
               <a:t>fogunk</a:t>
             </a:r>
             <a:r>
-              <a:rPr lang="en-US" sz="1200" b="0" i="0" u="none" strike="noStrike" kern="1200" dirty="0" smtClean="0">
+              <a:rPr lang="en-US" sz="1200" b="0" i="0" u="none" strike="noStrike" kern="1200" dirty="0">
                 <a:solidFill>
                   <a:schemeClr val="tx1"/>
                 </a:solidFill>
@@ -3428,7 +3428,7 @@
               <a:t> </a:t>
             </a:r>
             <a:r>
-              <a:rPr lang="en-US" sz="1200" b="0" i="0" u="none" strike="noStrike" kern="1200" dirty="0" err="1" smtClean="0">
+              <a:rPr lang="en-US" sz="1200" b="0" i="0" u="none" strike="noStrike" kern="1200" dirty="0" err="1">
                 <a:solidFill>
                   <a:schemeClr val="tx1"/>
                 </a:solidFill>
@@ -3440,7 +3440,7 @@
               <a:t>rajzolni</a:t>
             </a:r>
             <a:r>
-              <a:rPr lang="en-US" sz="1200" b="0" i="0" u="none" strike="noStrike" kern="1200" dirty="0" smtClean="0">
+              <a:rPr lang="en-US" sz="1200" b="0" i="0" u="none" strike="noStrike" kern="1200" dirty="0">
                 <a:solidFill>
                   <a:schemeClr val="tx1"/>
                 </a:solidFill>
@@ -3452,7 +3452,7 @@
               <a:t> (</a:t>
             </a:r>
             <a:r>
-              <a:rPr lang="en-US" sz="1200" b="0" i="0" u="none" strike="noStrike" kern="1200" dirty="0" err="1" smtClean="0">
+              <a:rPr lang="en-US" sz="1200" b="0" i="0" u="none" strike="noStrike" kern="1200" dirty="0" err="1">
                 <a:solidFill>
                   <a:schemeClr val="tx1"/>
                 </a:solidFill>
@@ -3464,7 +3464,7 @@
               <a:t>egy</a:t>
             </a:r>
             <a:r>
-              <a:rPr lang="en-US" sz="1200" b="0" i="0" u="none" strike="noStrike" kern="1200" dirty="0" smtClean="0">
+              <a:rPr lang="en-US" sz="1200" b="0" i="0" u="none" strike="noStrike" kern="1200" dirty="0">
                 <a:solidFill>
                   <a:schemeClr val="tx1"/>
                 </a:solidFill>
@@ -3476,7 +3476,7 @@
               <a:t> </a:t>
             </a:r>
             <a:r>
-              <a:rPr lang="en-US" sz="1200" b="0" i="0" u="none" strike="noStrike" kern="1200" dirty="0" err="1" smtClean="0">
+              <a:rPr lang="en-US" sz="1200" b="0" i="0" u="none" strike="noStrike" kern="1200" dirty="0" err="1">
                 <a:solidFill>
                   <a:schemeClr val="tx1"/>
                 </a:solidFill>
@@ -3488,7 +3488,7 @@
               <a:t>shadedmesh</a:t>
             </a:r>
             <a:r>
-              <a:rPr lang="en-US" sz="1200" b="0" i="0" u="none" strike="noStrike" kern="1200" dirty="0" smtClean="0">
+              <a:rPr lang="en-US" sz="1200" b="0" i="0" u="none" strike="noStrike" kern="1200" dirty="0">
                 <a:solidFill>
                   <a:schemeClr val="tx1"/>
                 </a:solidFill>
@@ -3500,7 +3500,7 @@
               <a:t> </a:t>
             </a:r>
             <a:r>
-              <a:rPr lang="en-US" sz="1200" b="0" i="0" u="none" strike="noStrike" kern="1200" dirty="0" err="1" smtClean="0">
+              <a:rPr lang="en-US" sz="1200" b="0" i="0" u="none" strike="noStrike" kern="1200" dirty="0" err="1">
                 <a:solidFill>
                   <a:schemeClr val="tx1"/>
                 </a:solidFill>
@@ -3512,7 +3512,7 @@
               <a:t>egy</a:t>
             </a:r>
             <a:r>
-              <a:rPr lang="en-US" sz="1200" b="0" i="0" u="none" strike="noStrike" kern="1200" dirty="0" smtClean="0">
+              <a:rPr lang="en-US" sz="1200" b="0" i="0" u="none" strike="noStrike" kern="1200" dirty="0">
                 <a:solidFill>
                   <a:schemeClr val="tx1"/>
                 </a:solidFill>
@@ -3524,7 +3524,7 @@
               <a:t> geometry </a:t>
             </a:r>
             <a:r>
-              <a:rPr lang="en-US" sz="1200" b="0" i="0" u="none" strike="noStrike" kern="1200" dirty="0" err="1" smtClean="0">
+              <a:rPr lang="en-US" sz="1200" b="0" i="0" u="none" strike="noStrike" kern="1200" dirty="0" err="1">
                 <a:solidFill>
                   <a:schemeClr val="tx1"/>
                 </a:solidFill>
@@ -3536,7 +3536,7 @@
               <a:t>és</a:t>
             </a:r>
             <a:r>
-              <a:rPr lang="en-US" sz="1200" b="0" i="0" u="none" strike="noStrike" kern="1200" dirty="0" smtClean="0">
+              <a:rPr lang="en-US" sz="1200" b="0" i="0" u="none" strike="noStrike" kern="1200" dirty="0">
                 <a:solidFill>
                   <a:schemeClr val="tx1"/>
                 </a:solidFill>
@@ -3548,7 +3548,7 @@
               <a:t> </a:t>
             </a:r>
             <a:r>
-              <a:rPr lang="en-US" sz="1200" b="0" i="0" u="none" strike="noStrike" kern="1200" dirty="0" err="1" smtClean="0">
+              <a:rPr lang="en-US" sz="1200" b="0" i="0" u="none" strike="noStrike" kern="1200" dirty="0" err="1">
                 <a:solidFill>
                   <a:schemeClr val="tx1"/>
                 </a:solidFill>
@@ -3560,7 +3560,7 @@
               <a:t>egy</a:t>
             </a:r>
             <a:r>
-              <a:rPr lang="en-US" sz="1200" b="0" i="0" u="none" strike="noStrike" kern="1200" dirty="0" smtClean="0">
+              <a:rPr lang="en-US" sz="1200" b="0" i="0" u="none" strike="noStrike" kern="1200" dirty="0">
                 <a:solidFill>
                   <a:schemeClr val="tx1"/>
                 </a:solidFill>
@@ -3572,7 +3572,7 @@
               <a:t> material-</a:t>
             </a:r>
             <a:r>
-              <a:rPr lang="en-US" sz="1200" b="0" i="0" u="none" strike="noStrike" kern="1200" dirty="0" err="1" smtClean="0">
+              <a:rPr lang="en-US" sz="1200" b="0" i="0" u="none" strike="noStrike" kern="1200" dirty="0" err="1">
                 <a:solidFill>
                   <a:schemeClr val="tx1"/>
                 </a:solidFill>
@@ -3584,7 +3584,7 @@
               <a:t>ból</a:t>
             </a:r>
             <a:r>
-              <a:rPr lang="en-US" sz="1200" b="0" i="0" u="none" strike="noStrike" kern="1200" dirty="0" smtClean="0">
+              <a:rPr lang="en-US" sz="1200" b="0" i="0" u="none" strike="noStrike" kern="1200" dirty="0">
                 <a:solidFill>
                   <a:schemeClr val="tx1"/>
                 </a:solidFill>
@@ -3596,7 +3596,7 @@
               <a:t> </a:t>
             </a:r>
             <a:r>
-              <a:rPr lang="en-US" sz="1200" b="0" i="0" u="none" strike="noStrike" kern="1200" dirty="0" err="1" smtClean="0">
+              <a:rPr lang="en-US" sz="1200" b="0" i="0" u="none" strike="noStrike" kern="1200" dirty="0" err="1">
                 <a:solidFill>
                   <a:schemeClr val="tx1"/>
                 </a:solidFill>
@@ -3608,7 +3608,7 @@
               <a:t>áll</a:t>
             </a:r>
             <a:r>
-              <a:rPr lang="en-US" sz="1200" b="0" i="0" u="none" strike="noStrike" kern="1200" dirty="0" smtClean="0">
+              <a:rPr lang="en-US" sz="1200" b="0" i="0" u="none" strike="noStrike" kern="1200" dirty="0">
                 <a:solidFill>
                   <a:schemeClr val="tx1"/>
                 </a:solidFill>
@@ -3620,7 +3620,7 @@
               <a:t>).</a:t>
             </a:r>
             <a:r>
-              <a:rPr lang="en-US" sz="1200" b="0" i="0" kern="1200" dirty="0" smtClean="0">
+              <a:rPr lang="en-US" sz="1200" b="0" i="0" kern="1200" dirty="0">
                 <a:solidFill>
                   <a:schemeClr val="tx1"/>
                 </a:solidFill>
@@ -3635,7 +3635,7 @@
           <a:p>
             <a:pPr rtl="0" fontAlgn="base"/>
             <a:r>
-              <a:rPr lang="en-US" sz="1200" b="0" i="0" kern="1200" dirty="0" smtClean="0">
+              <a:rPr lang="en-US" sz="1200" b="0" i="0" kern="1200" dirty="0">
                 <a:solidFill>
                   <a:schemeClr val="tx1"/>
                 </a:solidFill>
@@ -3650,7 +3650,7 @@
           <a:p>
             <a:pPr rtl="0" fontAlgn="base"/>
             <a:r>
-              <a:rPr lang="en-US" sz="1200" b="0" i="0" u="none" strike="noStrike" kern="1200" dirty="0" smtClean="0">
+              <a:rPr lang="en-US" sz="1200" b="0" i="0" u="none" strike="noStrike" kern="1200" dirty="0">
                 <a:solidFill>
                   <a:schemeClr val="tx1"/>
                 </a:solidFill>
@@ -3662,7 +3662,7 @@
               <a:t>A </a:t>
             </a:r>
             <a:r>
-              <a:rPr lang="en-US" sz="1200" b="0" i="0" u="none" strike="noStrike" kern="1200" dirty="0" err="1" smtClean="0">
+              <a:rPr lang="en-US" sz="1200" b="0" i="0" u="none" strike="noStrike" kern="1200" dirty="0" err="1">
                 <a:solidFill>
                   <a:schemeClr val="tx1"/>
                 </a:solidFill>
@@ -3674,7 +3674,7 @@
               <a:t>néhány</a:t>
             </a:r>
             <a:r>
-              <a:rPr lang="en-US" sz="1200" b="0" i="0" u="none" strike="noStrike" kern="1200" dirty="0" smtClean="0">
+              <a:rPr lang="en-US" sz="1200" b="0" i="0" u="none" strike="noStrike" kern="1200" dirty="0">
                 <a:solidFill>
                   <a:schemeClr val="tx1"/>
                 </a:solidFill>
@@ -3686,7 +3686,7 @@
               <a:t> </a:t>
             </a:r>
             <a:r>
-              <a:rPr lang="en-US" sz="1200" b="0" i="0" u="none" strike="noStrike" kern="1200" dirty="0" err="1" smtClean="0">
+              <a:rPr lang="en-US" sz="1200" b="0" i="0" u="none" strike="noStrike" kern="1200" dirty="0" err="1">
                 <a:solidFill>
                   <a:schemeClr val="tx1"/>
                 </a:solidFill>
@@ -3698,7 +3698,7 @@
               <a:t>diával</a:t>
             </a:r>
             <a:r>
-              <a:rPr lang="en-US" sz="1200" b="0" i="0" u="none" strike="noStrike" kern="1200" dirty="0" smtClean="0">
+              <a:rPr lang="en-US" sz="1200" b="0" i="0" u="none" strike="noStrike" kern="1200" dirty="0">
                 <a:solidFill>
                   <a:schemeClr val="tx1"/>
                 </a:solidFill>
@@ -3710,7 +3710,7 @@
               <a:t> </a:t>
             </a:r>
             <a:r>
-              <a:rPr lang="en-US" sz="1200" b="0" i="0" u="none" strike="noStrike" kern="1200" dirty="0" err="1" smtClean="0">
+              <a:rPr lang="en-US" sz="1200" b="0" i="0" u="none" strike="noStrike" kern="1200" dirty="0" err="1">
                 <a:solidFill>
                   <a:schemeClr val="tx1"/>
                 </a:solidFill>
@@ -3722,7 +3722,7 @@
               <a:t>ezelőtt</a:t>
             </a:r>
             <a:r>
-              <a:rPr lang="en-US" sz="1200" b="0" i="0" u="none" strike="noStrike" kern="1200" dirty="0" smtClean="0">
+              <a:rPr lang="en-US" sz="1200" b="0" i="0" u="none" strike="noStrike" kern="1200" dirty="0">
                 <a:solidFill>
                   <a:schemeClr val="tx1"/>
                 </a:solidFill>
@@ -3734,7 +3734,7 @@
               <a:t> </a:t>
             </a:r>
             <a:r>
-              <a:rPr lang="en-US" sz="1200" b="0" i="0" u="none" strike="noStrike" kern="1200" dirty="0" err="1" smtClean="0">
+              <a:rPr lang="en-US" sz="1200" b="0" i="0" u="none" strike="noStrike" kern="1200" dirty="0" err="1">
                 <a:solidFill>
                   <a:schemeClr val="tx1"/>
                 </a:solidFill>
@@ -3746,7 +3746,7 @@
               <a:t>létrehozott</a:t>
             </a:r>
             <a:r>
-              <a:rPr lang="en-US" sz="1200" b="0" i="0" u="none" strike="noStrike" kern="1200" dirty="0" smtClean="0">
+              <a:rPr lang="en-US" sz="1200" b="0" i="0" u="none" strike="noStrike" kern="1200" dirty="0">
                 <a:solidFill>
                   <a:schemeClr val="tx1"/>
                 </a:solidFill>
@@ -3758,7 +3758,7 @@
               <a:t> </a:t>
             </a:r>
             <a:r>
-              <a:rPr lang="en-US" sz="1200" b="0" i="0" u="none" strike="noStrike" kern="1200" dirty="0" err="1" smtClean="0">
+              <a:rPr lang="en-US" sz="1200" b="0" i="0" u="none" strike="noStrike" kern="1200" dirty="0" err="1">
                 <a:solidFill>
                   <a:schemeClr val="tx1"/>
                 </a:solidFill>
@@ -3770,7 +3770,7 @@
               <a:t>PerObjectCb</a:t>
             </a:r>
             <a:r>
-              <a:rPr lang="en-US" sz="1200" b="0" i="0" u="none" strike="noStrike" kern="1200" dirty="0" smtClean="0">
+              <a:rPr lang="en-US" sz="1200" b="0" i="0" u="none" strike="noStrike" kern="1200" dirty="0">
                 <a:solidFill>
                   <a:schemeClr val="tx1"/>
                 </a:solidFill>
@@ -3782,7 +3782,7 @@
               <a:t>, a </a:t>
             </a:r>
             <a:r>
-              <a:rPr lang="en-US" sz="1200" b="0" i="0" u="none" strike="noStrike" kern="1200" dirty="0" err="1" smtClean="0">
+              <a:rPr lang="en-US" sz="1200" b="0" i="0" u="none" strike="noStrike" kern="1200" dirty="0" err="1">
                 <a:solidFill>
                   <a:schemeClr val="tx1"/>
                 </a:solidFill>
@@ -3794,7 +3794,7 @@
               <a:t>tényleges</a:t>
             </a:r>
             <a:r>
-              <a:rPr lang="en-US" sz="1200" b="0" i="0" u="none" strike="noStrike" kern="1200" dirty="0" smtClean="0">
+              <a:rPr lang="en-US" sz="1200" b="0" i="0" u="none" strike="noStrike" kern="1200" dirty="0">
                 <a:solidFill>
                   <a:schemeClr val="tx1"/>
                 </a:solidFill>
@@ -3806,7 +3806,7 @@
               <a:t> </a:t>
             </a:r>
             <a:r>
-              <a:rPr lang="en-US" sz="1200" b="0" i="0" u="none" strike="noStrike" kern="1200" dirty="0" err="1" smtClean="0">
+              <a:rPr lang="en-US" sz="1200" b="0" i="0" u="none" strike="noStrike" kern="1200" dirty="0" err="1">
                 <a:solidFill>
                   <a:schemeClr val="tx1"/>
                 </a:solidFill>
@@ -3818,7 +3818,7 @@
               <a:t>reprezentációja</a:t>
             </a:r>
             <a:r>
-              <a:rPr lang="en-US" sz="1200" b="0" i="0" u="none" strike="noStrike" kern="1200" dirty="0" smtClean="0">
+              <a:rPr lang="en-US" sz="1200" b="0" i="0" u="none" strike="noStrike" kern="1200" dirty="0">
                 <a:solidFill>
                   <a:schemeClr val="tx1"/>
                 </a:solidFill>
@@ -3830,7 +3830,7 @@
               <a:t> </a:t>
             </a:r>
             <a:r>
-              <a:rPr lang="en-US" sz="1200" b="0" i="0" u="none" strike="noStrike" kern="1200" dirty="0" err="1" smtClean="0">
+              <a:rPr lang="en-US" sz="1200" b="0" i="0" u="none" strike="noStrike" kern="1200" dirty="0" err="1">
                 <a:solidFill>
                   <a:schemeClr val="tx1"/>
                 </a:solidFill>
@@ -3842,7 +3842,7 @@
               <a:t>lesz</a:t>
             </a:r>
             <a:r>
-              <a:rPr lang="en-US" sz="1200" b="0" i="0" u="none" strike="noStrike" kern="1200" dirty="0" smtClean="0">
+              <a:rPr lang="en-US" sz="1200" b="0" i="0" u="none" strike="noStrike" kern="1200" dirty="0">
                 <a:solidFill>
                   <a:schemeClr val="tx1"/>
                 </a:solidFill>
@@ -3854,7 +3854,7 @@
               <a:t> </a:t>
             </a:r>
             <a:r>
-              <a:rPr lang="en-US" sz="1200" b="0" i="0" u="none" strike="noStrike" kern="1200" dirty="0" err="1" smtClean="0">
+              <a:rPr lang="en-US" sz="1200" b="0" i="0" u="none" strike="noStrike" kern="1200" dirty="0" err="1">
                 <a:solidFill>
                   <a:schemeClr val="tx1"/>
                 </a:solidFill>
@@ -3866,7 +3866,7 @@
               <a:t>majd</a:t>
             </a:r>
             <a:r>
-              <a:rPr lang="en-US" sz="1200" b="0" i="0" u="none" strike="noStrike" kern="1200" dirty="0" smtClean="0">
+              <a:rPr lang="en-US" sz="1200" b="0" i="0" u="none" strike="noStrike" kern="1200" dirty="0">
                 <a:solidFill>
                   <a:schemeClr val="tx1"/>
                 </a:solidFill>
@@ -3878,7 +3878,7 @@
               <a:t> a </a:t>
             </a:r>
             <a:r>
-              <a:rPr lang="en-US" sz="1200" b="0" i="0" u="none" strike="noStrike" kern="1200" dirty="0" err="1" smtClean="0">
+              <a:rPr lang="en-US" sz="1200" b="0" i="0" u="none" strike="noStrike" kern="1200" dirty="0" err="1">
                 <a:solidFill>
                   <a:schemeClr val="tx1"/>
                 </a:solidFill>
@@ -3890,7 +3890,7 @@
               <a:t>konstans</a:t>
             </a:r>
             <a:r>
-              <a:rPr lang="en-US" sz="1200" b="0" i="0" u="none" strike="noStrike" kern="1200" dirty="0" smtClean="0">
+              <a:rPr lang="en-US" sz="1200" b="0" i="0" u="none" strike="noStrike" kern="1200" dirty="0">
                 <a:solidFill>
                   <a:schemeClr val="tx1"/>
                 </a:solidFill>
@@ -3902,7 +3902,7 @@
               <a:t> buffer </a:t>
             </a:r>
             <a:r>
-              <a:rPr lang="en-US" sz="1200" b="0" i="0" u="none" strike="noStrike" kern="1200" dirty="0" err="1" smtClean="0">
+              <a:rPr lang="en-US" sz="1200" b="0" i="0" u="none" strike="noStrike" kern="1200" dirty="0" err="1">
                 <a:solidFill>
                   <a:schemeClr val="tx1"/>
                 </a:solidFill>
@@ -3914,7 +3914,7 @@
               <a:t>tartalmának</a:t>
             </a:r>
             <a:r>
-              <a:rPr lang="en-US" sz="1200" b="0" i="0" u="none" strike="noStrike" kern="1200" dirty="0" smtClean="0">
+              <a:rPr lang="en-US" sz="1200" b="0" i="0" u="none" strike="noStrike" kern="1200" dirty="0">
                 <a:solidFill>
                   <a:schemeClr val="tx1"/>
                 </a:solidFill>
@@ -3926,7 +3926,7 @@
               <a:t>.</a:t>
             </a:r>
             <a:r>
-              <a:rPr lang="en-US" sz="1200" b="0" i="0" kern="1200" dirty="0" smtClean="0">
+              <a:rPr lang="en-US" sz="1200" b="0" i="0" kern="1200" dirty="0">
                 <a:solidFill>
                   <a:schemeClr val="tx1"/>
                 </a:solidFill>
@@ -3941,7 +3941,7 @@
           <a:p>
             <a:pPr rtl="0" fontAlgn="base"/>
             <a:r>
-              <a:rPr lang="en-US" sz="1200" b="0" i="0" kern="1200" dirty="0" smtClean="0">
+              <a:rPr lang="en-US" sz="1200" b="0" i="0" kern="1200" dirty="0">
                 <a:solidFill>
                   <a:schemeClr val="tx1"/>
                 </a:solidFill>
@@ -3956,7 +3956,7 @@
           <a:p>
             <a:pPr rtl="0" fontAlgn="base"/>
             <a:r>
-              <a:rPr lang="en-US" sz="1200" b="0" i="0" u="none" strike="noStrike" kern="1200" dirty="0" err="1" smtClean="0">
+              <a:rPr lang="en-US" sz="1200" b="0" i="0" u="none" strike="noStrike" kern="1200" dirty="0" err="1">
                 <a:solidFill>
                   <a:schemeClr val="tx1"/>
                 </a:solidFill>
@@ -3968,7 +3968,7 @@
               <a:t>constantBuffer</a:t>
             </a:r>
             <a:r>
-              <a:rPr lang="en-US" sz="1200" b="0" i="0" u="none" strike="noStrike" kern="1200" dirty="0" smtClean="0">
+              <a:rPr lang="en-US" sz="1200" b="0" i="0" u="none" strike="noStrike" kern="1200" dirty="0">
                 <a:solidFill>
                   <a:schemeClr val="tx1"/>
                 </a:solidFill>
@@ -3980,7 +3980,7 @@
               <a:t>: A DirectX12-es </a:t>
             </a:r>
             <a:r>
-              <a:rPr lang="en-US" sz="1200" b="0" i="0" u="none" strike="noStrike" kern="1200" dirty="0" err="1" smtClean="0">
+              <a:rPr lang="en-US" sz="1200" b="0" i="0" u="none" strike="noStrike" kern="1200" dirty="0" err="1">
                 <a:solidFill>
                   <a:schemeClr val="tx1"/>
                 </a:solidFill>
@@ -3992,7 +3992,7 @@
               <a:t>erőforrás</a:t>
             </a:r>
             <a:r>
-              <a:rPr lang="en-US" sz="1200" b="0" i="0" u="none" strike="noStrike" kern="1200" dirty="0" smtClean="0">
+              <a:rPr lang="en-US" sz="1200" b="0" i="0" u="none" strike="noStrike" kern="1200" dirty="0">
                 <a:solidFill>
                   <a:schemeClr val="tx1"/>
                 </a:solidFill>
@@ -4004,7 +4004,7 @@
               <a:t> pointer</a:t>
             </a:r>
             <a:r>
-              <a:rPr lang="en-US" sz="1200" b="0" i="0" kern="1200" dirty="0" smtClean="0">
+              <a:rPr lang="en-US" sz="1200" b="0" i="0" kern="1200" dirty="0">
                 <a:solidFill>
                   <a:schemeClr val="tx1"/>
                 </a:solidFill>
@@ -4019,7 +4019,7 @@
           <a:p>
             <a:pPr rtl="0" fontAlgn="base"/>
             <a:r>
-              <a:rPr lang="en-US" sz="1200" b="0" i="0" kern="1200" dirty="0" smtClean="0">
+              <a:rPr lang="en-US" sz="1200" b="0" i="0" kern="1200" dirty="0">
                 <a:solidFill>
                   <a:schemeClr val="tx1"/>
                 </a:solidFill>
@@ -4034,7 +4034,7 @@
           <a:p>
             <a:pPr rtl="0" fontAlgn="base"/>
             <a:r>
-              <a:rPr lang="en-US" sz="1200" b="0" i="0" u="none" strike="noStrike" kern="1200" dirty="0" smtClean="0">
+              <a:rPr lang="en-US" sz="1200" b="0" i="0" u="none" strike="noStrike" kern="1200" dirty="0">
                 <a:solidFill>
                   <a:schemeClr val="tx1"/>
                 </a:solidFill>
@@ -4046,7 +4046,7 @@
               <a:t>UINT8* </a:t>
             </a:r>
             <a:r>
-              <a:rPr lang="en-US" sz="1200" b="0" i="0" u="none" strike="noStrike" kern="1200" dirty="0" err="1" smtClean="0">
+              <a:rPr lang="en-US" sz="1200" b="0" i="0" u="none" strike="noStrike" kern="1200" dirty="0" err="1">
                 <a:solidFill>
                   <a:schemeClr val="tx1"/>
                 </a:solidFill>
@@ -4058,7 +4058,7 @@
               <a:t>mappedPtr</a:t>
             </a:r>
             <a:r>
-              <a:rPr lang="en-US" sz="1200" b="0" i="0" u="none" strike="noStrike" kern="1200" dirty="0" smtClean="0">
+              <a:rPr lang="en-US" sz="1200" b="0" i="0" u="none" strike="noStrike" kern="1200" dirty="0">
                 <a:solidFill>
                   <a:schemeClr val="tx1"/>
                 </a:solidFill>
@@ -4070,7 +4070,7 @@
               <a:t>: ide </a:t>
             </a:r>
             <a:r>
-              <a:rPr lang="en-US" sz="1200" b="0" i="0" u="none" strike="noStrike" kern="1200" dirty="0" err="1" smtClean="0">
+              <a:rPr lang="en-US" sz="1200" b="0" i="0" u="none" strike="noStrike" kern="1200" dirty="0" err="1">
                 <a:solidFill>
                   <a:schemeClr val="tx1"/>
                 </a:solidFill>
@@ -4082,7 +4082,7 @@
               <a:t>fogjuk</a:t>
             </a:r>
             <a:r>
-              <a:rPr lang="en-US" sz="1200" b="0" i="0" u="none" strike="noStrike" kern="1200" dirty="0" smtClean="0">
+              <a:rPr lang="en-US" sz="1200" b="0" i="0" u="none" strike="noStrike" kern="1200" dirty="0">
                 <a:solidFill>
                   <a:schemeClr val="tx1"/>
                 </a:solidFill>
@@ -4094,7 +4094,7 @@
               <a:t> </a:t>
             </a:r>
             <a:r>
-              <a:rPr lang="en-US" sz="1200" b="0" i="0" u="none" strike="noStrike" kern="1200" dirty="0" err="1" smtClean="0">
+              <a:rPr lang="en-US" sz="1200" b="0" i="0" u="none" strike="noStrike" kern="1200" dirty="0" err="1">
                 <a:solidFill>
                   <a:schemeClr val="tx1"/>
                 </a:solidFill>
@@ -4106,7 +4106,7 @@
               <a:t>feltölteni</a:t>
             </a:r>
             <a:r>
-              <a:rPr lang="en-US" sz="1200" b="0" i="0" u="none" strike="noStrike" kern="1200" dirty="0" smtClean="0">
+              <a:rPr lang="en-US" sz="1200" b="0" i="0" u="none" strike="noStrike" kern="1200" dirty="0">
                 <a:solidFill>
                   <a:schemeClr val="tx1"/>
                 </a:solidFill>
@@ -4118,7 +4118,7 @@
               <a:t> </a:t>
             </a:r>
             <a:r>
-              <a:rPr lang="en-US" sz="1200" b="0" i="0" u="none" strike="noStrike" kern="1200" dirty="0" err="1" smtClean="0">
+              <a:rPr lang="en-US" sz="1200" b="0" i="0" u="none" strike="noStrike" kern="1200" dirty="0" err="1">
                 <a:solidFill>
                   <a:schemeClr val="tx1"/>
                 </a:solidFill>
@@ -4130,7 +4130,7 @@
               <a:t>az</a:t>
             </a:r>
             <a:r>
-              <a:rPr lang="en-US" sz="1200" b="0" i="0" u="none" strike="noStrike" kern="1200" dirty="0" smtClean="0">
+              <a:rPr lang="en-US" sz="1200" b="0" i="0" u="none" strike="noStrike" kern="1200" dirty="0">
                 <a:solidFill>
                   <a:schemeClr val="tx1"/>
                 </a:solidFill>
@@ -4142,7 +4142,7 @@
               <a:t> </a:t>
             </a:r>
             <a:r>
-              <a:rPr lang="en-US" sz="1200" b="0" i="0" u="none" strike="noStrike" kern="1200" dirty="0" err="1" smtClean="0">
+              <a:rPr lang="en-US" sz="1200" b="0" i="0" u="none" strike="noStrike" kern="1200" dirty="0" err="1">
                 <a:solidFill>
                   <a:schemeClr val="tx1"/>
                 </a:solidFill>
@@ -4154,7 +4154,7 @@
               <a:t>adatokat</a:t>
             </a:r>
             <a:r>
-              <a:rPr lang="en-US" sz="1200" b="0" i="0" u="none" strike="noStrike" kern="1200" dirty="0" smtClean="0">
+              <a:rPr lang="en-US" sz="1200" b="0" i="0" u="none" strike="noStrike" kern="1200" dirty="0">
                 <a:solidFill>
                   <a:schemeClr val="tx1"/>
                 </a:solidFill>
@@ -4166,7 +4166,7 @@
               <a:t> </a:t>
             </a:r>
             <a:r>
-              <a:rPr lang="en-US" sz="1200" b="0" i="0" u="none" strike="noStrike" kern="1200" dirty="0" err="1" smtClean="0">
+              <a:rPr lang="en-US" sz="1200" b="0" i="0" u="none" strike="noStrike" kern="1200" dirty="0" err="1">
                 <a:solidFill>
                   <a:schemeClr val="tx1"/>
                 </a:solidFill>
@@ -4178,7 +4178,7 @@
               <a:t>memcpy</a:t>
             </a:r>
             <a:r>
-              <a:rPr lang="en-US" sz="1200" b="0" i="0" u="none" strike="noStrike" kern="1200" dirty="0" smtClean="0">
+              <a:rPr lang="en-US" sz="1200" b="0" i="0" u="none" strike="noStrike" kern="1200" dirty="0">
                 <a:solidFill>
                   <a:schemeClr val="tx1"/>
                 </a:solidFill>
@@ -4190,7 +4190,7 @@
               <a:t> </a:t>
             </a:r>
             <a:r>
-              <a:rPr lang="en-US" sz="1200" b="0" i="0" u="none" strike="noStrike" kern="1200" dirty="0" err="1" smtClean="0">
+              <a:rPr lang="en-US" sz="1200" b="0" i="0" u="none" strike="noStrike" kern="1200" dirty="0" err="1">
                 <a:solidFill>
                   <a:schemeClr val="tx1"/>
                 </a:solidFill>
@@ -4202,7 +4202,7 @@
               <a:t>függvény</a:t>
             </a:r>
             <a:r>
-              <a:rPr lang="en-US" sz="1200" b="0" i="0" u="none" strike="noStrike" kern="1200" dirty="0" smtClean="0">
+              <a:rPr lang="en-US" sz="1200" b="0" i="0" u="none" strike="noStrike" kern="1200" dirty="0">
                 <a:solidFill>
                   <a:schemeClr val="tx1"/>
                 </a:solidFill>
@@ -4214,7 +4214,7 @@
               <a:t> </a:t>
             </a:r>
             <a:r>
-              <a:rPr lang="en-US" sz="1200" b="0" i="0" u="none" strike="noStrike" kern="1200" dirty="0" err="1" smtClean="0">
+              <a:rPr lang="en-US" sz="1200" b="0" i="0" u="none" strike="noStrike" kern="1200" dirty="0" err="1">
                 <a:solidFill>
                   <a:schemeClr val="tx1"/>
                 </a:solidFill>
@@ -4226,7 +4226,7 @@
               <a:t>segítségével</a:t>
             </a:r>
             <a:r>
-              <a:rPr lang="en-US" sz="1200" b="0" i="0" u="none" strike="noStrike" kern="1200" dirty="0" smtClean="0">
+              <a:rPr lang="en-US" sz="1200" b="0" i="0" u="none" strike="noStrike" kern="1200" dirty="0">
                 <a:solidFill>
                   <a:schemeClr val="tx1"/>
                 </a:solidFill>
@@ -4237,7 +4237,7 @@
               </a:rPr>
               <a:t>.</a:t>
             </a:r>
-            <a:endParaRPr lang="en-US" sz="1200" b="0" i="0" kern="1200" dirty="0" smtClean="0">
+            <a:endParaRPr lang="en-US" sz="1200" b="0" i="0" kern="1200" dirty="0">
               <a:solidFill>
                 <a:schemeClr val="tx1"/>
               </a:solidFill>
@@ -4337,7 +4337,7 @@
           <a:p>
             <a:pPr rtl="0" fontAlgn="base"/>
             <a:r>
-              <a:rPr lang="en-US" sz="1200" b="0" i="0" u="none" strike="noStrike" kern="1200" dirty="0" err="1" smtClean="0">
+              <a:rPr lang="en-US" sz="1200" b="0" i="0" u="none" strike="noStrike" kern="1200" dirty="0" err="1">
                 <a:solidFill>
                   <a:schemeClr val="tx1"/>
                 </a:solidFill>
@@ -4349,7 +4349,7 @@
               <a:t>Itt</a:t>
             </a:r>
             <a:r>
-              <a:rPr lang="en-US" sz="1200" b="0" i="0" u="none" strike="noStrike" kern="1200" dirty="0" smtClean="0">
+              <a:rPr lang="en-US" sz="1200" b="0" i="0" u="none" strike="noStrike" kern="1200" dirty="0">
                 <a:solidFill>
                   <a:schemeClr val="tx1"/>
                 </a:solidFill>
@@ -4361,7 +4361,7 @@
               <a:t> </a:t>
             </a:r>
             <a:r>
-              <a:rPr lang="en-US" sz="1200" b="0" i="0" u="none" strike="noStrike" kern="1200" dirty="0" err="1" smtClean="0">
+              <a:rPr lang="en-US" sz="1200" b="0" i="0" u="none" strike="noStrike" kern="1200" dirty="0" err="1">
                 <a:solidFill>
                   <a:schemeClr val="tx1"/>
                 </a:solidFill>
@@ -4373,7 +4373,7 @@
               <a:t>inicializáljuk</a:t>
             </a:r>
             <a:r>
-              <a:rPr lang="en-US" sz="1200" b="0" i="0" u="none" strike="noStrike" kern="1200" dirty="0" smtClean="0">
+              <a:rPr lang="en-US" sz="1200" b="0" i="0" u="none" strike="noStrike" kern="1200" dirty="0">
                 <a:solidFill>
                   <a:schemeClr val="tx1"/>
                 </a:solidFill>
@@ -4385,7 +4385,7 @@
               <a:t> a </a:t>
             </a:r>
             <a:r>
-              <a:rPr lang="en-US" sz="1200" b="0" i="0" u="none" strike="noStrike" kern="1200" dirty="0" err="1" smtClean="0">
+              <a:rPr lang="en-US" sz="1200" b="0" i="0" u="none" strike="noStrike" kern="1200" dirty="0" err="1">
                 <a:solidFill>
                   <a:schemeClr val="tx1"/>
                 </a:solidFill>
@@ -4397,7 +4397,7 @@
               <a:t>directX-es</a:t>
             </a:r>
             <a:r>
-              <a:rPr lang="en-US" sz="1200" b="0" i="0" u="none" strike="noStrike" kern="1200" dirty="0" smtClean="0">
+              <a:rPr lang="en-US" sz="1200" b="0" i="0" u="none" strike="noStrike" kern="1200" dirty="0">
                 <a:solidFill>
                   <a:schemeClr val="tx1"/>
                 </a:solidFill>
@@ -4409,7 +4409,7 @@
               <a:t> </a:t>
             </a:r>
             <a:r>
-              <a:rPr lang="en-US" sz="1200" b="0" i="0" u="none" strike="noStrike" kern="1200" dirty="0" err="1" smtClean="0">
+              <a:rPr lang="en-US" sz="1200" b="0" i="0" u="none" strike="noStrike" kern="1200" dirty="0" err="1">
                 <a:solidFill>
                   <a:schemeClr val="tx1"/>
                 </a:solidFill>
@@ -4421,7 +4421,7 @@
               <a:t>erőforrást</a:t>
             </a:r>
             <a:r>
-              <a:rPr lang="en-US" sz="1200" b="0" i="0" u="none" strike="noStrike" kern="1200" dirty="0" smtClean="0">
+              <a:rPr lang="en-US" sz="1200" b="0" i="0" u="none" strike="noStrike" kern="1200" dirty="0">
                 <a:solidFill>
                   <a:schemeClr val="tx1"/>
                 </a:solidFill>
@@ -4433,7 +4433,7 @@
               <a:t>, </a:t>
             </a:r>
             <a:r>
-              <a:rPr lang="en-US" sz="1200" b="0" i="0" u="none" strike="noStrike" kern="1200" dirty="0" err="1" smtClean="0">
+              <a:rPr lang="en-US" sz="1200" b="0" i="0" u="none" strike="noStrike" kern="1200" dirty="0" err="1">
                 <a:solidFill>
                   <a:schemeClr val="tx1"/>
                 </a:solidFill>
@@ -4445,7 +4445,7 @@
               <a:t>létrehozunk</a:t>
             </a:r>
             <a:r>
-              <a:rPr lang="en-US" sz="1200" b="0" i="0" u="none" strike="noStrike" kern="1200" dirty="0" smtClean="0">
+              <a:rPr lang="en-US" sz="1200" b="0" i="0" u="none" strike="noStrike" kern="1200" dirty="0">
                 <a:solidFill>
                   <a:schemeClr val="tx1"/>
                 </a:solidFill>
@@ -4457,7 +4457,7 @@
               <a:t> </a:t>
             </a:r>
             <a:r>
-              <a:rPr lang="en-US" sz="1200" b="0" i="0" u="none" strike="noStrike" kern="1200" dirty="0" err="1" smtClean="0">
+              <a:rPr lang="en-US" sz="1200" b="0" i="0" u="none" strike="noStrike" kern="1200" dirty="0" err="1">
                 <a:solidFill>
                   <a:schemeClr val="tx1"/>
                 </a:solidFill>
@@ -4469,7 +4469,7 @@
               <a:t>egy</a:t>
             </a:r>
             <a:r>
-              <a:rPr lang="en-US" sz="1200" b="0" i="0" u="none" strike="noStrike" kern="1200" dirty="0" smtClean="0">
+              <a:rPr lang="en-US" sz="1200" b="0" i="0" u="none" strike="noStrike" kern="1200" dirty="0">
                 <a:solidFill>
                   <a:schemeClr val="tx1"/>
                 </a:solidFill>
@@ -4481,7 +4481,7 @@
               <a:t> </a:t>
             </a:r>
             <a:r>
-              <a:rPr lang="en-US" sz="1200" b="0" i="0" u="none" strike="noStrike" kern="1200" dirty="0" err="1" smtClean="0">
+              <a:rPr lang="en-US" sz="1200" b="0" i="0" u="none" strike="noStrike" kern="1200" dirty="0" err="1">
                 <a:solidFill>
                   <a:schemeClr val="tx1"/>
                 </a:solidFill>
@@ -4493,7 +4493,7 @@
               <a:t>committedresources</a:t>
             </a:r>
             <a:r>
-              <a:rPr lang="en-US" sz="1200" b="0" i="0" u="none" strike="noStrike" kern="1200" dirty="0" smtClean="0">
+              <a:rPr lang="en-US" sz="1200" b="0" i="0" u="none" strike="noStrike" kern="1200" dirty="0">
                 <a:solidFill>
                   <a:schemeClr val="tx1"/>
                 </a:solidFill>
@@ -4505,7 +4505,7 @@
               <a:t>-t, </a:t>
             </a:r>
             <a:r>
-              <a:rPr lang="en-US" sz="1200" b="0" i="0" u="none" strike="noStrike" kern="1200" dirty="0" err="1" smtClean="0">
+              <a:rPr lang="en-US" sz="1200" b="0" i="0" u="none" strike="noStrike" kern="1200" dirty="0" err="1">
                 <a:solidFill>
                   <a:schemeClr val="tx1"/>
                 </a:solidFill>
@@ -4517,7 +4517,7 @@
               <a:t>amely</a:t>
             </a:r>
             <a:r>
-              <a:rPr lang="en-US" sz="1200" b="0" i="0" u="none" strike="noStrike" kern="1200" dirty="0" smtClean="0">
+              <a:rPr lang="en-US" sz="1200" b="0" i="0" u="none" strike="noStrike" kern="1200" dirty="0">
                 <a:solidFill>
                   <a:schemeClr val="tx1"/>
                 </a:solidFill>
@@ -4529,7 +4529,7 @@
               <a:t> </a:t>
             </a:r>
             <a:r>
-              <a:rPr lang="en-US" sz="1200" b="0" i="0" u="none" strike="noStrike" kern="1200" dirty="0" err="1" smtClean="0">
+              <a:rPr lang="en-US" sz="1200" b="0" i="0" u="none" strike="noStrike" kern="1200" dirty="0" err="1">
                 <a:solidFill>
                   <a:schemeClr val="tx1"/>
                 </a:solidFill>
@@ -4541,7 +4541,7 @@
               <a:t>végig</a:t>
             </a:r>
             <a:r>
-              <a:rPr lang="en-US" sz="1200" b="0" i="0" u="none" strike="noStrike" kern="1200" dirty="0" smtClean="0">
+              <a:rPr lang="en-US" sz="1200" b="0" i="0" u="none" strike="noStrike" kern="1200" dirty="0">
                 <a:solidFill>
                   <a:schemeClr val="tx1"/>
                 </a:solidFill>
@@ -4553,7 +4553,7 @@
               <a:t> D3D12_RESOURCE_STATE_GENERIC_READ </a:t>
             </a:r>
             <a:r>
-              <a:rPr lang="en-US" sz="1200" b="0" i="0" u="none" strike="noStrike" kern="1200" dirty="0" err="1" smtClean="0">
+              <a:rPr lang="en-US" sz="1200" b="0" i="0" u="none" strike="noStrike" kern="1200" dirty="0" err="1">
                 <a:solidFill>
                   <a:schemeClr val="tx1"/>
                 </a:solidFill>
@@ -4565,7 +4565,7 @@
               <a:t>állapotban</a:t>
             </a:r>
             <a:r>
-              <a:rPr lang="en-US" sz="1200" b="0" i="0" u="none" strike="noStrike" kern="1200" dirty="0" smtClean="0">
+              <a:rPr lang="en-US" sz="1200" b="0" i="0" u="none" strike="noStrike" kern="1200" dirty="0">
                 <a:solidFill>
                   <a:schemeClr val="tx1"/>
                 </a:solidFill>
@@ -4577,7 +4577,7 @@
               <a:t> </a:t>
             </a:r>
             <a:r>
-              <a:rPr lang="en-US" sz="1200" b="0" i="0" u="none" strike="noStrike" kern="1200" dirty="0" err="1" smtClean="0">
+              <a:rPr lang="en-US" sz="1200" b="0" i="0" u="none" strike="noStrike" kern="1200" dirty="0" err="1">
                 <a:solidFill>
                   <a:schemeClr val="tx1"/>
                 </a:solidFill>
@@ -4589,7 +4589,7 @@
               <a:t>lesz</a:t>
             </a:r>
             <a:r>
-              <a:rPr lang="en-US" sz="1200" b="0" i="0" u="none" strike="noStrike" kern="1200" dirty="0" smtClean="0">
+              <a:rPr lang="en-US" sz="1200" b="0" i="0" u="none" strike="noStrike" kern="1200" dirty="0">
                 <a:solidFill>
                   <a:schemeClr val="tx1"/>
                 </a:solidFill>
@@ -4601,7 +4601,7 @@
               <a:t>,</a:t>
             </a:r>
             <a:r>
-              <a:rPr lang="en-US" sz="1200" b="0" i="0" kern="1200" dirty="0" smtClean="0">
+              <a:rPr lang="en-US" sz="1200" b="0" i="0" kern="1200" dirty="0">
                 <a:solidFill>
                   <a:schemeClr val="tx1"/>
                 </a:solidFill>
@@ -4616,7 +4616,7 @@
           <a:p>
             <a:pPr rtl="0" fontAlgn="base"/>
             <a:r>
-              <a:rPr lang="en-US" sz="1200" b="0" i="0" u="none" strike="noStrike" kern="1200" dirty="0" smtClean="0">
+              <a:rPr lang="en-US" sz="1200" b="0" i="0" u="none" strike="noStrike" kern="1200" dirty="0">
                 <a:solidFill>
                   <a:schemeClr val="tx1"/>
                 </a:solidFill>
@@ -4628,7 +4628,7 @@
               <a:t>A </a:t>
             </a:r>
             <a:r>
-              <a:rPr lang="en-US" sz="1200" b="0" i="0" u="none" strike="noStrike" kern="1200" dirty="0" err="1" smtClean="0">
+              <a:rPr lang="en-US" sz="1200" b="0" i="0" u="none" strike="noStrike" kern="1200" dirty="0" err="1">
                 <a:solidFill>
                   <a:schemeClr val="tx1"/>
                 </a:solidFill>
@@ -4640,7 +4640,7 @@
               <a:t>konstans</a:t>
             </a:r>
             <a:r>
-              <a:rPr lang="en-US" sz="1200" b="0" i="0" u="none" strike="noStrike" kern="1200" dirty="0" smtClean="0">
+              <a:rPr lang="en-US" sz="1200" b="0" i="0" u="none" strike="noStrike" kern="1200" dirty="0">
                 <a:solidFill>
                   <a:schemeClr val="tx1"/>
                 </a:solidFill>
@@ -4652,7 +4652,7 @@
               <a:t> </a:t>
             </a:r>
             <a:r>
-              <a:rPr lang="en-US" sz="1200" b="0" i="0" u="none" strike="noStrike" kern="1200" dirty="0" err="1" smtClean="0">
+              <a:rPr lang="en-US" sz="1200" b="0" i="0" u="none" strike="noStrike" kern="1200" dirty="0" err="1">
                 <a:solidFill>
                   <a:schemeClr val="tx1"/>
                 </a:solidFill>
@@ -4664,7 +4664,7 @@
               <a:t>buffereknek</a:t>
             </a:r>
             <a:r>
-              <a:rPr lang="en-US" sz="1200" b="0" i="0" u="none" strike="noStrike" kern="1200" dirty="0" smtClean="0">
+              <a:rPr lang="en-US" sz="1200" b="0" i="0" u="none" strike="noStrike" kern="1200" dirty="0">
                 <a:solidFill>
                   <a:schemeClr val="tx1"/>
                 </a:solidFill>
@@ -4676,7 +4676,7 @@
               <a:t> </a:t>
             </a:r>
             <a:r>
-              <a:rPr lang="en-US" sz="1200" b="0" i="0" u="none" strike="noStrike" kern="1200" dirty="0" err="1" smtClean="0">
+              <a:rPr lang="en-US" sz="1200" b="0" i="0" u="none" strike="noStrike" kern="1200" dirty="0" err="1">
                 <a:solidFill>
                   <a:schemeClr val="tx1"/>
                 </a:solidFill>
@@ -4688,7 +4688,7 @@
               <a:t>foglalt</a:t>
             </a:r>
             <a:r>
-              <a:rPr lang="en-US" sz="1200" b="0" i="0" u="none" strike="noStrike" kern="1200" dirty="0" smtClean="0">
+              <a:rPr lang="en-US" sz="1200" b="0" i="0" u="none" strike="noStrike" kern="1200" dirty="0">
                 <a:solidFill>
                   <a:schemeClr val="tx1"/>
                 </a:solidFill>
@@ -4700,7 +4700,7 @@
               <a:t> </a:t>
             </a:r>
             <a:r>
-              <a:rPr lang="en-US" sz="1200" b="0" i="0" u="none" strike="noStrike" kern="1200" dirty="0" err="1" smtClean="0">
+              <a:rPr lang="en-US" sz="1200" b="0" i="0" u="none" strike="noStrike" kern="1200" dirty="0" err="1">
                 <a:solidFill>
                   <a:schemeClr val="tx1"/>
                 </a:solidFill>
@@ -4712,7 +4712,7 @@
               <a:t>erőforrásnak</a:t>
             </a:r>
             <a:r>
-              <a:rPr lang="en-US" sz="1200" b="0" i="0" u="none" strike="noStrike" kern="1200" dirty="0" smtClean="0">
+              <a:rPr lang="en-US" sz="1200" b="0" i="0" u="none" strike="noStrike" kern="1200" dirty="0">
                 <a:solidFill>
                   <a:schemeClr val="tx1"/>
                 </a:solidFill>
@@ -4724,7 +4724,7 @@
               <a:t> a </a:t>
             </a:r>
             <a:r>
-              <a:rPr lang="en-US" sz="1200" b="0" i="0" u="none" strike="noStrike" kern="1200" dirty="0" err="1" smtClean="0">
+              <a:rPr lang="en-US" sz="1200" b="0" i="0" u="none" strike="noStrike" kern="1200" dirty="0" err="1">
                 <a:solidFill>
                   <a:schemeClr val="tx1"/>
                 </a:solidFill>
@@ -4736,7 +4736,7 @@
               <a:t>mérete</a:t>
             </a:r>
             <a:r>
-              <a:rPr lang="en-US" sz="1200" b="0" i="0" u="none" strike="noStrike" kern="1200" dirty="0" smtClean="0">
+              <a:rPr lang="en-US" sz="1200" b="0" i="0" u="none" strike="noStrike" kern="1200" dirty="0">
                 <a:solidFill>
                   <a:schemeClr val="tx1"/>
                 </a:solidFill>
@@ -4748,7 +4748,7 @@
               <a:t> 256-nak a </a:t>
             </a:r>
             <a:r>
-              <a:rPr lang="en-US" sz="1200" b="0" i="0" u="none" strike="noStrike" kern="1200" dirty="0" err="1" smtClean="0">
+              <a:rPr lang="en-US" sz="1200" b="0" i="0" u="none" strike="noStrike" kern="1200" dirty="0" err="1">
                 <a:solidFill>
                   <a:schemeClr val="tx1"/>
                 </a:solidFill>
@@ -4760,7 +4760,7 @@
               <a:t>többszöröse</a:t>
             </a:r>
             <a:r>
-              <a:rPr lang="en-US" sz="1200" b="0" i="0" u="none" strike="noStrike" kern="1200" dirty="0" smtClean="0">
+              <a:rPr lang="en-US" sz="1200" b="0" i="0" u="none" strike="noStrike" kern="1200" dirty="0">
                 <a:solidFill>
                   <a:schemeClr val="tx1"/>
                 </a:solidFill>
@@ -4772,7 +4772,7 @@
               <a:t> </a:t>
             </a:r>
             <a:r>
-              <a:rPr lang="en-US" sz="1200" b="0" i="0" u="none" strike="noStrike" kern="1200" dirty="0" err="1" smtClean="0">
+              <a:rPr lang="en-US" sz="1200" b="0" i="0" u="none" strike="noStrike" kern="1200" dirty="0" err="1">
                 <a:solidFill>
                   <a:schemeClr val="tx1"/>
                 </a:solidFill>
@@ -4784,7 +4784,7 @@
               <a:t>kell</a:t>
             </a:r>
             <a:r>
-              <a:rPr lang="en-US" sz="1200" b="0" i="0" u="none" strike="noStrike" kern="1200" dirty="0" smtClean="0">
+              <a:rPr lang="en-US" sz="1200" b="0" i="0" u="none" strike="noStrike" kern="1200" dirty="0">
                 <a:solidFill>
                   <a:schemeClr val="tx1"/>
                 </a:solidFill>
@@ -4796,7 +4796,7 @@
               <a:t>, </a:t>
             </a:r>
             <a:r>
-              <a:rPr lang="en-US" sz="1200" b="0" i="0" u="none" strike="noStrike" kern="1200" dirty="0" err="1" smtClean="0">
+              <a:rPr lang="en-US" sz="1200" b="0" i="0" u="none" strike="noStrike" kern="1200" dirty="0" err="1">
                 <a:solidFill>
                   <a:schemeClr val="tx1"/>
                 </a:solidFill>
@@ -4808,7 +4808,7 @@
               <a:t>hogy</a:t>
             </a:r>
             <a:r>
-              <a:rPr lang="en-US" sz="1200" b="0" i="0" u="none" strike="noStrike" kern="1200" dirty="0" smtClean="0">
+              <a:rPr lang="en-US" sz="1200" b="0" i="0" u="none" strike="noStrike" kern="1200" dirty="0">
                 <a:solidFill>
                   <a:schemeClr val="tx1"/>
                 </a:solidFill>
@@ -4820,7 +4820,7 @@
               <a:t> </a:t>
             </a:r>
             <a:r>
-              <a:rPr lang="en-US" sz="1200" b="0" i="0" u="none" strike="noStrike" kern="1200" dirty="0" err="1" smtClean="0">
+              <a:rPr lang="en-US" sz="1200" b="0" i="0" u="none" strike="noStrike" kern="1200" dirty="0" err="1">
                 <a:solidFill>
                   <a:schemeClr val="tx1"/>
                 </a:solidFill>
@@ -4832,7 +4832,7 @@
               <a:t>legyen</a:t>
             </a:r>
             <a:r>
-              <a:rPr lang="en-US" sz="1200" b="0" i="0" u="none" strike="noStrike" kern="1200" dirty="0" smtClean="0">
+              <a:rPr lang="en-US" sz="1200" b="0" i="0" u="none" strike="noStrike" kern="1200" dirty="0">
                 <a:solidFill>
                   <a:schemeClr val="tx1"/>
                 </a:solidFill>
@@ -4844,7 +4844,7 @@
               <a:t>. </a:t>
             </a:r>
             <a:r>
-              <a:rPr lang="en-US" sz="1200" b="0" i="0" u="none" strike="noStrike" kern="1200" dirty="0" err="1" smtClean="0">
+              <a:rPr lang="en-US" sz="1200" b="0" i="0" u="none" strike="noStrike" kern="1200" dirty="0" err="1">
                 <a:solidFill>
                   <a:schemeClr val="tx1"/>
                 </a:solidFill>
@@ -4856,7 +4856,7 @@
               <a:t>Ehhez</a:t>
             </a:r>
             <a:r>
-              <a:rPr lang="en-US" sz="1200" b="0" i="0" u="none" strike="noStrike" kern="1200" dirty="0" smtClean="0">
+              <a:rPr lang="en-US" sz="1200" b="0" i="0" u="none" strike="noStrike" kern="1200" dirty="0">
                 <a:solidFill>
                   <a:schemeClr val="tx1"/>
                 </a:solidFill>
@@ -4868,7 +4868,7 @@
               <a:t> van </a:t>
             </a:r>
             <a:r>
-              <a:rPr lang="en-US" sz="1200" b="0" i="0" u="none" strike="noStrike" kern="1200" dirty="0" err="1" smtClean="0">
+              <a:rPr lang="en-US" sz="1200" b="0" i="0" u="none" strike="noStrike" kern="1200" dirty="0" err="1">
                 <a:solidFill>
                   <a:schemeClr val="tx1"/>
                 </a:solidFill>
@@ -4880,7 +4880,7 @@
               <a:t>egy</a:t>
             </a:r>
             <a:r>
-              <a:rPr lang="en-US" sz="1200" b="0" i="0" u="none" strike="noStrike" kern="1200" dirty="0" smtClean="0">
+              <a:rPr lang="en-US" sz="1200" b="0" i="0" u="none" strike="noStrike" kern="1200" dirty="0">
                 <a:solidFill>
                   <a:schemeClr val="tx1"/>
                 </a:solidFill>
@@ -4892,7 +4892,7 @@
               <a:t> </a:t>
             </a:r>
             <a:r>
-              <a:rPr lang="en-US" sz="1200" b="0" i="0" u="none" strike="noStrike" kern="1200" dirty="0" err="1" smtClean="0">
+              <a:rPr lang="en-US" sz="1200" b="0" i="0" u="none" strike="noStrike" kern="1200" dirty="0" err="1">
                 <a:solidFill>
                   <a:schemeClr val="tx1"/>
                 </a:solidFill>
@@ -4904,7 +4904,7 @@
               <a:t>segédfüggvény</a:t>
             </a:r>
             <a:r>
-              <a:rPr lang="en-US" sz="1200" b="0" i="0" u="none" strike="noStrike" kern="1200" dirty="0" smtClean="0">
+              <a:rPr lang="en-US" sz="1200" b="0" i="0" u="none" strike="noStrike" kern="1200" dirty="0">
                 <a:solidFill>
                   <a:schemeClr val="tx1"/>
                 </a:solidFill>
@@ -4916,7 +4916,7 @@
               <a:t> </a:t>
             </a:r>
             <a:r>
-              <a:rPr lang="en-US" sz="1200" b="0" i="0" u="none" strike="noStrike" kern="1200" dirty="0" err="1" smtClean="0">
+              <a:rPr lang="en-US" sz="1200" b="0" i="0" u="none" strike="noStrike" kern="1200" dirty="0" err="1">
                 <a:solidFill>
                   <a:schemeClr val="tx1"/>
                 </a:solidFill>
@@ -4928,7 +4928,7 @@
               <a:t>az</a:t>
             </a:r>
             <a:r>
-              <a:rPr lang="en-US" sz="1200" b="0" i="0" u="none" strike="noStrike" kern="1200" dirty="0" smtClean="0">
+              <a:rPr lang="en-US" sz="1200" b="0" i="0" u="none" strike="noStrike" kern="1200" dirty="0">
                 <a:solidFill>
                   <a:schemeClr val="tx1"/>
                 </a:solidFill>
@@ -4940,7 +4940,7 @@
               <a:t> Egg::Utility::Align256. </a:t>
             </a:r>
             <a:r>
-              <a:rPr lang="en-US" sz="1200" b="0" i="0" u="none" strike="noStrike" kern="1200" dirty="0" err="1" smtClean="0">
+              <a:rPr lang="en-US" sz="1200" b="0" i="0" u="none" strike="noStrike" kern="1200" dirty="0" err="1">
                 <a:solidFill>
                   <a:schemeClr val="tx1"/>
                 </a:solidFill>
@@ -4952,7 +4952,7 @@
               <a:t>Konstans</a:t>
             </a:r>
             <a:r>
-              <a:rPr lang="en-US" sz="1200" b="0" i="0" u="none" strike="noStrike" kern="1200" dirty="0" smtClean="0">
+              <a:rPr lang="en-US" sz="1200" b="0" i="0" u="none" strike="noStrike" kern="1200" dirty="0">
                 <a:solidFill>
                   <a:schemeClr val="tx1"/>
                 </a:solidFill>
@@ -4964,7 +4964,7 @@
               <a:t> </a:t>
             </a:r>
             <a:r>
-              <a:rPr lang="en-US" sz="1200" b="0" i="0" u="none" strike="noStrike" kern="1200" dirty="0" err="1" smtClean="0">
+              <a:rPr lang="en-US" sz="1200" b="0" i="0" u="none" strike="noStrike" kern="1200" dirty="0" err="1">
                 <a:solidFill>
                   <a:schemeClr val="tx1"/>
                 </a:solidFill>
@@ -4976,7 +4976,7 @@
               <a:t>buffereket</a:t>
             </a:r>
             <a:r>
-              <a:rPr lang="en-US" sz="1200" b="0" i="0" u="none" strike="noStrike" kern="1200" dirty="0" smtClean="0">
+              <a:rPr lang="en-US" sz="1200" b="0" i="0" u="none" strike="noStrike" kern="1200" dirty="0">
                 <a:solidFill>
                   <a:schemeClr val="tx1"/>
                 </a:solidFill>
@@ -4988,7 +4988,7 @@
               <a:t> </a:t>
             </a:r>
             <a:r>
-              <a:rPr lang="en-US" sz="1200" b="0" i="0" u="none" strike="noStrike" kern="1200" dirty="0" err="1" smtClean="0">
+              <a:rPr lang="en-US" sz="1200" b="0" i="0" u="none" strike="noStrike" kern="1200" dirty="0" err="1">
                 <a:solidFill>
                   <a:schemeClr val="tx1"/>
                 </a:solidFill>
@@ -5000,7 +5000,7 @@
               <a:t>ugyanis</a:t>
             </a:r>
             <a:r>
-              <a:rPr lang="en-US" sz="1200" b="0" i="0" u="none" strike="noStrike" kern="1200" dirty="0" smtClean="0">
+              <a:rPr lang="en-US" sz="1200" b="0" i="0" u="none" strike="noStrike" kern="1200" dirty="0">
                 <a:solidFill>
                   <a:schemeClr val="tx1"/>
                 </a:solidFill>
@@ -5012,7 +5012,7 @@
               <a:t> </a:t>
             </a:r>
             <a:r>
-              <a:rPr lang="en-US" sz="1200" b="0" i="0" u="none" strike="noStrike" kern="1200" dirty="0" err="1" smtClean="0">
+              <a:rPr lang="en-US" sz="1200" b="0" i="0" u="none" strike="noStrike" kern="1200" dirty="0" err="1">
                 <a:solidFill>
                   <a:schemeClr val="tx1"/>
                 </a:solidFill>
@@ -5024,7 +5024,7 @@
               <a:t>csak</a:t>
             </a:r>
             <a:r>
-              <a:rPr lang="en-US" sz="1200" b="0" i="0" u="none" strike="noStrike" kern="1200" dirty="0" smtClean="0">
+              <a:rPr lang="en-US" sz="1200" b="0" i="0" u="none" strike="noStrike" kern="1200" dirty="0">
                 <a:solidFill>
                   <a:schemeClr val="tx1"/>
                 </a:solidFill>
@@ -5036,7 +5036,7 @@
               <a:t> </a:t>
             </a:r>
             <a:r>
-              <a:rPr lang="en-US" sz="1200" b="0" i="0" u="none" strike="noStrike" kern="1200" dirty="0" err="1" smtClean="0">
+              <a:rPr lang="en-US" sz="1200" b="0" i="0" u="none" strike="noStrike" kern="1200" dirty="0" err="1">
                 <a:solidFill>
                   <a:schemeClr val="tx1"/>
                 </a:solidFill>
@@ -5048,7 +5048,7 @@
               <a:t>ekkora</a:t>
             </a:r>
             <a:r>
-              <a:rPr lang="en-US" sz="1200" b="0" i="0" u="none" strike="noStrike" kern="1200" dirty="0" smtClean="0">
+              <a:rPr lang="en-US" sz="1200" b="0" i="0" u="none" strike="noStrike" kern="1200" dirty="0">
                 <a:solidFill>
                   <a:schemeClr val="tx1"/>
                 </a:solidFill>
@@ -5060,7 +5060,7 @@
               <a:t> </a:t>
             </a:r>
             <a:r>
-              <a:rPr lang="en-US" sz="1200" b="0" i="0" u="none" strike="noStrike" kern="1200" dirty="0" err="1" smtClean="0">
+              <a:rPr lang="en-US" sz="1200" b="0" i="0" u="none" strike="noStrike" kern="1200" dirty="0" err="1">
                 <a:solidFill>
                   <a:schemeClr val="tx1"/>
                 </a:solidFill>
@@ -5072,7 +5072,7 @@
               <a:t>alignmenttel</a:t>
             </a:r>
             <a:r>
-              <a:rPr lang="en-US" sz="1200" b="0" i="0" u="none" strike="noStrike" kern="1200" dirty="0" smtClean="0">
+              <a:rPr lang="en-US" sz="1200" b="0" i="0" u="none" strike="noStrike" kern="1200" dirty="0">
                 <a:solidFill>
                   <a:schemeClr val="tx1"/>
                 </a:solidFill>
@@ -5084,7 +5084,7 @@
               <a:t> </a:t>
             </a:r>
             <a:r>
-              <a:rPr lang="en-US" sz="1200" b="0" i="0" u="none" strike="noStrike" kern="1200" dirty="0" err="1" smtClean="0">
+              <a:rPr lang="en-US" sz="1200" b="0" i="0" u="none" strike="noStrike" kern="1200" dirty="0" err="1">
                 <a:solidFill>
                   <a:schemeClr val="tx1"/>
                 </a:solidFill>
@@ -5096,7 +5096,7 @@
               <a:t>lehet</a:t>
             </a:r>
             <a:r>
-              <a:rPr lang="en-US" sz="1200" b="0" i="0" u="none" strike="noStrike" kern="1200" dirty="0" smtClean="0">
+              <a:rPr lang="en-US" sz="1200" b="0" i="0" u="none" strike="noStrike" kern="1200" dirty="0">
                 <a:solidFill>
                   <a:schemeClr val="tx1"/>
                 </a:solidFill>
@@ -5108,7 +5108,7 @@
               <a:t> </a:t>
             </a:r>
             <a:r>
-              <a:rPr lang="en-US" sz="1200" b="0" i="0" u="none" strike="noStrike" kern="1200" dirty="0" err="1" smtClean="0">
+              <a:rPr lang="en-US" sz="1200" b="0" i="0" u="none" strike="noStrike" kern="1200" dirty="0" err="1">
                 <a:solidFill>
                   <a:schemeClr val="tx1"/>
                 </a:solidFill>
@@ -5120,7 +5120,7 @@
               <a:t>létrehozni</a:t>
             </a:r>
             <a:r>
-              <a:rPr lang="en-US" sz="1200" b="0" i="0" u="none" strike="noStrike" kern="1200" dirty="0" smtClean="0">
+              <a:rPr lang="en-US" sz="1200" b="0" i="0" u="none" strike="noStrike" kern="1200" dirty="0">
                 <a:solidFill>
                   <a:schemeClr val="tx1"/>
                 </a:solidFill>
@@ -5132,7 +5132,7 @@
               <a:t>.</a:t>
             </a:r>
             <a:r>
-              <a:rPr lang="en-US" sz="1200" b="0" i="0" kern="1200" dirty="0" smtClean="0">
+              <a:rPr lang="en-US" sz="1200" b="0" i="0" kern="1200" dirty="0">
                 <a:solidFill>
                   <a:schemeClr val="tx1"/>
                 </a:solidFill>
@@ -5143,7 +5143,7 @@
               </a:rPr>
               <a:t>​</a:t>
             </a:r>
-            <a:endParaRPr lang="hu-HU" sz="1200" b="0" i="0" kern="1200" dirty="0" smtClean="0">
+            <a:endParaRPr lang="hu-HU" sz="1200" b="0" i="0" kern="1200" dirty="0">
               <a:solidFill>
                 <a:schemeClr val="tx1"/>
               </a:solidFill>
@@ -5155,7 +5155,7 @@
           </a:p>
           <a:p>
             <a:pPr rtl="0" fontAlgn="base"/>
-            <a:endParaRPr lang="hu-HU" sz="1200" b="0" i="0" kern="1200" dirty="0" smtClean="0">
+            <a:endParaRPr lang="hu-HU" sz="1200" b="0" i="0" kern="1200" dirty="0">
               <a:solidFill>
                 <a:schemeClr val="tx1"/>
               </a:solidFill>
@@ -5168,10 +5168,10 @@
           <a:p>
             <a:pPr rtl="0" fontAlgn="base"/>
             <a:r>
-              <a:rPr lang="hu-HU" baseline="0" dirty="0" smtClean="0"/>
+              <a:rPr lang="hu-HU" baseline="0" dirty="0"/>
               <a:t>A heap típusa upload heap. Ezt úgy kell felfogni, hogy egy CPU és GPU számára egyaránt elérhető memóriaterületen van (de lehet, hogy teljesítménybeli következménye van ennek). Általában adatot úgy töltünk fel, hogy az erőforrást Map-eljük. Ennek hatására kapunk egy pointert egy memóriaterületre, ahova írhatunk adatokat. Upload heap esetében nem látunk különbséget az így kapott memória és a GPU által elérhető memória között. Amit ide írunk, azt látja a GPU (a shader) is a bufferben. Ezt úgy hívják, hogy persistently mapped, és csak az upload heap tudja. Az eredmény, hogy nem kell foglalkoznunk azzal, hogy külön felmásoljuk az adatokat a GPUnak, illetve ez automatikusan megtörténik, amikor az adott helyre memcpy-zunk.</a:t>
             </a:r>
-            <a:endParaRPr lang="en-US" sz="1200" b="0" i="0" kern="1200" dirty="0" smtClean="0">
+            <a:endParaRPr lang="en-US" sz="1200" b="0" i="0" kern="1200" dirty="0">
               <a:solidFill>
                 <a:schemeClr val="tx1"/>
               </a:solidFill>
@@ -5184,7 +5184,7 @@
           <a:p>
             <a:pPr rtl="0" fontAlgn="base"/>
             <a:r>
-              <a:rPr lang="en-US" sz="1200" b="0" i="0" kern="1200" dirty="0" smtClean="0">
+              <a:rPr lang="en-US" sz="1200" b="0" i="0" kern="1200" dirty="0">
                 <a:solidFill>
                   <a:schemeClr val="tx1"/>
                 </a:solidFill>
@@ -5199,7 +5199,7 @@
           <a:p>
             <a:pPr rtl="0" fontAlgn="base"/>
             <a:r>
-              <a:rPr lang="en-US" sz="1200" b="0" i="0" u="none" strike="noStrike" kern="1200" dirty="0" err="1" smtClean="0">
+              <a:rPr lang="en-US" sz="1200" b="0" i="0" u="none" strike="noStrike" kern="1200" dirty="0" err="1">
                 <a:solidFill>
                   <a:schemeClr val="tx1"/>
                 </a:solidFill>
@@ -5211,7 +5211,7 @@
               <a:t>Majd</a:t>
             </a:r>
             <a:r>
-              <a:rPr lang="en-US" sz="1200" b="0" i="0" u="none" strike="noStrike" kern="1200" dirty="0" smtClean="0">
+              <a:rPr lang="en-US" sz="1200" b="0" i="0" u="none" strike="noStrike" kern="1200" dirty="0">
                 <a:solidFill>
                   <a:schemeClr val="tx1"/>
                 </a:solidFill>
@@ -5223,7 +5223,7 @@
               <a:t> </a:t>
             </a:r>
             <a:r>
-              <a:rPr lang="en-US" sz="1200" b="0" i="0" u="none" strike="noStrike" kern="1200" dirty="0" err="1" smtClean="0">
+              <a:rPr lang="en-US" sz="1200" b="0" i="0" u="none" strike="noStrike" kern="1200" dirty="0" err="1">
                 <a:solidFill>
                   <a:schemeClr val="tx1"/>
                 </a:solidFill>
@@ -5235,7 +5235,7 @@
               <a:t>rámappeljük</a:t>
             </a:r>
             <a:r>
-              <a:rPr lang="en-US" sz="1200" b="0" i="0" u="none" strike="noStrike" kern="1200" dirty="0" smtClean="0">
+              <a:rPr lang="en-US" sz="1200" b="0" i="0" u="none" strike="noStrike" kern="1200" dirty="0">
                 <a:solidFill>
                   <a:schemeClr val="tx1"/>
                 </a:solidFill>
@@ -5247,7 +5247,7 @@
               <a:t> </a:t>
             </a:r>
             <a:r>
-              <a:rPr lang="en-US" sz="1200" b="0" i="0" u="none" strike="noStrike" kern="1200" dirty="0" err="1" smtClean="0">
+              <a:rPr lang="en-US" sz="1200" b="0" i="0" u="none" strike="noStrike" kern="1200" dirty="0" err="1">
                 <a:solidFill>
                   <a:schemeClr val="tx1"/>
                 </a:solidFill>
@@ -5259,7 +5259,7 @@
               <a:t>egy</a:t>
             </a:r>
             <a:r>
-              <a:rPr lang="en-US" sz="1200" b="0" i="0" u="none" strike="noStrike" kern="1200" dirty="0" smtClean="0">
+              <a:rPr lang="en-US" sz="1200" b="0" i="0" u="none" strike="noStrike" kern="1200" dirty="0">
                 <a:solidFill>
                   <a:schemeClr val="tx1"/>
                 </a:solidFill>
@@ -5271,7 +5271,7 @@
               <a:t> </a:t>
             </a:r>
             <a:r>
-              <a:rPr lang="en-US" sz="1200" b="0" i="0" u="none" strike="noStrike" kern="1200" dirty="0" err="1" smtClean="0">
+              <a:rPr lang="en-US" sz="1200" b="0" i="0" u="none" strike="noStrike" kern="1200" dirty="0" err="1">
                 <a:solidFill>
                   <a:schemeClr val="tx1"/>
                 </a:solidFill>
@@ -5283,7 +5283,7 @@
               <a:t>pointerre</a:t>
             </a:r>
             <a:r>
-              <a:rPr lang="en-US" sz="1200" b="0" i="0" u="none" strike="noStrike" kern="1200" dirty="0" smtClean="0">
+              <a:rPr lang="en-US" sz="1200" b="0" i="0" u="none" strike="noStrike" kern="1200" dirty="0">
                 <a:solidFill>
                   <a:schemeClr val="tx1"/>
                 </a:solidFill>
@@ -5295,7 +5295,7 @@
               <a:t>, de </a:t>
             </a:r>
             <a:r>
-              <a:rPr lang="en-US" sz="1200" b="0" i="0" u="none" strike="noStrike" kern="1200" dirty="0" err="1" smtClean="0">
+              <a:rPr lang="en-US" sz="1200" b="0" i="0" u="none" strike="noStrike" kern="1200" dirty="0" err="1">
                 <a:solidFill>
                   <a:schemeClr val="tx1"/>
                 </a:solidFill>
@@ -5307,7 +5307,7 @@
               <a:t>fontos</a:t>
             </a:r>
             <a:r>
-              <a:rPr lang="en-US" sz="1200" b="0" i="0" u="none" strike="noStrike" kern="1200" dirty="0" smtClean="0">
+              <a:rPr lang="en-US" sz="1200" b="0" i="0" u="none" strike="noStrike" kern="1200" dirty="0">
                 <a:solidFill>
                   <a:schemeClr val="tx1"/>
                 </a:solidFill>
@@ -5319,7 +5319,7 @@
               <a:t>, </a:t>
             </a:r>
             <a:r>
-              <a:rPr lang="en-US" sz="1200" b="0" i="0" u="none" strike="noStrike" kern="1200" dirty="0" err="1" smtClean="0">
+              <a:rPr lang="en-US" sz="1200" b="0" i="0" u="none" strike="noStrike" kern="1200" dirty="0" err="1">
                 <a:solidFill>
                   <a:schemeClr val="tx1"/>
                 </a:solidFill>
@@ -5331,7 +5331,7 @@
               <a:t>hogy</a:t>
             </a:r>
             <a:r>
-              <a:rPr lang="en-US" sz="1200" b="0" i="0" u="none" strike="noStrike" kern="1200" dirty="0" smtClean="0">
+              <a:rPr lang="en-US" sz="1200" b="0" i="0" u="none" strike="noStrike" kern="1200" dirty="0">
                 <a:solidFill>
                   <a:schemeClr val="tx1"/>
                 </a:solidFill>
@@ -5343,7 +5343,7 @@
               <a:t> </a:t>
             </a:r>
             <a:r>
-              <a:rPr lang="en-US" sz="1200" b="0" i="0" u="none" strike="noStrike" kern="1200" dirty="0" err="1" smtClean="0">
+              <a:rPr lang="en-US" sz="1200" b="0" i="0" u="none" strike="noStrike" kern="1200" dirty="0" err="1">
                 <a:solidFill>
                   <a:schemeClr val="tx1"/>
                 </a:solidFill>
@@ -5355,7 +5355,7 @@
               <a:t>nem</a:t>
             </a:r>
             <a:r>
-              <a:rPr lang="en-US" sz="1200" b="0" i="0" u="none" strike="noStrike" kern="1200" dirty="0" smtClean="0">
+              <a:rPr lang="en-US" sz="1200" b="0" i="0" u="none" strike="noStrike" kern="1200" dirty="0">
                 <a:solidFill>
                   <a:schemeClr val="tx1"/>
                 </a:solidFill>
@@ -5367,7 +5367,7 @@
               <a:t> </a:t>
             </a:r>
             <a:r>
-              <a:rPr lang="en-US" sz="1200" b="0" i="0" u="none" strike="noStrike" kern="1200" dirty="0" err="1" smtClean="0">
+              <a:rPr lang="en-US" sz="1200" b="0" i="0" u="none" strike="noStrike" kern="1200" dirty="0" err="1">
                 <a:solidFill>
                   <a:schemeClr val="tx1"/>
                 </a:solidFill>
@@ -5379,7 +5379,7 @@
               <a:t>Unmap-eljük</a:t>
             </a:r>
             <a:r>
-              <a:rPr lang="en-US" sz="1200" b="0" i="0" u="none" strike="noStrike" kern="1200" dirty="0" smtClean="0">
+              <a:rPr lang="en-US" sz="1200" b="0" i="0" u="none" strike="noStrike" kern="1200" dirty="0">
                 <a:solidFill>
                   <a:schemeClr val="tx1"/>
                 </a:solidFill>
@@ -5391,7 +5391,7 @@
               <a:t>, </a:t>
             </a:r>
             <a:r>
-              <a:rPr lang="en-US" sz="1200" b="0" i="0" u="none" strike="noStrike" kern="1200" dirty="0" err="1" smtClean="0">
+              <a:rPr lang="en-US" sz="1200" b="0" i="0" u="none" strike="noStrike" kern="1200" dirty="0" err="1">
                 <a:solidFill>
                   <a:schemeClr val="tx1"/>
                 </a:solidFill>
@@ -5403,7 +5403,7 @@
               <a:t>tehát</a:t>
             </a:r>
             <a:r>
-              <a:rPr lang="en-US" sz="1200" b="0" i="0" u="none" strike="noStrike" kern="1200" dirty="0" smtClean="0">
+              <a:rPr lang="en-US" sz="1200" b="0" i="0" u="none" strike="noStrike" kern="1200" dirty="0">
                 <a:solidFill>
                   <a:schemeClr val="tx1"/>
                 </a:solidFill>
@@ -5415,7 +5415,7 @@
               <a:t> </a:t>
             </a:r>
             <a:r>
-              <a:rPr lang="en-US" sz="1200" b="0" i="0" u="none" strike="noStrike" kern="1200" dirty="0" err="1" smtClean="0">
+              <a:rPr lang="en-US" sz="1200" b="0" i="0" u="none" strike="noStrike" kern="1200" dirty="0" err="1">
                 <a:solidFill>
                   <a:schemeClr val="tx1"/>
                 </a:solidFill>
@@ -5427,7 +5427,7 @@
               <a:t>végig</a:t>
             </a:r>
             <a:r>
-              <a:rPr lang="en-US" sz="1200" b="0" i="0" u="none" strike="noStrike" kern="1200" dirty="0" smtClean="0">
+              <a:rPr lang="en-US" sz="1200" b="0" i="0" u="none" strike="noStrike" kern="1200" dirty="0">
                 <a:solidFill>
                   <a:schemeClr val="tx1"/>
                 </a:solidFill>
@@ -5439,7 +5439,7 @@
               <a:t> </a:t>
             </a:r>
             <a:r>
-              <a:rPr lang="en-US" sz="1200" b="0" i="0" u="none" strike="noStrike" kern="1200" dirty="0" err="1" smtClean="0">
+              <a:rPr lang="en-US" sz="1200" b="0" i="0" u="none" strike="noStrike" kern="1200" dirty="0" err="1">
                 <a:solidFill>
                   <a:schemeClr val="tx1"/>
                 </a:solidFill>
@@ -5451,7 +5451,7 @@
               <a:t>mappelve</a:t>
             </a:r>
             <a:r>
-              <a:rPr lang="en-US" sz="1200" b="0" i="0" u="none" strike="noStrike" kern="1200" dirty="0" smtClean="0">
+              <a:rPr lang="en-US" sz="1200" b="0" i="0" u="none" strike="noStrike" kern="1200" dirty="0">
                 <a:solidFill>
                   <a:schemeClr val="tx1"/>
                 </a:solidFill>
@@ -5463,7 +5463,7 @@
               <a:t> </a:t>
             </a:r>
             <a:r>
-              <a:rPr lang="en-US" sz="1200" b="0" i="0" u="none" strike="noStrike" kern="1200" dirty="0" err="1" smtClean="0">
+              <a:rPr lang="en-US" sz="1200" b="0" i="0" u="none" strike="noStrike" kern="1200" dirty="0" err="1">
                 <a:solidFill>
                   <a:schemeClr val="tx1"/>
                 </a:solidFill>
@@ -5475,7 +5475,7 @@
               <a:t>marad</a:t>
             </a:r>
             <a:r>
-              <a:rPr lang="en-US" sz="1200" b="0" i="0" u="none" strike="noStrike" kern="1200" dirty="0" smtClean="0">
+              <a:rPr lang="en-US" sz="1200" b="0" i="0" u="none" strike="noStrike" kern="1200" dirty="0">
                 <a:solidFill>
                   <a:schemeClr val="tx1"/>
                 </a:solidFill>
@@ -5487,7 +5487,7 @@
               <a:t>. </a:t>
             </a:r>
             <a:r>
-              <a:rPr lang="en-US" sz="1200" b="0" i="0" u="none" strike="noStrike" kern="1200" dirty="0" err="1" smtClean="0">
+              <a:rPr lang="en-US" sz="1200" b="0" i="0" u="none" strike="noStrike" kern="1200" dirty="0" err="1">
                 <a:solidFill>
                   <a:schemeClr val="tx1"/>
                 </a:solidFill>
@@ -5499,7 +5499,7 @@
               <a:t>Ez</a:t>
             </a:r>
             <a:r>
-              <a:rPr lang="en-US" sz="1200" b="0" i="0" u="none" strike="noStrike" kern="1200" dirty="0" smtClean="0">
+              <a:rPr lang="en-US" sz="1200" b="0" i="0" u="none" strike="noStrike" kern="1200" dirty="0">
                 <a:solidFill>
                   <a:schemeClr val="tx1"/>
                 </a:solidFill>
@@ -5511,7 +5511,7 @@
               <a:t> </a:t>
             </a:r>
             <a:r>
-              <a:rPr lang="en-US" sz="1200" b="0" i="0" u="none" strike="noStrike" kern="1200" dirty="0" err="1" smtClean="0">
+              <a:rPr lang="en-US" sz="1200" b="0" i="0" u="none" strike="noStrike" kern="1200" dirty="0" err="1">
                 <a:solidFill>
                   <a:schemeClr val="tx1"/>
                 </a:solidFill>
@@ -5523,7 +5523,7 @@
               <a:t>annyit</a:t>
             </a:r>
             <a:r>
-              <a:rPr lang="en-US" sz="1200" b="0" i="0" u="none" strike="noStrike" kern="1200" dirty="0" smtClean="0">
+              <a:rPr lang="en-US" sz="1200" b="0" i="0" u="none" strike="noStrike" kern="1200" dirty="0">
                 <a:solidFill>
                   <a:schemeClr val="tx1"/>
                 </a:solidFill>
@@ -5535,7 +5535,7 @@
               <a:t> </a:t>
             </a:r>
             <a:r>
-              <a:rPr lang="en-US" sz="1200" b="0" i="0" u="none" strike="noStrike" kern="1200" dirty="0" err="1" smtClean="0">
+              <a:rPr lang="en-US" sz="1200" b="0" i="0" u="none" strike="noStrike" kern="1200" dirty="0" err="1">
                 <a:solidFill>
                   <a:schemeClr val="tx1"/>
                 </a:solidFill>
@@ -5547,7 +5547,7 @@
               <a:t>jelent</a:t>
             </a:r>
             <a:r>
-              <a:rPr lang="en-US" sz="1200" b="0" i="0" u="none" strike="noStrike" kern="1200" dirty="0" smtClean="0">
+              <a:rPr lang="en-US" sz="1200" b="0" i="0" u="none" strike="noStrike" kern="1200" dirty="0">
                 <a:solidFill>
                   <a:schemeClr val="tx1"/>
                 </a:solidFill>
@@ -5559,7 +5559,7 @@
               <a:t>, ha </a:t>
             </a:r>
             <a:r>
-              <a:rPr lang="en-US" sz="1200" b="0" i="0" u="none" strike="noStrike" kern="1200" dirty="0" err="1" smtClean="0">
+              <a:rPr lang="en-US" sz="1200" b="0" i="0" u="none" strike="noStrike" kern="1200" dirty="0" err="1">
                 <a:solidFill>
                   <a:schemeClr val="tx1"/>
                 </a:solidFill>
@@ -5571,7 +5571,7 @@
               <a:t>memcpy-vel</a:t>
             </a:r>
             <a:r>
-              <a:rPr lang="en-US" sz="1200" b="0" i="0" u="none" strike="noStrike" kern="1200" dirty="0" smtClean="0">
+              <a:rPr lang="en-US" sz="1200" b="0" i="0" u="none" strike="noStrike" kern="1200" dirty="0">
                 <a:solidFill>
                   <a:schemeClr val="tx1"/>
                 </a:solidFill>
@@ -5583,7 +5583,7 @@
               <a:t> </a:t>
             </a:r>
             <a:r>
-              <a:rPr lang="en-US" sz="1200" b="0" i="0" u="none" strike="noStrike" kern="1200" dirty="0" err="1" smtClean="0">
+              <a:rPr lang="en-US" sz="1200" b="0" i="0" u="none" strike="noStrike" kern="1200" dirty="0" err="1">
                 <a:solidFill>
                   <a:schemeClr val="tx1"/>
                 </a:solidFill>
@@ -5595,7 +5595,7 @@
               <a:t>írunk</a:t>
             </a:r>
             <a:r>
-              <a:rPr lang="en-US" sz="1200" b="0" i="0" u="none" strike="noStrike" kern="1200" dirty="0" smtClean="0">
+              <a:rPr lang="en-US" sz="1200" b="0" i="0" u="none" strike="noStrike" kern="1200" dirty="0">
                 <a:solidFill>
                   <a:schemeClr val="tx1"/>
                 </a:solidFill>
@@ -5607,7 +5607,7 @@
               <a:t> </a:t>
             </a:r>
             <a:r>
-              <a:rPr lang="en-US" sz="1200" b="0" i="0" u="none" strike="noStrike" kern="1200" dirty="0" err="1" smtClean="0">
+              <a:rPr lang="en-US" sz="1200" b="0" i="0" u="none" strike="noStrike" kern="1200" dirty="0" err="1">
                 <a:solidFill>
                   <a:schemeClr val="tx1"/>
                 </a:solidFill>
@@ -5619,7 +5619,7 @@
               <a:t>bele</a:t>
             </a:r>
             <a:r>
-              <a:rPr lang="en-US" sz="1200" b="0" i="0" u="none" strike="noStrike" kern="1200" dirty="0" smtClean="0">
+              <a:rPr lang="en-US" sz="1200" b="0" i="0" u="none" strike="noStrike" kern="1200" dirty="0">
                 <a:solidFill>
                   <a:schemeClr val="tx1"/>
                 </a:solidFill>
@@ -5631,7 +5631,7 @@
               <a:t>, </a:t>
             </a:r>
             <a:r>
-              <a:rPr lang="en-US" sz="1200" b="0" i="0" u="none" strike="noStrike" kern="1200" dirty="0" err="1" smtClean="0">
+              <a:rPr lang="en-US" sz="1200" b="0" i="0" u="none" strike="noStrike" kern="1200" dirty="0" err="1">
                 <a:solidFill>
                   <a:schemeClr val="tx1"/>
                 </a:solidFill>
@@ -5643,7 +5643,7 @@
               <a:t>akkor</a:t>
             </a:r>
             <a:r>
-              <a:rPr lang="en-US" sz="1200" b="0" i="0" u="none" strike="noStrike" kern="1200" dirty="0" smtClean="0">
+              <a:rPr lang="en-US" sz="1200" b="0" i="0" u="none" strike="noStrike" kern="1200" dirty="0">
                 <a:solidFill>
                   <a:schemeClr val="tx1"/>
                 </a:solidFill>
@@ -5655,7 +5655,7 @@
               <a:t> </a:t>
             </a:r>
             <a:r>
-              <a:rPr lang="en-US" sz="1200" b="0" i="0" u="none" strike="noStrike" kern="1200" dirty="0" err="1" smtClean="0">
+              <a:rPr lang="en-US" sz="1200" b="0" i="0" u="none" strike="noStrike" kern="1200" dirty="0" err="1">
                 <a:solidFill>
                   <a:schemeClr val="tx1"/>
                 </a:solidFill>
@@ -5667,7 +5667,7 @@
               <a:t>az</a:t>
             </a:r>
             <a:r>
-              <a:rPr lang="en-US" sz="1200" b="0" i="0" u="none" strike="noStrike" kern="1200" dirty="0" smtClean="0">
+              <a:rPr lang="en-US" sz="1200" b="0" i="0" u="none" strike="noStrike" kern="1200" dirty="0">
                 <a:solidFill>
                   <a:schemeClr val="tx1"/>
                 </a:solidFill>
@@ -5679,7 +5679,7 @@
               <a:t> </a:t>
             </a:r>
             <a:r>
-              <a:rPr lang="en-US" sz="1200" b="0" i="0" u="none" strike="noStrike" kern="1200" dirty="0" err="1" smtClean="0">
+              <a:rPr lang="en-US" sz="1200" b="0" i="0" u="none" strike="noStrike" kern="1200" dirty="0" err="1">
                 <a:solidFill>
                   <a:schemeClr val="tx1"/>
                 </a:solidFill>
@@ -5691,7 +5691,7 @@
               <a:t>felmásolódik</a:t>
             </a:r>
             <a:r>
-              <a:rPr lang="en-US" sz="1200" b="0" i="0" u="none" strike="noStrike" kern="1200" dirty="0" smtClean="0">
+              <a:rPr lang="en-US" sz="1200" b="0" i="0" u="none" strike="noStrike" kern="1200" dirty="0">
                 <a:solidFill>
                   <a:schemeClr val="tx1"/>
                 </a:solidFill>
@@ -5703,7 +5703,7 @@
               <a:t> a GPU-</a:t>
             </a:r>
             <a:r>
-              <a:rPr lang="en-US" sz="1200" b="0" i="0" u="none" strike="noStrike" kern="1200" dirty="0" err="1" smtClean="0">
+              <a:rPr lang="en-US" sz="1200" b="0" i="0" u="none" strike="noStrike" kern="1200" dirty="0" err="1">
                 <a:solidFill>
                   <a:schemeClr val="tx1"/>
                 </a:solidFill>
@@ -5715,7 +5715,7 @@
               <a:t>ra.</a:t>
             </a:r>
             <a:r>
-              <a:rPr lang="en-US" sz="1200" b="0" i="0" kern="1200" dirty="0" smtClean="0">
+              <a:rPr lang="en-US" sz="1200" b="0" i="0" kern="1200" dirty="0">
                 <a:solidFill>
                   <a:schemeClr val="tx1"/>
                 </a:solidFill>
@@ -5730,7 +5730,7 @@
           <a:p>
             <a:pPr rtl="0" fontAlgn="base"/>
             <a:r>
-              <a:rPr lang="en-US" sz="1200" b="0" i="0" kern="1200" dirty="0" smtClean="0">
+              <a:rPr lang="en-US" sz="1200" b="0" i="0" kern="1200" dirty="0">
                 <a:solidFill>
                   <a:schemeClr val="tx1"/>
                 </a:solidFill>
@@ -5745,7 +5745,7 @@
           <a:p>
             <a:pPr rtl="0" fontAlgn="base"/>
             <a:r>
-              <a:rPr lang="en-US" sz="1200" b="0" i="0" u="none" strike="noStrike" kern="1200" dirty="0" err="1" smtClean="0">
+              <a:rPr lang="en-US" sz="1200" b="0" i="0" u="none" strike="noStrike" kern="1200" dirty="0" err="1">
                 <a:solidFill>
                   <a:schemeClr val="tx1"/>
                 </a:solidFill>
@@ -5757,7 +5757,7 @@
               <a:t>Itt</a:t>
             </a:r>
             <a:r>
-              <a:rPr lang="en-US" sz="1200" b="0" i="0" u="none" strike="noStrike" kern="1200" dirty="0" smtClean="0">
+              <a:rPr lang="en-US" sz="1200" b="0" i="0" u="none" strike="noStrike" kern="1200" dirty="0">
                 <a:solidFill>
                   <a:schemeClr val="tx1"/>
                 </a:solidFill>
@@ -5769,7 +5769,7 @@
               <a:t> </a:t>
             </a:r>
             <a:r>
-              <a:rPr lang="en-US" sz="1200" b="0" i="0" u="none" strike="noStrike" kern="1200" dirty="0" err="1" smtClean="0">
+              <a:rPr lang="en-US" sz="1200" b="0" i="0" u="none" strike="noStrike" kern="1200" dirty="0" err="1">
                 <a:solidFill>
                   <a:schemeClr val="tx1"/>
                 </a:solidFill>
@@ -5781,7 +5781,7 @@
               <a:t>fontos</a:t>
             </a:r>
             <a:r>
-              <a:rPr lang="en-US" sz="1200" b="0" i="0" u="none" strike="noStrike" kern="1200" dirty="0" smtClean="0">
+              <a:rPr lang="en-US" sz="1200" b="0" i="0" u="none" strike="noStrike" kern="1200" dirty="0">
                 <a:solidFill>
                   <a:schemeClr val="tx1"/>
                 </a:solidFill>
@@ -5793,7 +5793,7 @@
               <a:t> </a:t>
             </a:r>
             <a:r>
-              <a:rPr lang="en-US" sz="1200" b="0" i="0" u="none" strike="noStrike" kern="1200" dirty="0" err="1" smtClean="0">
+              <a:rPr lang="en-US" sz="1200" b="0" i="0" u="none" strike="noStrike" kern="1200" dirty="0" err="1">
                 <a:solidFill>
                   <a:schemeClr val="tx1"/>
                 </a:solidFill>
@@ -5805,7 +5805,7 @@
               <a:t>megjegyezni</a:t>
             </a:r>
             <a:r>
-              <a:rPr lang="en-US" sz="1200" b="0" i="0" u="none" strike="noStrike" kern="1200" dirty="0" smtClean="0">
+              <a:rPr lang="en-US" sz="1200" b="0" i="0" u="none" strike="noStrike" kern="1200" dirty="0">
                 <a:solidFill>
                   <a:schemeClr val="tx1"/>
                 </a:solidFill>
@@ -5817,7 +5817,7 @@
               <a:t>, </a:t>
             </a:r>
             <a:r>
-              <a:rPr lang="en-US" sz="1200" b="0" i="0" u="none" strike="noStrike" kern="1200" dirty="0" err="1" smtClean="0">
+              <a:rPr lang="en-US" sz="1200" b="0" i="0" u="none" strike="noStrike" kern="1200" dirty="0" err="1">
                 <a:solidFill>
                   <a:schemeClr val="tx1"/>
                 </a:solidFill>
@@ -5829,7 +5829,7 @@
               <a:t>hogy</a:t>
             </a:r>
             <a:r>
-              <a:rPr lang="en-US" sz="1200" b="0" i="0" u="none" strike="noStrike" kern="1200" dirty="0" smtClean="0">
+              <a:rPr lang="en-US" sz="1200" b="0" i="0" u="none" strike="noStrike" kern="1200" dirty="0">
                 <a:solidFill>
                   <a:schemeClr val="tx1"/>
                 </a:solidFill>
@@ -5841,7 +5841,7 @@
               <a:t> a </a:t>
             </a:r>
             <a:r>
-              <a:rPr lang="en-US" sz="1200" b="0" i="0" u="none" strike="noStrike" kern="1200" dirty="0" err="1" smtClean="0">
+              <a:rPr lang="en-US" sz="1200" b="0" i="0" u="none" strike="noStrike" kern="1200" dirty="0" err="1">
                 <a:solidFill>
                   <a:schemeClr val="tx1"/>
                 </a:solidFill>
@@ -5853,7 +5853,7 @@
               <a:t>memóriakezelésre</a:t>
             </a:r>
             <a:r>
-              <a:rPr lang="en-US" sz="1200" b="0" i="0" u="none" strike="noStrike" kern="1200" dirty="0" smtClean="0">
+              <a:rPr lang="en-US" sz="1200" b="0" i="0" u="none" strike="noStrike" kern="1200" dirty="0">
                 <a:solidFill>
                   <a:schemeClr val="tx1"/>
                 </a:solidFill>
@@ -5865,7 +5865,7 @@
               <a:t> </a:t>
             </a:r>
             <a:r>
-              <a:rPr lang="en-US" sz="1200" b="0" i="0" u="none" strike="noStrike" kern="1200" dirty="0" err="1" smtClean="0">
+              <a:rPr lang="en-US" sz="1200" b="0" i="0" u="none" strike="noStrike" kern="1200" dirty="0" err="1">
                 <a:solidFill>
                   <a:schemeClr val="tx1"/>
                 </a:solidFill>
@@ -5877,7 +5877,7 @@
               <a:t>rengeteg</a:t>
             </a:r>
             <a:r>
-              <a:rPr lang="en-US" sz="1200" b="0" i="0" u="none" strike="noStrike" kern="1200" dirty="0" smtClean="0">
+              <a:rPr lang="en-US" sz="1200" b="0" i="0" u="none" strike="noStrike" kern="1200" dirty="0">
                 <a:solidFill>
                   <a:schemeClr val="tx1"/>
                 </a:solidFill>
@@ -5889,7 +5889,7 @@
               <a:t> </a:t>
             </a:r>
             <a:r>
-              <a:rPr lang="en-US" sz="1200" b="0" i="0" u="none" strike="noStrike" kern="1200" dirty="0" err="1" smtClean="0">
+              <a:rPr lang="en-US" sz="1200" b="0" i="0" u="none" strike="noStrike" kern="1200" dirty="0" err="1">
                 <a:solidFill>
                   <a:schemeClr val="tx1"/>
                 </a:solidFill>
@@ -5901,7 +5901,7 @@
               <a:t>különböző</a:t>
             </a:r>
             <a:r>
-              <a:rPr lang="en-US" sz="1200" b="0" i="0" u="none" strike="noStrike" kern="1200" dirty="0" smtClean="0">
+              <a:rPr lang="en-US" sz="1200" b="0" i="0" u="none" strike="noStrike" kern="1200" dirty="0">
                 <a:solidFill>
                   <a:schemeClr val="tx1"/>
                 </a:solidFill>
@@ -5913,7 +5913,7 @@
               <a:t> </a:t>
             </a:r>
             <a:r>
-              <a:rPr lang="en-US" sz="1200" b="0" i="0" u="none" strike="noStrike" kern="1200" dirty="0" err="1" smtClean="0">
+              <a:rPr lang="en-US" sz="1200" b="0" i="0" u="none" strike="noStrike" kern="1200" dirty="0" err="1">
                 <a:solidFill>
                   <a:schemeClr val="tx1"/>
                 </a:solidFill>
@@ -5925,7 +5925,7 @@
               <a:t>eszköze</a:t>
             </a:r>
             <a:r>
-              <a:rPr lang="en-US" sz="1200" b="0" i="0" u="none" strike="noStrike" kern="1200" dirty="0" smtClean="0">
+              <a:rPr lang="en-US" sz="1200" b="0" i="0" u="none" strike="noStrike" kern="1200" dirty="0">
                 <a:solidFill>
                   <a:schemeClr val="tx1"/>
                 </a:solidFill>
@@ -5937,7 +5937,7 @@
               <a:t> van a </a:t>
             </a:r>
             <a:r>
-              <a:rPr lang="en-US" sz="1200" b="0" i="0" u="none" strike="noStrike" kern="1200" dirty="0" err="1" smtClean="0">
+              <a:rPr lang="en-US" sz="1200" b="0" i="0" u="none" strike="noStrike" kern="1200" dirty="0" err="1">
                 <a:solidFill>
                   <a:schemeClr val="tx1"/>
                 </a:solidFill>
@@ -5949,7 +5949,7 @@
               <a:t>fejlesztőnek</a:t>
             </a:r>
             <a:r>
-              <a:rPr lang="en-US" sz="1200" b="0" i="0" u="none" strike="noStrike" kern="1200" dirty="0" smtClean="0">
+              <a:rPr lang="en-US" sz="1200" b="0" i="0" u="none" strike="noStrike" kern="1200" dirty="0">
                 <a:solidFill>
                   <a:schemeClr val="tx1"/>
                 </a:solidFill>
@@ -5961,7 +5961,7 @@
               <a:t>. </a:t>
             </a:r>
             <a:r>
-              <a:rPr lang="en-US" sz="1200" b="0" i="0" u="none" strike="noStrike" kern="1200" dirty="0" err="1" smtClean="0">
+              <a:rPr lang="en-US" sz="1200" b="0" i="0" u="none" strike="noStrike" kern="1200" dirty="0" err="1">
                 <a:solidFill>
                   <a:schemeClr val="tx1"/>
                 </a:solidFill>
@@ -5973,7 +5973,7 @@
               <a:t>Mi</a:t>
             </a:r>
             <a:r>
-              <a:rPr lang="en-US" sz="1200" b="0" i="0" u="none" strike="noStrike" kern="1200" dirty="0" smtClean="0">
+              <a:rPr lang="en-US" sz="1200" b="0" i="0" u="none" strike="noStrike" kern="1200" dirty="0">
                 <a:solidFill>
                   <a:schemeClr val="tx1"/>
                 </a:solidFill>
@@ -5985,7 +5985,7 @@
               <a:t> </a:t>
             </a:r>
             <a:r>
-              <a:rPr lang="en-US" sz="1200" b="0" i="0" u="none" strike="noStrike" kern="1200" dirty="0" err="1" smtClean="0">
+              <a:rPr lang="en-US" sz="1200" b="0" i="0" u="none" strike="noStrike" kern="1200" dirty="0" err="1">
                 <a:solidFill>
                   <a:schemeClr val="tx1"/>
                 </a:solidFill>
@@ -5997,7 +5997,7 @@
               <a:t>idő</a:t>
             </a:r>
             <a:r>
-              <a:rPr lang="en-US" sz="1200" b="0" i="0" u="none" strike="noStrike" kern="1200" dirty="0" smtClean="0">
+              <a:rPr lang="en-US" sz="1200" b="0" i="0" u="none" strike="noStrike" kern="1200" dirty="0">
                 <a:solidFill>
                   <a:schemeClr val="tx1"/>
                 </a:solidFill>
@@ -6009,7 +6009,7 @@
               <a:t> </a:t>
             </a:r>
             <a:r>
-              <a:rPr lang="en-US" sz="1200" b="0" i="0" u="none" strike="noStrike" kern="1200" dirty="0" err="1" smtClean="0">
+              <a:rPr lang="en-US" sz="1200" b="0" i="0" u="none" strike="noStrike" kern="1200" dirty="0" err="1">
                 <a:solidFill>
                   <a:schemeClr val="tx1"/>
                 </a:solidFill>
@@ -6021,7 +6021,7 @@
               <a:t>hiányában</a:t>
             </a:r>
             <a:r>
-              <a:rPr lang="en-US" sz="1200" b="0" i="0" u="none" strike="noStrike" kern="1200" dirty="0" smtClean="0">
+              <a:rPr lang="en-US" sz="1200" b="0" i="0" u="none" strike="noStrike" kern="1200" dirty="0">
                 <a:solidFill>
                   <a:schemeClr val="tx1"/>
                 </a:solidFill>
@@ -6033,7 +6033,7 @@
               <a:t> </a:t>
             </a:r>
             <a:r>
-              <a:rPr lang="en-US" sz="1200" b="0" i="0" u="none" strike="noStrike" kern="1200" dirty="0" err="1" smtClean="0">
+              <a:rPr lang="en-US" sz="1200" b="0" i="0" u="none" strike="noStrike" kern="1200" dirty="0" err="1">
                 <a:solidFill>
                   <a:schemeClr val="tx1"/>
                 </a:solidFill>
@@ -6045,7 +6045,7 @@
               <a:t>mindig</a:t>
             </a:r>
             <a:r>
-              <a:rPr lang="en-US" sz="1200" b="0" i="0" u="none" strike="noStrike" kern="1200" dirty="0" smtClean="0">
+              <a:rPr lang="en-US" sz="1200" b="0" i="0" u="none" strike="noStrike" kern="1200" dirty="0">
                 <a:solidFill>
                   <a:schemeClr val="tx1"/>
                 </a:solidFill>
@@ -6057,7 +6057,7 @@
               <a:t> a </a:t>
             </a:r>
             <a:r>
-              <a:rPr lang="en-US" sz="1200" b="0" i="0" u="none" strike="noStrike" kern="1200" dirty="0" err="1" smtClean="0">
+              <a:rPr lang="en-US" sz="1200" b="0" i="0" u="none" strike="noStrike" kern="1200" dirty="0" err="1">
                 <a:solidFill>
                   <a:schemeClr val="tx1"/>
                 </a:solidFill>
@@ -6069,7 +6069,7 @@
               <a:t>legrövidebbet</a:t>
             </a:r>
             <a:r>
-              <a:rPr lang="en-US" sz="1200" b="0" i="0" u="none" strike="noStrike" kern="1200" dirty="0" smtClean="0">
+              <a:rPr lang="en-US" sz="1200" b="0" i="0" u="none" strike="noStrike" kern="1200" dirty="0">
                 <a:solidFill>
                   <a:schemeClr val="tx1"/>
                 </a:solidFill>
@@ -6081,7 +6081,7 @@
               <a:t> / </a:t>
             </a:r>
             <a:r>
-              <a:rPr lang="en-US" sz="1200" b="0" i="0" u="none" strike="noStrike" kern="1200" dirty="0" err="1" smtClean="0">
+              <a:rPr lang="en-US" sz="1200" b="0" i="0" u="none" strike="noStrike" kern="1200" dirty="0" err="1">
                 <a:solidFill>
                   <a:schemeClr val="tx1"/>
                 </a:solidFill>
@@ -6093,7 +6093,7 @@
               <a:t>legegyszer</a:t>
             </a:r>
             <a:r>
-              <a:rPr lang="hu-HU" sz="1200" b="0" i="0" u="none" strike="noStrike" kern="1200" dirty="0" smtClean="0">
+              <a:rPr lang="hu-HU" sz="1200" b="0" i="0" u="none" strike="noStrike" kern="1200" dirty="0">
                 <a:solidFill>
                   <a:schemeClr val="tx1"/>
                 </a:solidFill>
@@ -6105,7 +6105,7 @@
               <a:t>ű</a:t>
             </a:r>
             <a:r>
-              <a:rPr lang="en-US" sz="1200" b="0" i="0" u="none" strike="noStrike" kern="1200" dirty="0" err="1" smtClean="0">
+              <a:rPr lang="en-US" sz="1200" b="0" i="0" u="none" strike="noStrike" kern="1200" dirty="0" err="1">
                 <a:solidFill>
                   <a:schemeClr val="tx1"/>
                 </a:solidFill>
@@ -6117,7 +6117,7 @@
               <a:t>bbet</a:t>
             </a:r>
             <a:r>
-              <a:rPr lang="en-US" sz="1200" b="0" i="0" u="none" strike="noStrike" kern="1200" dirty="0" smtClean="0">
+              <a:rPr lang="en-US" sz="1200" b="0" i="0" u="none" strike="noStrike" kern="1200" dirty="0">
                 <a:solidFill>
                   <a:schemeClr val="tx1"/>
                 </a:solidFill>
@@ -6129,7 +6129,7 @@
               <a:t> </a:t>
             </a:r>
             <a:r>
-              <a:rPr lang="en-US" sz="1200" b="0" i="0" u="none" strike="noStrike" kern="1200" dirty="0" err="1" smtClean="0">
+              <a:rPr lang="en-US" sz="1200" b="0" i="0" u="none" strike="noStrike" kern="1200" dirty="0" err="1">
                 <a:solidFill>
                   <a:schemeClr val="tx1"/>
                 </a:solidFill>
@@ -6141,7 +6141,7 @@
               <a:t>választjuk</a:t>
             </a:r>
             <a:r>
-              <a:rPr lang="en-US" sz="1200" b="0" i="0" u="none" strike="noStrike" kern="1200" dirty="0" smtClean="0">
+              <a:rPr lang="en-US" sz="1200" b="0" i="0" u="none" strike="noStrike" kern="1200" dirty="0">
                 <a:solidFill>
                   <a:schemeClr val="tx1"/>
                 </a:solidFill>
@@ -6153,7 +6153,7 @@
               <a:t>, </a:t>
             </a:r>
             <a:r>
-              <a:rPr lang="en-US" sz="1200" b="0" i="0" u="none" strike="noStrike" kern="1200" dirty="0" err="1" smtClean="0">
+              <a:rPr lang="en-US" sz="1200" b="0" i="0" u="none" strike="noStrike" kern="1200" dirty="0" err="1">
                 <a:solidFill>
                   <a:schemeClr val="tx1"/>
                 </a:solidFill>
@@ -6165,7 +6165,7 @@
               <a:t>amely</a:t>
             </a:r>
             <a:r>
-              <a:rPr lang="en-US" sz="1200" b="0" i="0" u="none" strike="noStrike" kern="1200" dirty="0" smtClean="0">
+              <a:rPr lang="en-US" sz="1200" b="0" i="0" u="none" strike="noStrike" kern="1200" dirty="0">
                 <a:solidFill>
                   <a:schemeClr val="tx1"/>
                 </a:solidFill>
@@ -6177,7 +6177,7 @@
               <a:t> </a:t>
             </a:r>
             <a:r>
-              <a:rPr lang="en-US" sz="1200" b="0" i="0" u="none" strike="noStrike" kern="1200" dirty="0" err="1" smtClean="0">
+              <a:rPr lang="en-US" sz="1200" b="0" i="0" u="none" strike="noStrike" kern="1200" dirty="0" err="1">
                 <a:solidFill>
                   <a:schemeClr val="tx1"/>
                 </a:solidFill>
@@ -6189,7 +6189,7 @@
               <a:t>általában</a:t>
             </a:r>
             <a:r>
-              <a:rPr lang="en-US" sz="1200" b="0" i="0" u="none" strike="noStrike" kern="1200" dirty="0" smtClean="0">
+              <a:rPr lang="en-US" sz="1200" b="0" i="0" u="none" strike="noStrike" kern="1200" dirty="0">
                 <a:solidFill>
                   <a:schemeClr val="tx1"/>
                 </a:solidFill>
@@ -6201,7 +6201,7 @@
               <a:t> a </a:t>
             </a:r>
             <a:r>
-              <a:rPr lang="en-US" sz="1200" b="0" i="0" u="none" strike="noStrike" kern="1200" dirty="0" err="1" smtClean="0">
+              <a:rPr lang="en-US" sz="1200" b="0" i="0" u="none" strike="noStrike" kern="1200" dirty="0" err="1">
                 <a:solidFill>
                   <a:schemeClr val="tx1"/>
                 </a:solidFill>
@@ -6213,7 +6213,7 @@
               <a:t>sebesség</a:t>
             </a:r>
             <a:r>
-              <a:rPr lang="en-US" sz="1200" b="0" i="0" u="none" strike="noStrike" kern="1200" dirty="0" smtClean="0">
+              <a:rPr lang="en-US" sz="1200" b="0" i="0" u="none" strike="noStrike" kern="1200" dirty="0">
                 <a:solidFill>
                   <a:schemeClr val="tx1"/>
                 </a:solidFill>
@@ -6225,7 +6225,7 @@
               <a:t> </a:t>
             </a:r>
             <a:r>
-              <a:rPr lang="en-US" sz="1200" b="0" i="0" u="none" strike="noStrike" kern="1200" dirty="0" err="1" smtClean="0">
+              <a:rPr lang="en-US" sz="1200" b="0" i="0" u="none" strike="noStrike" kern="1200" dirty="0" err="1">
                 <a:solidFill>
                   <a:schemeClr val="tx1"/>
                 </a:solidFill>
@@ -6237,7 +6237,7 @@
               <a:t>rovására</a:t>
             </a:r>
             <a:r>
-              <a:rPr lang="en-US" sz="1200" b="0" i="0" u="none" strike="noStrike" kern="1200" dirty="0" smtClean="0">
+              <a:rPr lang="en-US" sz="1200" b="0" i="0" u="none" strike="noStrike" kern="1200" dirty="0">
                 <a:solidFill>
                   <a:schemeClr val="tx1"/>
                 </a:solidFill>
@@ -6249,7 +6249,7 @@
               <a:t> </a:t>
             </a:r>
             <a:r>
-              <a:rPr lang="en-US" sz="1200" b="0" i="0" u="none" strike="noStrike" kern="1200" dirty="0" err="1" smtClean="0">
+              <a:rPr lang="en-US" sz="1200" b="0" i="0" u="none" strike="noStrike" kern="1200" dirty="0" err="1">
                 <a:solidFill>
                   <a:schemeClr val="tx1"/>
                 </a:solidFill>
@@ -6261,7 +6261,7 @@
               <a:t>megy</a:t>
             </a:r>
             <a:r>
-              <a:rPr lang="en-US" sz="1200" b="0" i="0" u="none" strike="noStrike" kern="1200" dirty="0" smtClean="0">
+              <a:rPr lang="en-US" sz="1200" b="0" i="0" u="none" strike="noStrike" kern="1200" dirty="0">
                 <a:solidFill>
                   <a:schemeClr val="tx1"/>
                 </a:solidFill>
@@ -6273,7 +6273,7 @@
               <a:t> (</a:t>
             </a:r>
             <a:r>
-              <a:rPr lang="en-US" sz="1200" b="0" i="0" u="none" strike="noStrike" kern="1200" dirty="0" err="1" smtClean="0">
+              <a:rPr lang="en-US" sz="1200" b="0" i="0" u="none" strike="noStrike" kern="1200" dirty="0" err="1">
                 <a:solidFill>
                   <a:schemeClr val="tx1"/>
                 </a:solidFill>
@@ -6285,7 +6285,7 @@
               <a:t>ami</a:t>
             </a:r>
             <a:r>
-              <a:rPr lang="en-US" sz="1200" b="0" i="0" u="none" strike="noStrike" kern="1200" dirty="0" smtClean="0">
+              <a:rPr lang="en-US" sz="1200" b="0" i="0" u="none" strike="noStrike" kern="1200" dirty="0">
                 <a:solidFill>
                   <a:schemeClr val="tx1"/>
                 </a:solidFill>
@@ -6297,7 +6297,7 @@
               <a:t> </a:t>
             </a:r>
             <a:r>
-              <a:rPr lang="en-US" sz="1200" b="0" i="0" u="none" strike="noStrike" kern="1200" dirty="0" err="1" smtClean="0">
+              <a:rPr lang="en-US" sz="1200" b="0" i="0" u="none" strike="noStrike" kern="1200" dirty="0" err="1">
                 <a:solidFill>
                   <a:schemeClr val="tx1"/>
                 </a:solidFill>
@@ -6309,7 +6309,7 @@
               <a:t>nem</a:t>
             </a:r>
             <a:r>
-              <a:rPr lang="en-US" sz="1200" b="0" i="0" u="none" strike="noStrike" kern="1200" dirty="0" smtClean="0">
+              <a:rPr lang="en-US" sz="1200" b="0" i="0" u="none" strike="noStrike" kern="1200" dirty="0">
                 <a:solidFill>
                   <a:schemeClr val="tx1"/>
                 </a:solidFill>
@@ -6321,7 +6321,7 @@
               <a:t> </a:t>
             </a:r>
             <a:r>
-              <a:rPr lang="en-US" sz="1200" b="0" i="0" u="none" strike="noStrike" kern="1200" dirty="0" err="1" smtClean="0">
+              <a:rPr lang="en-US" sz="1200" b="0" i="0" u="none" strike="noStrike" kern="1200" dirty="0" err="1">
                 <a:solidFill>
                   <a:schemeClr val="tx1"/>
                 </a:solidFill>
@@ -6333,7 +6333,7 @@
               <a:t>érdekel</a:t>
             </a:r>
             <a:r>
-              <a:rPr lang="en-US" sz="1200" b="0" i="0" u="none" strike="noStrike" kern="1200" dirty="0" smtClean="0">
+              <a:rPr lang="en-US" sz="1200" b="0" i="0" u="none" strike="noStrike" kern="1200" dirty="0">
                 <a:solidFill>
                   <a:schemeClr val="tx1"/>
                 </a:solidFill>
@@ -6345,7 +6345,7 @@
               <a:t> </a:t>
             </a:r>
             <a:r>
-              <a:rPr lang="en-US" sz="1200" b="0" i="0" u="none" strike="noStrike" kern="1200" dirty="0" err="1" smtClean="0">
+              <a:rPr lang="en-US" sz="1200" b="0" i="0" u="none" strike="noStrike" kern="1200" dirty="0" err="1">
                 <a:solidFill>
                   <a:schemeClr val="tx1"/>
                 </a:solidFill>
@@ -6357,7 +6357,7 @@
               <a:t>minket</a:t>
             </a:r>
             <a:r>
-              <a:rPr lang="en-US" sz="1200" b="0" i="0" u="none" strike="noStrike" kern="1200" dirty="0" smtClean="0">
+              <a:rPr lang="en-US" sz="1200" b="0" i="0" u="none" strike="noStrike" kern="1200" dirty="0">
                 <a:solidFill>
                   <a:schemeClr val="tx1"/>
                 </a:solidFill>
@@ -6369,7 +6369,7 @@
               <a:t> </a:t>
             </a:r>
             <a:r>
-              <a:rPr lang="en-US" sz="1200" b="0" i="0" u="none" strike="noStrike" kern="1200" dirty="0" err="1" smtClean="0">
+              <a:rPr lang="en-US" sz="1200" b="0" i="0" u="none" strike="noStrike" kern="1200" dirty="0" err="1">
                 <a:solidFill>
                   <a:schemeClr val="tx1"/>
                 </a:solidFill>
@@ -6381,7 +6381,7 @@
               <a:t>ekkora</a:t>
             </a:r>
             <a:r>
-              <a:rPr lang="en-US" sz="1200" b="0" i="0" u="none" strike="noStrike" kern="1200" dirty="0" smtClean="0">
+              <a:rPr lang="en-US" sz="1200" b="0" i="0" u="none" strike="noStrike" kern="1200" dirty="0">
                 <a:solidFill>
                   <a:schemeClr val="tx1"/>
                 </a:solidFill>
@@ -6393,7 +6393,7 @@
               <a:t> </a:t>
             </a:r>
             <a:r>
-              <a:rPr lang="en-US" sz="1200" b="0" i="0" u="none" strike="noStrike" kern="1200" dirty="0" err="1" smtClean="0">
+              <a:rPr lang="en-US" sz="1200" b="0" i="0" u="none" strike="noStrike" kern="1200" dirty="0" err="1">
                 <a:solidFill>
                   <a:schemeClr val="tx1"/>
                 </a:solidFill>
@@ -6405,7 +6405,7 @@
               <a:t>kis</a:t>
             </a:r>
             <a:r>
-              <a:rPr lang="en-US" sz="1200" b="0" i="0" u="none" strike="noStrike" kern="1200" dirty="0" smtClean="0">
+              <a:rPr lang="en-US" sz="1200" b="0" i="0" u="none" strike="noStrike" kern="1200" dirty="0">
                 <a:solidFill>
                   <a:schemeClr val="tx1"/>
                 </a:solidFill>
@@ -6417,7 +6417,7 @@
               <a:t> </a:t>
             </a:r>
             <a:r>
-              <a:rPr lang="en-US" sz="1200" b="0" i="0" u="none" strike="noStrike" kern="1200" dirty="0" err="1" smtClean="0">
+              <a:rPr lang="en-US" sz="1200" b="0" i="0" u="none" strike="noStrike" kern="1200" dirty="0" err="1">
                 <a:solidFill>
                   <a:schemeClr val="tx1"/>
                 </a:solidFill>
@@ -6429,7 +6429,7 @@
               <a:t>projektekben</a:t>
             </a:r>
             <a:r>
-              <a:rPr lang="en-US" sz="1200" b="0" i="0" u="none" strike="noStrike" kern="1200" dirty="0" smtClean="0">
+              <a:rPr lang="en-US" sz="1200" b="0" i="0" u="none" strike="noStrike" kern="1200" dirty="0">
                 <a:solidFill>
                   <a:schemeClr val="tx1"/>
                 </a:solidFill>
@@ -6441,7 +6441,7 @@
               <a:t>). Ha </a:t>
             </a:r>
             <a:r>
-              <a:rPr lang="en-US" sz="1200" b="0" i="0" u="none" strike="noStrike" kern="1200" dirty="0" err="1" smtClean="0">
+              <a:rPr lang="en-US" sz="1200" b="0" i="0" u="none" strike="noStrike" kern="1200" dirty="0" err="1">
                 <a:solidFill>
                   <a:schemeClr val="tx1"/>
                 </a:solidFill>
@@ -6453,7 +6453,7 @@
               <a:t>viszont</a:t>
             </a:r>
             <a:r>
-              <a:rPr lang="en-US" sz="1200" b="0" i="0" u="none" strike="noStrike" kern="1200" dirty="0" smtClean="0">
+              <a:rPr lang="en-US" sz="1200" b="0" i="0" u="none" strike="noStrike" kern="1200" dirty="0">
                 <a:solidFill>
                   <a:schemeClr val="tx1"/>
                 </a:solidFill>
@@ -6465,7 +6465,7 @@
               <a:t> </a:t>
             </a:r>
             <a:r>
-              <a:rPr lang="en-US" sz="1200" b="0" i="0" u="none" strike="noStrike" kern="1200" dirty="0" err="1" smtClean="0">
+              <a:rPr lang="en-US" sz="1200" b="0" i="0" u="none" strike="noStrike" kern="1200" dirty="0" err="1">
                 <a:solidFill>
                   <a:schemeClr val="tx1"/>
                 </a:solidFill>
@@ -6477,7 +6477,7 @@
               <a:t>szeretnéd</a:t>
             </a:r>
             <a:r>
-              <a:rPr lang="en-US" sz="1200" b="0" i="0" u="none" strike="noStrike" kern="1200" dirty="0" smtClean="0">
+              <a:rPr lang="en-US" sz="1200" b="0" i="0" u="none" strike="noStrike" kern="1200" dirty="0">
                 <a:solidFill>
                   <a:schemeClr val="tx1"/>
                 </a:solidFill>
@@ -6489,7 +6489,7 @@
               <a:t> </a:t>
             </a:r>
             <a:r>
-              <a:rPr lang="en-US" sz="1200" b="0" i="0" u="none" strike="noStrike" kern="1200" dirty="0" err="1" smtClean="0">
+              <a:rPr lang="en-US" sz="1200" b="0" i="0" u="none" strike="noStrike" kern="1200" dirty="0" err="1">
                 <a:solidFill>
                   <a:schemeClr val="tx1"/>
                 </a:solidFill>
@@ -6501,7 +6501,7 @@
               <a:t>beleásni</a:t>
             </a:r>
             <a:r>
-              <a:rPr lang="en-US" sz="1200" b="0" i="0" u="none" strike="noStrike" kern="1200" dirty="0" smtClean="0">
+              <a:rPr lang="en-US" sz="1200" b="0" i="0" u="none" strike="noStrike" kern="1200" dirty="0">
                 <a:solidFill>
                   <a:schemeClr val="tx1"/>
                 </a:solidFill>
@@ -6513,7 +6513,7 @@
               <a:t> </a:t>
             </a:r>
             <a:r>
-              <a:rPr lang="en-US" sz="1200" b="0" i="0" u="none" strike="noStrike" kern="1200" dirty="0" err="1" smtClean="0">
+              <a:rPr lang="en-US" sz="1200" b="0" i="0" u="none" strike="noStrike" kern="1200" dirty="0" err="1">
                 <a:solidFill>
                   <a:schemeClr val="tx1"/>
                 </a:solidFill>
@@ -6525,7 +6525,7 @@
               <a:t>magad</a:t>
             </a:r>
             <a:r>
-              <a:rPr lang="en-US" sz="1200" b="0" i="0" u="none" strike="noStrike" kern="1200" dirty="0" smtClean="0">
+              <a:rPr lang="en-US" sz="1200" b="0" i="0" u="none" strike="noStrike" kern="1200" dirty="0">
                 <a:solidFill>
                   <a:schemeClr val="tx1"/>
                 </a:solidFill>
@@ -6537,7 +6537,7 @@
               <a:t> </a:t>
             </a:r>
             <a:r>
-              <a:rPr lang="en-US" sz="1200" b="0" i="0" u="none" strike="noStrike" kern="1200" dirty="0" err="1" smtClean="0">
+              <a:rPr lang="en-US" sz="1200" b="0" i="0" u="none" strike="noStrike" kern="1200" dirty="0" err="1">
                 <a:solidFill>
                   <a:schemeClr val="tx1"/>
                 </a:solidFill>
@@ -6549,7 +6549,7 @@
               <a:t>ilyesmibe</a:t>
             </a:r>
             <a:r>
-              <a:rPr lang="en-US" sz="1200" b="0" i="0" u="none" strike="noStrike" kern="1200" dirty="0" smtClean="0">
+              <a:rPr lang="en-US" sz="1200" b="0" i="0" u="none" strike="noStrike" kern="1200" dirty="0">
                 <a:solidFill>
                   <a:schemeClr val="tx1"/>
                 </a:solidFill>
@@ -6561,7 +6561,7 @@
               <a:t>, </a:t>
             </a:r>
             <a:r>
-              <a:rPr lang="en-US" sz="1200" b="0" i="0" u="none" strike="noStrike" kern="1200" dirty="0" err="1" smtClean="0">
+              <a:rPr lang="en-US" sz="1200" b="0" i="0" u="none" strike="noStrike" kern="1200" dirty="0" err="1">
                 <a:solidFill>
                   <a:schemeClr val="tx1"/>
                 </a:solidFill>
@@ -6573,7 +6573,7 @@
               <a:t>akkor</a:t>
             </a:r>
             <a:r>
-              <a:rPr lang="en-US" sz="1200" b="0" i="0" u="none" strike="noStrike" kern="1200" dirty="0" smtClean="0">
+              <a:rPr lang="en-US" sz="1200" b="0" i="0" u="none" strike="noStrike" kern="1200" dirty="0">
                 <a:solidFill>
                   <a:schemeClr val="tx1"/>
                 </a:solidFill>
@@ -6585,7 +6585,7 @@
               <a:t> </a:t>
             </a:r>
             <a:r>
-              <a:rPr lang="en-US" sz="1200" b="0" i="0" u="none" strike="noStrike" kern="1200" dirty="0" err="1" smtClean="0">
+              <a:rPr lang="en-US" sz="1200" b="0" i="0" u="none" strike="noStrike" kern="1200" dirty="0" err="1">
                 <a:solidFill>
                   <a:schemeClr val="tx1"/>
                 </a:solidFill>
@@ -6597,7 +6597,7 @@
               <a:t>lesz</a:t>
             </a:r>
             <a:r>
-              <a:rPr lang="en-US" sz="1200" b="0" i="0" u="none" strike="noStrike" kern="1200" dirty="0" smtClean="0">
+              <a:rPr lang="en-US" sz="1200" b="0" i="0" u="none" strike="noStrike" kern="1200" dirty="0">
                 <a:solidFill>
                   <a:schemeClr val="tx1"/>
                 </a:solidFill>
@@ -6609,7 +6609,7 @@
               <a:t> </a:t>
             </a:r>
             <a:r>
-              <a:rPr lang="en-US" sz="1200" b="0" i="0" u="none" strike="noStrike" kern="1200" dirty="0" err="1" smtClean="0">
+              <a:rPr lang="en-US" sz="1200" b="0" i="0" u="none" strike="noStrike" kern="1200" dirty="0" err="1">
                 <a:solidFill>
                   <a:schemeClr val="tx1"/>
                 </a:solidFill>
@@ -6621,7 +6621,7 @@
               <a:t>erre</a:t>
             </a:r>
             <a:r>
-              <a:rPr lang="en-US" sz="1200" b="0" i="0" u="none" strike="noStrike" kern="1200" dirty="0" smtClean="0">
+              <a:rPr lang="en-US" sz="1200" b="0" i="0" u="none" strike="noStrike" kern="1200" dirty="0">
                 <a:solidFill>
                   <a:schemeClr val="tx1"/>
                 </a:solidFill>
@@ -6633,7 +6633,7 @@
               <a:t> </a:t>
             </a:r>
             <a:r>
-              <a:rPr lang="en-US" sz="1200" b="0" i="0" u="none" strike="noStrike" kern="1200" dirty="0" err="1" smtClean="0">
+              <a:rPr lang="en-US" sz="1200" b="0" i="0" u="none" strike="noStrike" kern="1200" dirty="0" err="1">
                 <a:solidFill>
                   <a:schemeClr val="tx1"/>
                 </a:solidFill>
@@ -6645,7 +6645,7 @@
               <a:t>egy</a:t>
             </a:r>
             <a:r>
-              <a:rPr lang="en-US" sz="1200" b="0" i="0" u="none" strike="noStrike" kern="1200" dirty="0" smtClean="0">
+              <a:rPr lang="en-US" sz="1200" b="0" i="0" u="none" strike="noStrike" kern="1200" dirty="0">
                 <a:solidFill>
                   <a:schemeClr val="tx1"/>
                 </a:solidFill>
@@ -6657,7 +6657,7 @@
               <a:t> </a:t>
             </a:r>
             <a:r>
-              <a:rPr lang="en-US" sz="1200" b="0" i="0" u="none" strike="noStrike" kern="1200" dirty="0" err="1" smtClean="0">
+              <a:rPr lang="en-US" sz="1200" b="0" i="0" u="none" strike="noStrike" kern="1200" dirty="0" err="1">
                 <a:solidFill>
                   <a:schemeClr val="tx1"/>
                 </a:solidFill>
@@ -6669,7 +6669,7 @@
               <a:t>külön</a:t>
             </a:r>
             <a:r>
-              <a:rPr lang="en-US" sz="1200" b="0" i="0" u="none" strike="noStrike" kern="1200" dirty="0" smtClean="0">
+              <a:rPr lang="en-US" sz="1200" b="0" i="0" u="none" strike="noStrike" kern="1200" dirty="0">
                 <a:solidFill>
                   <a:schemeClr val="tx1"/>
                 </a:solidFill>
@@ -6681,7 +6681,7 @@
               <a:t> </a:t>
             </a:r>
             <a:r>
-              <a:rPr lang="en-US" sz="1200" b="0" i="0" u="none" strike="noStrike" kern="1200" dirty="0" err="1" smtClean="0">
+              <a:rPr lang="en-US" sz="1200" b="0" i="0" u="none" strike="noStrike" kern="1200" dirty="0" err="1">
                 <a:solidFill>
                   <a:schemeClr val="tx1"/>
                 </a:solidFill>
@@ -6693,7 +6693,7 @@
               <a:t>házifeladat</a:t>
             </a:r>
             <a:r>
-              <a:rPr lang="en-US" sz="1200" b="0" i="0" u="none" strike="noStrike" kern="1200" dirty="0" smtClean="0">
+              <a:rPr lang="en-US" sz="1200" b="0" i="0" u="none" strike="noStrike" kern="1200" dirty="0">
                 <a:solidFill>
                   <a:schemeClr val="tx1"/>
                 </a:solidFill>
@@ -6705,7 +6705,7 @@
               <a:t> </a:t>
             </a:r>
             <a:r>
-              <a:rPr lang="en-US" sz="1200" b="0" i="0" u="none" strike="noStrike" kern="1200" dirty="0" err="1" smtClean="0">
+              <a:rPr lang="en-US" sz="1200" b="0" i="0" u="none" strike="noStrike" kern="1200" dirty="0" err="1">
                 <a:solidFill>
                   <a:schemeClr val="tx1"/>
                 </a:solidFill>
@@ -6717,7 +6717,7 @@
               <a:t>téma</a:t>
             </a:r>
             <a:r>
-              <a:rPr lang="en-US" sz="1200" b="0" i="0" u="none" strike="noStrike" kern="1200" dirty="0" smtClean="0">
+              <a:rPr lang="en-US" sz="1200" b="0" i="0" u="none" strike="noStrike" kern="1200" dirty="0">
                 <a:solidFill>
                   <a:schemeClr val="tx1"/>
                 </a:solidFill>
@@ -6729,7 +6729,7 @@
               <a:t>.</a:t>
             </a:r>
             <a:r>
-              <a:rPr lang="en-US" sz="1200" b="0" i="0" kern="1200" dirty="0" smtClean="0">
+              <a:rPr lang="en-US" sz="1200" b="0" i="0" kern="1200" dirty="0">
                 <a:solidFill>
                   <a:schemeClr val="tx1"/>
                 </a:solidFill>
@@ -6829,7 +6829,7 @@
           <a:p>
             <a:pPr rtl="0" fontAlgn="base"/>
             <a:r>
-              <a:rPr lang="en-US" sz="1200" b="0" i="0" u="none" strike="noStrike" kern="1200" dirty="0" err="1" smtClean="0">
+              <a:rPr lang="en-US" sz="1200" b="0" i="0" u="none" strike="noStrike" kern="1200" dirty="0" err="1">
                 <a:solidFill>
                   <a:schemeClr val="tx1"/>
                 </a:solidFill>
@@ -6841,7 +6841,7 @@
               <a:t>Memcpy</a:t>
             </a:r>
             <a:r>
-              <a:rPr lang="en-US" sz="1200" b="0" i="0" u="none" strike="noStrike" kern="1200" dirty="0" smtClean="0">
+              <a:rPr lang="en-US" sz="1200" b="0" i="0" u="none" strike="noStrike" kern="1200" dirty="0">
                 <a:solidFill>
                   <a:schemeClr val="tx1"/>
                 </a:solidFill>
@@ -6853,7 +6853,7 @@
               <a:t>: </a:t>
             </a:r>
             <a:r>
-              <a:rPr lang="en-US" sz="1200" b="0" i="0" u="none" strike="noStrike" kern="1200" dirty="0" err="1" smtClean="0">
+              <a:rPr lang="en-US" sz="1200" b="0" i="0" u="none" strike="noStrike" kern="1200" dirty="0" err="1">
                 <a:solidFill>
                   <a:schemeClr val="tx1"/>
                 </a:solidFill>
@@ -6865,7 +6865,7 @@
               <a:t>szinkron</a:t>
             </a:r>
             <a:r>
-              <a:rPr lang="en-US" sz="1200" b="0" i="0" u="none" strike="noStrike" kern="1200" dirty="0" smtClean="0">
+              <a:rPr lang="en-US" sz="1200" b="0" i="0" u="none" strike="noStrike" kern="1200" dirty="0">
                 <a:solidFill>
                   <a:schemeClr val="tx1"/>
                 </a:solidFill>
@@ -6877,7 +6877,7 @@
               <a:t> </a:t>
             </a:r>
             <a:r>
-              <a:rPr lang="en-US" sz="1200" b="0" i="0" u="none" strike="noStrike" kern="1200" dirty="0" err="1" smtClean="0">
+              <a:rPr lang="en-US" sz="1200" b="0" i="0" u="none" strike="noStrike" kern="1200" dirty="0" err="1">
                 <a:solidFill>
                   <a:schemeClr val="tx1"/>
                 </a:solidFill>
@@ -6889,7 +6889,7 @@
               <a:t>hívás</a:t>
             </a:r>
             <a:r>
-              <a:rPr lang="en-US" sz="1200" b="0" i="0" u="none" strike="noStrike" kern="1200" dirty="0" smtClean="0">
+              <a:rPr lang="en-US" sz="1200" b="0" i="0" u="none" strike="noStrike" kern="1200" dirty="0">
                 <a:solidFill>
                   <a:schemeClr val="tx1"/>
                 </a:solidFill>
@@ -6901,7 +6901,7 @@
               <a:t>, </a:t>
             </a:r>
             <a:r>
-              <a:rPr lang="en-US" sz="1200" b="0" i="0" u="none" strike="noStrike" kern="1200" dirty="0" err="1" smtClean="0">
+              <a:rPr lang="en-US" sz="1200" b="0" i="0" u="none" strike="noStrike" kern="1200" dirty="0" err="1">
                 <a:solidFill>
                   <a:schemeClr val="tx1"/>
                 </a:solidFill>
@@ -6913,7 +6913,7 @@
               <a:t>még</a:t>
             </a:r>
             <a:r>
-              <a:rPr lang="en-US" sz="1200" b="0" i="0" u="none" strike="noStrike" kern="1200" dirty="0" smtClean="0">
+              <a:rPr lang="en-US" sz="1200" b="0" i="0" u="none" strike="noStrike" kern="1200" dirty="0">
                 <a:solidFill>
                   <a:schemeClr val="tx1"/>
                 </a:solidFill>
@@ -6925,7 +6925,7 @@
               <a:t> </a:t>
             </a:r>
             <a:r>
-              <a:rPr lang="en-US" sz="1200" b="0" i="0" u="none" strike="noStrike" kern="1200" dirty="0" err="1" smtClean="0">
+              <a:rPr lang="en-US" sz="1200" b="0" i="0" u="none" strike="noStrike" kern="1200" dirty="0" err="1">
                 <a:solidFill>
                   <a:schemeClr val="tx1"/>
                 </a:solidFill>
@@ -6937,7 +6937,7 @@
               <a:t>az</a:t>
             </a:r>
             <a:r>
-              <a:rPr lang="en-US" sz="1200" b="0" i="0" u="none" strike="noStrike" kern="1200" dirty="0" smtClean="0">
+              <a:rPr lang="en-US" sz="1200" b="0" i="0" u="none" strike="noStrike" kern="1200" dirty="0">
                 <a:solidFill>
                   <a:schemeClr val="tx1"/>
                 </a:solidFill>
@@ -6949,7 +6949,7 @@
               <a:t> Execute </a:t>
             </a:r>
             <a:r>
-              <a:rPr lang="en-US" sz="1200" b="0" i="0" u="none" strike="noStrike" kern="1200" dirty="0" err="1" smtClean="0">
+              <a:rPr lang="en-US" sz="1200" b="0" i="0" u="none" strike="noStrike" kern="1200" dirty="0" err="1">
                 <a:solidFill>
                   <a:schemeClr val="tx1"/>
                 </a:solidFill>
@@ -6961,7 +6961,7 @@
               <a:t>hívás</a:t>
             </a:r>
             <a:r>
-              <a:rPr lang="en-US" sz="1200" b="0" i="0" u="none" strike="noStrike" kern="1200" dirty="0" smtClean="0">
+              <a:rPr lang="en-US" sz="1200" b="0" i="0" u="none" strike="noStrike" kern="1200" dirty="0">
                 <a:solidFill>
                   <a:schemeClr val="tx1"/>
                 </a:solidFill>
@@ -6973,7 +6973,7 @@
               <a:t> </a:t>
             </a:r>
             <a:r>
-              <a:rPr lang="en-US" sz="1200" b="0" i="0" u="none" strike="noStrike" kern="1200" dirty="0" err="1" smtClean="0">
+              <a:rPr lang="en-US" sz="1200" b="0" i="0" u="none" strike="noStrike" kern="1200" dirty="0" err="1">
                 <a:solidFill>
                   <a:schemeClr val="tx1"/>
                 </a:solidFill>
@@ -6985,7 +6985,7 @@
               <a:t>előtt</a:t>
             </a:r>
             <a:r>
-              <a:rPr lang="en-US" sz="1200" b="0" i="0" u="none" strike="noStrike" kern="1200" dirty="0" smtClean="0">
+              <a:rPr lang="en-US" sz="1200" b="0" i="0" u="none" strike="noStrike" kern="1200" dirty="0">
                 <a:solidFill>
                   <a:schemeClr val="tx1"/>
                 </a:solidFill>
@@ -6997,7 +6997,7 @@
               <a:t> </a:t>
             </a:r>
             <a:r>
-              <a:rPr lang="en-US" sz="1200" b="0" i="0" u="none" strike="noStrike" kern="1200" dirty="0" err="1" smtClean="0">
+              <a:rPr lang="en-US" sz="1200" b="0" i="0" u="none" strike="noStrike" kern="1200" dirty="0" err="1">
                 <a:solidFill>
                   <a:schemeClr val="tx1"/>
                 </a:solidFill>
@@ -7009,7 +7009,7 @@
               <a:t>feltöltjük</a:t>
             </a:r>
             <a:r>
-              <a:rPr lang="en-US" sz="1200" b="0" i="0" u="none" strike="noStrike" kern="1200" dirty="0" smtClean="0">
+              <a:rPr lang="en-US" sz="1200" b="0" i="0" u="none" strike="noStrike" kern="1200" dirty="0">
                 <a:solidFill>
                   <a:schemeClr val="tx1"/>
                 </a:solidFill>
@@ -7021,7 +7021,7 @@
               <a:t> a constant buffer </a:t>
             </a:r>
             <a:r>
-              <a:rPr lang="en-US" sz="1200" b="0" i="0" u="none" strike="noStrike" kern="1200" dirty="0" err="1" smtClean="0">
+              <a:rPr lang="en-US" sz="1200" b="0" i="0" u="none" strike="noStrike" kern="1200" dirty="0" err="1">
                 <a:solidFill>
                   <a:schemeClr val="tx1"/>
                 </a:solidFill>
@@ -7033,7 +7033,7 @@
               <a:t>tartalmát</a:t>
             </a:r>
             <a:r>
-              <a:rPr lang="en-US" sz="1200" b="0" i="0" u="none" strike="noStrike" kern="1200" dirty="0" smtClean="0">
+              <a:rPr lang="en-US" sz="1200" b="0" i="0" u="none" strike="noStrike" kern="1200" dirty="0">
                 <a:solidFill>
                   <a:schemeClr val="tx1"/>
                 </a:solidFill>
@@ -7045,7 +7045,7 @@
               <a:t>. </a:t>
             </a:r>
             <a:r>
-              <a:rPr lang="en-US" sz="1200" b="0" i="0" u="none" strike="noStrike" kern="1200" dirty="0" err="1" smtClean="0">
+              <a:rPr lang="en-US" sz="1200" b="0" i="0" u="none" strike="noStrike" kern="1200" dirty="0" err="1">
                 <a:solidFill>
                   <a:schemeClr val="tx1"/>
                 </a:solidFill>
@@ -7057,7 +7057,7 @@
               <a:t>Az</a:t>
             </a:r>
             <a:r>
-              <a:rPr lang="en-US" sz="1200" b="0" i="0" u="none" strike="noStrike" kern="1200" dirty="0" smtClean="0">
+              <a:rPr lang="en-US" sz="1200" b="0" i="0" u="none" strike="noStrike" kern="1200" dirty="0">
                 <a:solidFill>
                   <a:schemeClr val="tx1"/>
                 </a:solidFill>
@@ -7069,7 +7069,7 @@
               <a:t>, </a:t>
             </a:r>
             <a:r>
-              <a:rPr lang="en-US" sz="1200" b="0" i="0" u="none" strike="noStrike" kern="1200" dirty="0" err="1" smtClean="0">
+              <a:rPr lang="en-US" sz="1200" b="0" i="0" u="none" strike="noStrike" kern="1200" dirty="0" err="1">
                 <a:solidFill>
                   <a:schemeClr val="tx1"/>
                 </a:solidFill>
@@ -7081,7 +7081,7 @@
               <a:t>hogy</a:t>
             </a:r>
             <a:r>
-              <a:rPr lang="en-US" sz="1200" b="0" i="0" u="none" strike="noStrike" kern="1200" dirty="0" smtClean="0">
+              <a:rPr lang="en-US" sz="1200" b="0" i="0" u="none" strike="noStrike" kern="1200" dirty="0">
                 <a:solidFill>
                   <a:schemeClr val="tx1"/>
                 </a:solidFill>
@@ -7093,7 +7093,7 @@
               <a:t> </a:t>
             </a:r>
             <a:r>
-              <a:rPr lang="en-US" sz="1200" b="0" i="0" u="none" strike="noStrike" kern="1200" dirty="0" err="1" smtClean="0">
+              <a:rPr lang="en-US" sz="1200" b="0" i="0" u="none" strike="noStrike" kern="1200" dirty="0" err="1">
                 <a:solidFill>
                   <a:schemeClr val="tx1"/>
                 </a:solidFill>
@@ -7105,7 +7105,7 @@
               <a:t>ez</a:t>
             </a:r>
             <a:r>
-              <a:rPr lang="en-US" sz="1200" b="0" i="0" u="none" strike="noStrike" kern="1200" dirty="0" smtClean="0">
+              <a:rPr lang="en-US" sz="1200" b="0" i="0" u="none" strike="noStrike" kern="1200" dirty="0">
                 <a:solidFill>
                   <a:schemeClr val="tx1"/>
                 </a:solidFill>
@@ -7117,7 +7117,7 @@
               <a:t> </a:t>
             </a:r>
             <a:r>
-              <a:rPr lang="en-US" sz="1200" b="0" i="0" u="none" strike="noStrike" kern="1200" dirty="0" err="1" smtClean="0">
+              <a:rPr lang="en-US" sz="1200" b="0" i="0" u="none" strike="noStrike" kern="1200" dirty="0" err="1">
                 <a:solidFill>
                   <a:schemeClr val="tx1"/>
                 </a:solidFill>
@@ -7129,7 +7129,7 @@
               <a:t>szinkron</a:t>
             </a:r>
             <a:r>
-              <a:rPr lang="en-US" sz="1200" b="0" i="0" u="none" strike="noStrike" kern="1200" dirty="0" smtClean="0">
+              <a:rPr lang="en-US" sz="1200" b="0" i="0" u="none" strike="noStrike" kern="1200" dirty="0">
                 <a:solidFill>
                   <a:schemeClr val="tx1"/>
                 </a:solidFill>
@@ -7141,7 +7141,7 @@
               <a:t>, a </a:t>
             </a:r>
             <a:r>
-              <a:rPr lang="en-US" sz="1200" b="0" i="0" u="none" strike="noStrike" kern="1200" dirty="0" err="1" smtClean="0">
+              <a:rPr lang="en-US" sz="1200" b="0" i="0" u="none" strike="noStrike" kern="1200" dirty="0" err="1">
                 <a:solidFill>
                   <a:schemeClr val="tx1"/>
                 </a:solidFill>
@@ -7153,7 +7153,7 @@
               <a:t>commandList</a:t>
             </a:r>
             <a:r>
-              <a:rPr lang="en-US" sz="1200" b="0" i="0" u="none" strike="noStrike" kern="1200" dirty="0" smtClean="0">
+              <a:rPr lang="en-US" sz="1200" b="0" i="0" u="none" strike="noStrike" kern="1200" dirty="0">
                 <a:solidFill>
                   <a:schemeClr val="tx1"/>
                 </a:solidFill>
@@ -7165,7 +7165,7 @@
               <a:t> </a:t>
             </a:r>
             <a:r>
-              <a:rPr lang="en-US" sz="1200" b="0" i="0" u="none" strike="noStrike" kern="1200" dirty="0" err="1" smtClean="0">
+              <a:rPr lang="en-US" sz="1200" b="0" i="0" u="none" strike="noStrike" kern="1200" dirty="0" err="1">
                 <a:solidFill>
                   <a:schemeClr val="tx1"/>
                 </a:solidFill>
@@ -7177,7 +7177,7 @@
               <a:t>dolgok</a:t>
             </a:r>
             <a:r>
-              <a:rPr lang="en-US" sz="1200" b="0" i="0" u="none" strike="noStrike" kern="1200" dirty="0" smtClean="0">
+              <a:rPr lang="en-US" sz="1200" b="0" i="0" u="none" strike="noStrike" kern="1200" dirty="0">
                 <a:solidFill>
                   <a:schemeClr val="tx1"/>
                 </a:solidFill>
@@ -7189,7 +7189,7 @@
               <a:t> </a:t>
             </a:r>
             <a:r>
-              <a:rPr lang="en-US" sz="1200" b="0" i="0" u="none" strike="noStrike" kern="1200" dirty="0" err="1" smtClean="0">
+              <a:rPr lang="en-US" sz="1200" b="0" i="0" u="none" strike="noStrike" kern="1200" dirty="0" err="1">
                 <a:solidFill>
                   <a:schemeClr val="tx1"/>
                 </a:solidFill>
@@ -7201,7 +7201,7 @@
               <a:t>pedig</a:t>
             </a:r>
             <a:r>
-              <a:rPr lang="en-US" sz="1200" b="0" i="0" u="none" strike="noStrike" kern="1200" dirty="0" smtClean="0">
+              <a:rPr lang="en-US" sz="1200" b="0" i="0" u="none" strike="noStrike" kern="1200" dirty="0">
                 <a:solidFill>
                   <a:schemeClr val="tx1"/>
                 </a:solidFill>
@@ -7213,7 +7213,7 @@
               <a:t> </a:t>
             </a:r>
             <a:r>
-              <a:rPr lang="en-US" sz="1200" b="0" i="0" u="none" strike="noStrike" kern="1200" dirty="0" err="1" smtClean="0">
+              <a:rPr lang="en-US" sz="1200" b="0" i="0" u="none" strike="noStrike" kern="1200" dirty="0" err="1">
                 <a:solidFill>
                   <a:schemeClr val="tx1"/>
                 </a:solidFill>
@@ -7225,7 +7225,7 @@
               <a:t>aszinkronok</a:t>
             </a:r>
             <a:r>
-              <a:rPr lang="en-US" sz="1200" b="0" i="0" u="none" strike="noStrike" kern="1200" dirty="0" smtClean="0">
+              <a:rPr lang="en-US" sz="1200" b="0" i="0" u="none" strike="noStrike" kern="1200" dirty="0">
                 <a:solidFill>
                   <a:schemeClr val="tx1"/>
                 </a:solidFill>
@@ -7237,7 +7237,7 @@
               <a:t>, </a:t>
             </a:r>
             <a:r>
-              <a:rPr lang="en-US" sz="1200" b="0" i="0" u="none" strike="noStrike" kern="1200" dirty="0" err="1" smtClean="0">
+              <a:rPr lang="en-US" sz="1200" b="0" i="0" u="none" strike="noStrike" kern="1200" dirty="0" err="1">
                 <a:solidFill>
                   <a:schemeClr val="tx1"/>
                 </a:solidFill>
@@ -7249,7 +7249,7 @@
               <a:t>az</a:t>
             </a:r>
             <a:r>
-              <a:rPr lang="en-US" sz="1200" b="0" i="0" u="none" strike="noStrike" kern="1200" dirty="0" smtClean="0">
+              <a:rPr lang="en-US" sz="1200" b="0" i="0" u="none" strike="noStrike" kern="1200" dirty="0">
                 <a:solidFill>
                   <a:schemeClr val="tx1"/>
                 </a:solidFill>
@@ -7261,7 +7261,7 @@
               <a:t> ok </a:t>
             </a:r>
             <a:r>
-              <a:rPr lang="en-US" sz="1200" b="0" i="0" u="none" strike="noStrike" kern="1200" dirty="0" err="1" smtClean="0">
+              <a:rPr lang="en-US" sz="1200" b="0" i="0" u="none" strike="noStrike" kern="1200" dirty="0" err="1">
                 <a:solidFill>
                   <a:schemeClr val="tx1"/>
                 </a:solidFill>
@@ -7273,7 +7273,7 @@
               <a:t>arra</a:t>
             </a:r>
             <a:r>
-              <a:rPr lang="en-US" sz="1200" b="0" i="0" u="none" strike="noStrike" kern="1200" dirty="0" smtClean="0">
+              <a:rPr lang="en-US" sz="1200" b="0" i="0" u="none" strike="noStrike" kern="1200" dirty="0">
                 <a:solidFill>
                   <a:schemeClr val="tx1"/>
                 </a:solidFill>
@@ -7285,7 +7285,7 @@
               <a:t>, </a:t>
             </a:r>
             <a:r>
-              <a:rPr lang="en-US" sz="1200" b="0" i="0" u="none" strike="noStrike" kern="1200" dirty="0" err="1" smtClean="0">
+              <a:rPr lang="en-US" sz="1200" b="0" i="0" u="none" strike="noStrike" kern="1200" dirty="0" err="1">
                 <a:solidFill>
                   <a:schemeClr val="tx1"/>
                 </a:solidFill>
@@ -7297,7 +7297,7 @@
               <a:t>hogy</a:t>
             </a:r>
             <a:r>
-              <a:rPr lang="en-US" sz="1200" b="0" i="0" u="none" strike="noStrike" kern="1200" dirty="0" smtClean="0">
+              <a:rPr lang="en-US" sz="1200" b="0" i="0" u="none" strike="noStrike" kern="1200" dirty="0">
                 <a:solidFill>
                   <a:schemeClr val="tx1"/>
                 </a:solidFill>
@@ -7309,7 +7309,7 @@
               <a:t> </a:t>
             </a:r>
             <a:r>
-              <a:rPr lang="en-US" sz="1200" b="0" i="0" u="none" strike="noStrike" kern="1200" dirty="0" err="1" smtClean="0">
+              <a:rPr lang="en-US" sz="1200" b="0" i="0" u="none" strike="noStrike" kern="1200" dirty="0" err="1">
                 <a:solidFill>
                   <a:schemeClr val="tx1"/>
                 </a:solidFill>
@@ -7321,7 +7321,7 @@
               <a:t>muszáj</a:t>
             </a:r>
             <a:r>
-              <a:rPr lang="en-US" sz="1200" b="0" i="0" u="none" strike="noStrike" kern="1200" dirty="0" smtClean="0">
+              <a:rPr lang="en-US" sz="1200" b="0" i="0" u="none" strike="noStrike" kern="1200" dirty="0">
                 <a:solidFill>
                   <a:schemeClr val="tx1"/>
                 </a:solidFill>
@@ -7333,7 +7333,7 @@
               <a:t> N </a:t>
             </a:r>
             <a:r>
-              <a:rPr lang="en-US" sz="1200" b="0" i="0" u="none" strike="noStrike" kern="1200" dirty="0" err="1" smtClean="0">
+              <a:rPr lang="en-US" sz="1200" b="0" i="0" u="none" strike="noStrike" kern="1200" dirty="0" err="1">
                 <a:solidFill>
                   <a:schemeClr val="tx1"/>
                 </a:solidFill>
@@ -7345,7 +7345,7 @@
               <a:t>objektumhoz</a:t>
             </a:r>
             <a:r>
-              <a:rPr lang="en-US" sz="1200" b="0" i="0" u="none" strike="noStrike" kern="1200" dirty="0" smtClean="0">
+              <a:rPr lang="en-US" sz="1200" b="0" i="0" u="none" strike="noStrike" kern="1200" dirty="0">
                 <a:solidFill>
                   <a:schemeClr val="tx1"/>
                 </a:solidFill>
@@ -7357,7 +7357,7 @@
               <a:t> N </a:t>
             </a:r>
             <a:r>
-              <a:rPr lang="en-US" sz="1200" b="0" i="0" u="none" strike="noStrike" kern="1200" dirty="0" err="1" smtClean="0">
+              <a:rPr lang="en-US" sz="1200" b="0" i="0" u="none" strike="noStrike" kern="1200" dirty="0" err="1">
                 <a:solidFill>
                   <a:schemeClr val="tx1"/>
                 </a:solidFill>
@@ -7369,7 +7369,7 @@
               <a:t>darab</a:t>
             </a:r>
             <a:r>
-              <a:rPr lang="en-US" sz="1200" b="0" i="0" u="none" strike="noStrike" kern="1200" dirty="0" smtClean="0">
+              <a:rPr lang="en-US" sz="1200" b="0" i="0" u="none" strike="noStrike" kern="1200" dirty="0">
                 <a:solidFill>
                   <a:schemeClr val="tx1"/>
                 </a:solidFill>
@@ -7381,7 +7381,7 @@
               <a:t> </a:t>
             </a:r>
             <a:r>
-              <a:rPr lang="en-US" sz="1200" b="0" i="0" u="none" strike="noStrike" kern="1200" dirty="0" err="1" smtClean="0">
+              <a:rPr lang="en-US" sz="1200" b="0" i="0" u="none" strike="noStrike" kern="1200" dirty="0" err="1">
                 <a:solidFill>
                   <a:schemeClr val="tx1"/>
                 </a:solidFill>
@@ -7393,7 +7393,7 @@
               <a:t>konstans</a:t>
             </a:r>
             <a:r>
-              <a:rPr lang="en-US" sz="1200" b="0" i="0" u="none" strike="noStrike" kern="1200" dirty="0" smtClean="0">
+              <a:rPr lang="en-US" sz="1200" b="0" i="0" u="none" strike="noStrike" kern="1200" dirty="0">
                 <a:solidFill>
                   <a:schemeClr val="tx1"/>
                 </a:solidFill>
@@ -7405,7 +7405,7 @@
               <a:t> </a:t>
             </a:r>
             <a:r>
-              <a:rPr lang="en-US" sz="1200" b="0" i="0" u="none" strike="noStrike" kern="1200" dirty="0" err="1" smtClean="0">
+              <a:rPr lang="en-US" sz="1200" b="0" i="0" u="none" strike="noStrike" kern="1200" dirty="0" err="1">
                 <a:solidFill>
                   <a:schemeClr val="tx1"/>
                 </a:solidFill>
@@ -7417,7 +7417,7 @@
               <a:t>buffert</a:t>
             </a:r>
             <a:r>
-              <a:rPr lang="en-US" sz="1200" b="0" i="0" u="none" strike="noStrike" kern="1200" dirty="0" smtClean="0">
+              <a:rPr lang="en-US" sz="1200" b="0" i="0" u="none" strike="noStrike" kern="1200" dirty="0">
                 <a:solidFill>
                   <a:schemeClr val="tx1"/>
                 </a:solidFill>
@@ -7429,7 +7429,7 @@
               <a:t> </a:t>
             </a:r>
             <a:r>
-              <a:rPr lang="en-US" sz="1200" b="0" i="0" u="none" strike="noStrike" kern="1200" dirty="0" err="1" smtClean="0">
+              <a:rPr lang="en-US" sz="1200" b="0" i="0" u="none" strike="noStrike" kern="1200" dirty="0" err="1">
                 <a:solidFill>
                   <a:schemeClr val="tx1"/>
                 </a:solidFill>
@@ -7441,7 +7441,7 @@
               <a:t>foglalnunk</a:t>
             </a:r>
             <a:r>
-              <a:rPr lang="en-US" sz="1200" b="0" i="0" u="none" strike="noStrike" kern="1200" dirty="0" smtClean="0">
+              <a:rPr lang="en-US" sz="1200" b="0" i="0" u="none" strike="noStrike" kern="1200" dirty="0">
                 <a:solidFill>
                   <a:schemeClr val="tx1"/>
                 </a:solidFill>
@@ -7453,7 +7453,7 @@
               <a:t>. </a:t>
             </a:r>
             <a:r>
-              <a:rPr lang="en-US" sz="1200" b="0" i="0" kern="1200" dirty="0" smtClean="0">
+              <a:rPr lang="en-US" sz="1200" b="0" i="0" kern="1200" dirty="0">
                 <a:solidFill>
                   <a:schemeClr val="tx1"/>
                 </a:solidFill>
@@ -7468,7 +7468,7 @@
           <a:p>
             <a:pPr rtl="0" fontAlgn="base"/>
             <a:r>
-              <a:rPr lang="en-US" sz="1200" b="0" i="0" u="none" strike="noStrike" kern="1200" dirty="0" err="1" smtClean="0">
+              <a:rPr lang="en-US" sz="1200" b="0" i="0" u="none" strike="noStrike" kern="1200" dirty="0" err="1">
                 <a:solidFill>
                   <a:schemeClr val="tx1"/>
                 </a:solidFill>
@@ -7480,7 +7480,7 @@
               <a:t>SetGraphicsRootConstantBufferView</a:t>
             </a:r>
             <a:r>
-              <a:rPr lang="en-US" sz="1200" b="0" i="0" u="none" strike="noStrike" kern="1200" dirty="0" smtClean="0">
+              <a:rPr lang="en-US" sz="1200" b="0" i="0" u="none" strike="noStrike" kern="1200" dirty="0">
                 <a:solidFill>
                   <a:schemeClr val="tx1"/>
                 </a:solidFill>
@@ -7492,7 +7492,7 @@
               <a:t>(0, …): </a:t>
             </a:r>
             <a:r>
-              <a:rPr lang="en-US" sz="1200" b="0" i="0" u="none" strike="noStrike" kern="1200" dirty="0" err="1" smtClean="0">
+              <a:rPr lang="en-US" sz="1200" b="0" i="0" u="none" strike="noStrike" kern="1200" dirty="0" err="1">
                 <a:solidFill>
                   <a:schemeClr val="tx1"/>
                 </a:solidFill>
@@ -7504,7 +7504,7 @@
               <a:t>bekötjük</a:t>
             </a:r>
             <a:r>
-              <a:rPr lang="en-US" sz="1200" b="0" i="0" u="none" strike="noStrike" kern="1200" dirty="0" smtClean="0">
+              <a:rPr lang="en-US" sz="1200" b="0" i="0" u="none" strike="noStrike" kern="1200" dirty="0">
                 <a:solidFill>
                   <a:schemeClr val="tx1"/>
                 </a:solidFill>
@@ -7516,7 +7516,7 @@
               <a:t> </a:t>
             </a:r>
             <a:r>
-              <a:rPr lang="en-US" sz="1200" b="0" i="0" u="none" strike="noStrike" kern="1200" dirty="0" err="1" smtClean="0">
+              <a:rPr lang="en-US" sz="1200" b="0" i="0" u="none" strike="noStrike" kern="1200" dirty="0" err="1">
                 <a:solidFill>
                   <a:schemeClr val="tx1"/>
                 </a:solidFill>
@@ -7528,7 +7528,7 @@
               <a:t>hogy</a:t>
             </a:r>
             <a:r>
-              <a:rPr lang="en-US" sz="1200" b="0" i="0" u="none" strike="noStrike" kern="1200" dirty="0" smtClean="0">
+              <a:rPr lang="en-US" sz="1200" b="0" i="0" u="none" strike="noStrike" kern="1200" dirty="0">
                 <a:solidFill>
                   <a:schemeClr val="tx1"/>
                 </a:solidFill>
@@ -7540,7 +7540,7 @@
               <a:t> a </a:t>
             </a:r>
             <a:r>
-              <a:rPr lang="en-US" sz="1200" b="0" i="0" u="none" strike="noStrike" kern="1200" dirty="0" err="1" smtClean="0">
+              <a:rPr lang="en-US" sz="1200" b="0" i="0" u="none" strike="noStrike" kern="1200" dirty="0" err="1">
                 <a:solidFill>
                   <a:schemeClr val="tx1"/>
                 </a:solidFill>
@@ -7552,7 +7552,7 @@
               <a:t>rajzolás</a:t>
             </a:r>
             <a:r>
-              <a:rPr lang="en-US" sz="1200" b="0" i="0" u="none" strike="noStrike" kern="1200" dirty="0" smtClean="0">
+              <a:rPr lang="en-US" sz="1200" b="0" i="0" u="none" strike="noStrike" kern="1200" dirty="0">
                 <a:solidFill>
                   <a:schemeClr val="tx1"/>
                 </a:solidFill>
@@ -7564,7 +7564,7 @@
               <a:t> </a:t>
             </a:r>
             <a:r>
-              <a:rPr lang="en-US" sz="1200" b="0" i="0" u="none" strike="noStrike" kern="1200" dirty="0" err="1" smtClean="0">
+              <a:rPr lang="en-US" sz="1200" b="0" i="0" u="none" strike="noStrike" kern="1200" dirty="0" err="1">
                 <a:solidFill>
                   <a:schemeClr val="tx1"/>
                 </a:solidFill>
@@ -7576,7 +7576,7 @@
               <a:t>során</a:t>
             </a:r>
             <a:r>
-              <a:rPr lang="en-US" sz="1200" b="0" i="0" u="none" strike="noStrike" kern="1200" dirty="0" smtClean="0">
+              <a:rPr lang="en-US" sz="1200" b="0" i="0" u="none" strike="noStrike" kern="1200" dirty="0">
                 <a:solidFill>
                   <a:schemeClr val="tx1"/>
                 </a:solidFill>
@@ -7588,7 +7588,7 @@
               <a:t> a </a:t>
             </a:r>
             <a:r>
-              <a:rPr lang="en-US" sz="1200" b="0" i="0" u="none" strike="noStrike" kern="1200" dirty="0" err="1" smtClean="0">
+              <a:rPr lang="en-US" sz="1200" b="0" i="0" u="none" strike="noStrike" kern="1200" dirty="0" err="1">
                 <a:solidFill>
                   <a:schemeClr val="tx1"/>
                 </a:solidFill>
@@ -7600,7 +7600,7 @@
               <a:t>RootSignatureben</a:t>
             </a:r>
             <a:r>
-              <a:rPr lang="en-US" sz="1200" b="0" i="0" u="none" strike="noStrike" kern="1200" dirty="0" smtClean="0">
+              <a:rPr lang="en-US" sz="1200" b="0" i="0" u="none" strike="noStrike" kern="1200" dirty="0">
                 <a:solidFill>
                   <a:schemeClr val="tx1"/>
                 </a:solidFill>
@@ -7612,7 +7612,7 @@
               <a:t> </a:t>
             </a:r>
             <a:r>
-              <a:rPr lang="en-US" sz="1200" b="0" i="0" u="none" strike="noStrike" kern="1200" dirty="0" err="1" smtClean="0">
+              <a:rPr lang="en-US" sz="1200" b="0" i="0" u="none" strike="noStrike" kern="1200" dirty="0" err="1">
                 <a:solidFill>
                   <a:schemeClr val="tx1"/>
                 </a:solidFill>
@@ -7624,7 +7624,7 @@
               <a:t>lévő</a:t>
             </a:r>
             <a:r>
-              <a:rPr lang="en-US" sz="1200" b="0" i="0" u="none" strike="noStrike" kern="1200" dirty="0" smtClean="0">
+              <a:rPr lang="en-US" sz="1200" b="0" i="0" u="none" strike="noStrike" kern="1200" dirty="0">
                 <a:solidFill>
                   <a:schemeClr val="tx1"/>
                 </a:solidFill>
@@ -7636,7 +7636,7 @@
               <a:t> 0. </a:t>
             </a:r>
             <a:r>
-              <a:rPr lang="en-US" sz="1200" b="0" i="0" u="none" strike="noStrike" kern="1200" dirty="0" err="1" smtClean="0">
+              <a:rPr lang="en-US" sz="1200" b="0" i="0" u="none" strike="noStrike" kern="1200" dirty="0" err="1">
                 <a:solidFill>
                   <a:schemeClr val="tx1"/>
                 </a:solidFill>
@@ -7648,7 +7648,7 @@
               <a:t>parameterre</a:t>
             </a:r>
             <a:r>
-              <a:rPr lang="en-US" sz="1200" b="0" i="0" u="none" strike="noStrike" kern="1200" dirty="0" smtClean="0">
+              <a:rPr lang="en-US" sz="1200" b="0" i="0" u="none" strike="noStrike" kern="1200" dirty="0">
                 <a:solidFill>
                   <a:schemeClr val="tx1"/>
                 </a:solidFill>
@@ -7660,7 +7660,7 @@
               <a:t> </a:t>
             </a:r>
             <a:r>
-              <a:rPr lang="en-US" sz="1200" b="0" i="0" u="none" strike="noStrike" kern="1200" dirty="0" err="1" smtClean="0">
+              <a:rPr lang="en-US" sz="1200" b="0" i="0" u="none" strike="noStrike" kern="1200" dirty="0" err="1">
                 <a:solidFill>
                   <a:schemeClr val="tx1"/>
                 </a:solidFill>
@@ -7672,7 +7672,7 @@
               <a:t>ez</a:t>
             </a:r>
             <a:r>
-              <a:rPr lang="en-US" sz="1200" b="0" i="0" u="none" strike="noStrike" kern="1200" dirty="0" smtClean="0">
+              <a:rPr lang="en-US" sz="1200" b="0" i="0" u="none" strike="noStrike" kern="1200" dirty="0">
                 <a:solidFill>
                   <a:schemeClr val="tx1"/>
                 </a:solidFill>
@@ -7684,7 +7684,7 @@
               <a:t> </a:t>
             </a:r>
             <a:r>
-              <a:rPr lang="en-US" sz="1200" b="0" i="0" u="none" strike="noStrike" kern="1200" dirty="0" err="1" smtClean="0">
+              <a:rPr lang="en-US" sz="1200" b="0" i="0" u="none" strike="noStrike" kern="1200" dirty="0" err="1">
                 <a:solidFill>
                   <a:schemeClr val="tx1"/>
                 </a:solidFill>
@@ -7696,7 +7696,7 @@
               <a:t>legyen</a:t>
             </a:r>
             <a:r>
-              <a:rPr lang="en-US" sz="1200" b="0" i="0" u="none" strike="noStrike" kern="1200" dirty="0" smtClean="0">
+              <a:rPr lang="en-US" sz="1200" b="0" i="0" u="none" strike="noStrike" kern="1200" dirty="0">
                 <a:solidFill>
                   <a:schemeClr val="tx1"/>
                 </a:solidFill>
@@ -7708,7 +7708,7 @@
               <a:t> </a:t>
             </a:r>
             <a:r>
-              <a:rPr lang="en-US" sz="1200" b="0" i="0" u="none" strike="noStrike" kern="1200" dirty="0" err="1" smtClean="0">
+              <a:rPr lang="en-US" sz="1200" b="0" i="0" u="none" strike="noStrike" kern="1200" dirty="0" err="1">
                 <a:solidFill>
                   <a:schemeClr val="tx1"/>
                 </a:solidFill>
@@ -7720,7 +7720,7 @@
               <a:t>rákötve</a:t>
             </a:r>
             <a:r>
-              <a:rPr lang="en-US" sz="1200" b="0" i="0" u="none" strike="noStrike" kern="1200" dirty="0" smtClean="0">
+              <a:rPr lang="en-US" sz="1200" b="0" i="0" u="none" strike="noStrike" kern="1200" dirty="0">
                 <a:solidFill>
                   <a:schemeClr val="tx1"/>
                 </a:solidFill>
@@ -7732,7 +7732,7 @@
               <a:t>.</a:t>
             </a:r>
             <a:r>
-              <a:rPr lang="en-US" sz="1200" b="0" i="0" kern="1200" dirty="0" smtClean="0">
+              <a:rPr lang="en-US" sz="1200" b="0" i="0" kern="1200" dirty="0">
                 <a:solidFill>
                   <a:schemeClr val="tx1"/>
                 </a:solidFill>
@@ -7747,7 +7747,7 @@
           <a:p>
             <a:pPr rtl="0" fontAlgn="base"/>
             <a:r>
-              <a:rPr lang="en-US" sz="1200" b="0" i="0" u="none" strike="noStrike" kern="1200" dirty="0" smtClean="0">
+              <a:rPr lang="en-US" sz="1200" b="0" i="0" u="none" strike="noStrike" kern="1200" dirty="0">
                 <a:solidFill>
                   <a:schemeClr val="tx1"/>
                 </a:solidFill>
@@ -7759,7 +7759,7 @@
               <a:t>Draw: a shaded mesh </a:t>
             </a:r>
             <a:r>
-              <a:rPr lang="en-US" sz="1200" b="0" i="0" u="none" strike="noStrike" kern="1200" dirty="0" err="1" smtClean="0">
+              <a:rPr lang="en-US" sz="1200" b="0" i="0" u="none" strike="noStrike" kern="1200" dirty="0" err="1">
                 <a:solidFill>
                   <a:schemeClr val="tx1"/>
                 </a:solidFill>
@@ -7771,7 +7771,7 @@
               <a:t>kirajzolja</a:t>
             </a:r>
             <a:r>
-              <a:rPr lang="en-US" sz="1200" b="0" i="0" u="none" strike="noStrike" kern="1200" dirty="0" smtClean="0">
+              <a:rPr lang="en-US" sz="1200" b="0" i="0" u="none" strike="noStrike" kern="1200" dirty="0">
                 <a:solidFill>
                   <a:schemeClr val="tx1"/>
                 </a:solidFill>
@@ -7783,7 +7783,7 @@
               <a:t> </a:t>
             </a:r>
             <a:r>
-              <a:rPr lang="en-US" sz="1200" b="0" i="0" u="none" strike="noStrike" kern="1200" dirty="0" err="1" smtClean="0">
+              <a:rPr lang="en-US" sz="1200" b="0" i="0" u="none" strike="noStrike" kern="1200" dirty="0" err="1">
                 <a:solidFill>
                   <a:schemeClr val="tx1"/>
                 </a:solidFill>
@@ -7795,7 +7795,7 @@
               <a:t>magát</a:t>
             </a:r>
             <a:r>
-              <a:rPr lang="en-US" sz="1200" b="0" i="0" u="none" strike="noStrike" kern="1200" dirty="0" smtClean="0">
+              <a:rPr lang="en-US" sz="1200" b="0" i="0" u="none" strike="noStrike" kern="1200" dirty="0">
                 <a:solidFill>
                   <a:schemeClr val="tx1"/>
                 </a:solidFill>
@@ -7807,7 +7807,7 @@
               <a:t>. </a:t>
             </a:r>
             <a:r>
-              <a:rPr lang="en-US" sz="1200" b="0" i="0" u="none" strike="noStrike" kern="1200" dirty="0" err="1" smtClean="0">
+              <a:rPr lang="en-US" sz="1200" b="0" i="0" u="none" strike="noStrike" kern="1200" dirty="0" err="1">
                 <a:solidFill>
                   <a:schemeClr val="tx1"/>
                 </a:solidFill>
@@ -7819,7 +7819,7 @@
               <a:t>Vagyis</a:t>
             </a:r>
             <a:r>
-              <a:rPr lang="en-US" sz="1200" b="0" i="0" u="none" strike="noStrike" kern="1200" dirty="0" smtClean="0">
+              <a:rPr lang="en-US" sz="1200" b="0" i="0" u="none" strike="noStrike" kern="1200" dirty="0">
                 <a:solidFill>
                   <a:schemeClr val="tx1"/>
                 </a:solidFill>
@@ -7831,7 +7831,7 @@
               <a:t> </a:t>
             </a:r>
             <a:r>
-              <a:rPr lang="en-US" sz="1200" b="0" i="0" u="none" strike="noStrike" kern="1200" dirty="0" err="1" smtClean="0">
+              <a:rPr lang="en-US" sz="1200" b="0" i="0" u="none" strike="noStrike" kern="1200" dirty="0" err="1">
                 <a:solidFill>
                   <a:schemeClr val="tx1"/>
                 </a:solidFill>
@@ -7843,7 +7843,7 @@
               <a:t>precízebben</a:t>
             </a:r>
             <a:r>
-              <a:rPr lang="en-US" sz="1200" b="0" i="0" u="none" strike="noStrike" kern="1200" dirty="0" smtClean="0">
+              <a:rPr lang="en-US" sz="1200" b="0" i="0" u="none" strike="noStrike" kern="1200" dirty="0">
                 <a:solidFill>
                   <a:schemeClr val="tx1"/>
                 </a:solidFill>
@@ -7855,7 +7855,7 @@
               <a:t>: </a:t>
             </a:r>
             <a:r>
-              <a:rPr lang="en-US" sz="1200" b="0" i="0" u="none" strike="noStrike" kern="1200" dirty="0" err="1" smtClean="0">
+              <a:rPr lang="en-US" sz="1200" b="0" i="0" u="none" strike="noStrike" kern="1200" dirty="0" err="1">
                 <a:solidFill>
                   <a:schemeClr val="tx1"/>
                 </a:solidFill>
@@ -7867,7 +7867,7 @@
               <a:t>helyesen</a:t>
             </a:r>
             <a:r>
-              <a:rPr lang="en-US" sz="1200" b="0" i="0" u="none" strike="noStrike" kern="1200" dirty="0" smtClean="0">
+              <a:rPr lang="en-US" sz="1200" b="0" i="0" u="none" strike="noStrike" kern="1200" dirty="0">
                 <a:solidFill>
                   <a:schemeClr val="tx1"/>
                 </a:solidFill>
@@ -7879,7 +7879,7 @@
               <a:t> </a:t>
             </a:r>
             <a:r>
-              <a:rPr lang="en-US" sz="1200" b="0" i="0" u="none" strike="noStrike" kern="1200" dirty="0" err="1" smtClean="0">
+              <a:rPr lang="en-US" sz="1200" b="0" i="0" u="none" strike="noStrike" kern="1200" dirty="0" err="1">
                 <a:solidFill>
                   <a:schemeClr val="tx1"/>
                 </a:solidFill>
@@ -7891,7 +7891,7 @@
               <a:t>feltölti</a:t>
             </a:r>
             <a:r>
-              <a:rPr lang="en-US" sz="1200" b="0" i="0" u="none" strike="noStrike" kern="1200" dirty="0" smtClean="0">
+              <a:rPr lang="en-US" sz="1200" b="0" i="0" u="none" strike="noStrike" kern="1200" dirty="0">
                 <a:solidFill>
                   <a:schemeClr val="tx1"/>
                 </a:solidFill>
@@ -7903,7 +7903,7 @@
               <a:t> a </a:t>
             </a:r>
             <a:r>
-              <a:rPr lang="en-US" sz="1200" b="0" i="0" u="none" strike="noStrike" kern="1200" dirty="0" err="1" smtClean="0">
+              <a:rPr lang="en-US" sz="1200" b="0" i="0" u="none" strike="noStrike" kern="1200" dirty="0" err="1">
                 <a:solidFill>
                   <a:schemeClr val="tx1"/>
                 </a:solidFill>
@@ -7915,7 +7915,7 @@
               <a:t>commandList</a:t>
             </a:r>
             <a:r>
-              <a:rPr lang="en-US" sz="1200" b="0" i="0" u="none" strike="noStrike" kern="1200" dirty="0" smtClean="0">
+              <a:rPr lang="en-US" sz="1200" b="0" i="0" u="none" strike="noStrike" kern="1200" dirty="0">
                 <a:solidFill>
                   <a:schemeClr val="tx1"/>
                 </a:solidFill>
@@ -7927,7 +7927,7 @@
               <a:t>-et, </a:t>
             </a:r>
             <a:r>
-              <a:rPr lang="en-US" sz="1200" b="0" i="0" u="none" strike="noStrike" kern="1200" dirty="0" err="1" smtClean="0">
+              <a:rPr lang="en-US" sz="1200" b="0" i="0" u="none" strike="noStrike" kern="1200" dirty="0" err="1">
                 <a:solidFill>
                   <a:schemeClr val="tx1"/>
                 </a:solidFill>
@@ -7939,7 +7939,7 @@
               <a:t>hogy</a:t>
             </a:r>
             <a:r>
-              <a:rPr lang="en-US" sz="1200" b="0" i="0" u="none" strike="noStrike" kern="1200" dirty="0" smtClean="0">
+              <a:rPr lang="en-US" sz="1200" b="0" i="0" u="none" strike="noStrike" kern="1200" dirty="0">
                 <a:solidFill>
                   <a:schemeClr val="tx1"/>
                 </a:solidFill>
@@ -7951,7 +7951,7 @@
               <a:t> </a:t>
             </a:r>
             <a:r>
-              <a:rPr lang="en-US" sz="1200" b="0" i="0" u="none" strike="noStrike" kern="1200" dirty="0" err="1" smtClean="0">
+              <a:rPr lang="en-US" sz="1200" b="0" i="0" u="none" strike="noStrike" kern="1200" dirty="0" err="1">
                 <a:solidFill>
                   <a:schemeClr val="tx1"/>
                 </a:solidFill>
@@ -7963,7 +7963,7 @@
               <a:t>majd</a:t>
             </a:r>
             <a:r>
-              <a:rPr lang="en-US" sz="1200" b="0" i="0" u="none" strike="noStrike" kern="1200" dirty="0" smtClean="0">
+              <a:rPr lang="en-US" sz="1200" b="0" i="0" u="none" strike="noStrike" kern="1200" dirty="0">
                 <a:solidFill>
                   <a:schemeClr val="tx1"/>
                 </a:solidFill>
@@ -7975,7 +7975,7 @@
               <a:t> a </a:t>
             </a:r>
             <a:r>
-              <a:rPr lang="en-US" sz="1200" b="0" i="0" u="none" strike="noStrike" kern="1200" dirty="0" err="1" smtClean="0">
+              <a:rPr lang="en-US" sz="1200" b="0" i="0" u="none" strike="noStrike" kern="1200" dirty="0" err="1">
                 <a:solidFill>
                   <a:schemeClr val="tx1"/>
                 </a:solidFill>
@@ -7987,7 +7987,7 @@
               <a:t>futtatáskor</a:t>
             </a:r>
             <a:r>
-              <a:rPr lang="en-US" sz="1200" b="0" i="0" u="none" strike="noStrike" kern="1200" dirty="0" smtClean="0">
+              <a:rPr lang="en-US" sz="1200" b="0" i="0" u="none" strike="noStrike" kern="1200" dirty="0">
                 <a:solidFill>
                   <a:schemeClr val="tx1"/>
                 </a:solidFill>
@@ -7999,7 +7999,7 @@
               <a:t> </a:t>
             </a:r>
             <a:r>
-              <a:rPr lang="en-US" sz="1200" b="0" i="0" u="none" strike="noStrike" kern="1200" dirty="0" err="1" smtClean="0">
+              <a:rPr lang="en-US" sz="1200" b="0" i="0" u="none" strike="noStrike" kern="1200" dirty="0" err="1">
                 <a:solidFill>
                   <a:schemeClr val="tx1"/>
                 </a:solidFill>
@@ -8011,7 +8011,7 @@
               <a:t>ténylegesen</a:t>
             </a:r>
             <a:r>
-              <a:rPr lang="en-US" sz="1200" b="0" i="0" u="none" strike="noStrike" kern="1200" dirty="0" smtClean="0">
+              <a:rPr lang="en-US" sz="1200" b="0" i="0" u="none" strike="noStrike" kern="1200" dirty="0">
                 <a:solidFill>
                   <a:schemeClr val="tx1"/>
                 </a:solidFill>
@@ -8023,7 +8023,7 @@
               <a:t> </a:t>
             </a:r>
             <a:r>
-              <a:rPr lang="en-US" sz="1200" b="0" i="0" u="none" strike="noStrike" kern="1200" dirty="0" err="1" smtClean="0">
+              <a:rPr lang="en-US" sz="1200" b="0" i="0" u="none" strike="noStrike" kern="1200" dirty="0" err="1">
                 <a:solidFill>
                   <a:schemeClr val="tx1"/>
                 </a:solidFill>
@@ -8035,7 +8035,7 @@
               <a:t>kirajzolódjon</a:t>
             </a:r>
             <a:r>
-              <a:rPr lang="en-US" sz="1200" b="0" i="0" u="none" strike="noStrike" kern="1200" dirty="0" smtClean="0">
+              <a:rPr lang="en-US" sz="1200" b="0" i="0" u="none" strike="noStrike" kern="1200" dirty="0">
                 <a:solidFill>
                   <a:schemeClr val="tx1"/>
                 </a:solidFill>
@@ -8047,7 +8047,7 @@
               <a:t>.</a:t>
             </a:r>
             <a:r>
-              <a:rPr lang="en-US" sz="1200" b="0" i="0" kern="1200" dirty="0" smtClean="0">
+              <a:rPr lang="en-US" sz="1200" b="0" i="0" kern="1200" dirty="0">
                 <a:solidFill>
                   <a:schemeClr val="tx1"/>
                 </a:solidFill>
@@ -8060,14 +8060,14 @@
             </a:r>
           </a:p>
           <a:p>
-            <a:endParaRPr lang="hu-HU" dirty="0" smtClean="0"/>
-          </a:p>
-          <a:p>
-            <a:endParaRPr lang="hu-HU" dirty="0" smtClean="0"/>
-          </a:p>
-          <a:p>
-            <a:r>
-              <a:rPr lang="en-US" sz="1200" b="0" i="0" u="none" strike="noStrike" kern="1200" dirty="0" smtClean="0">
+            <a:endParaRPr lang="hu-HU" dirty="0"/>
+          </a:p>
+          <a:p>
+            <a:endParaRPr lang="hu-HU" dirty="0"/>
+          </a:p>
+          <a:p>
+            <a:r>
+              <a:rPr lang="en-US" sz="1200" b="0" i="0" u="none" strike="noStrike" kern="1200" dirty="0">
                 <a:solidFill>
                   <a:schemeClr val="tx1"/>
                 </a:solidFill>
@@ -8079,7 +8079,7 @@
               <a:t>C++ </a:t>
             </a:r>
             <a:r>
-              <a:rPr lang="en-US" sz="1200" b="0" i="0" u="none" strike="noStrike" kern="1200" dirty="0" err="1" smtClean="0">
+              <a:rPr lang="en-US" sz="1200" b="0" i="0" u="none" strike="noStrike" kern="1200" dirty="0" err="1">
                 <a:solidFill>
                   <a:schemeClr val="tx1"/>
                 </a:solidFill>
@@ -8091,7 +8091,7 @@
               <a:t>apróság</a:t>
             </a:r>
             <a:r>
-              <a:rPr lang="en-US" sz="1200" b="0" i="0" u="none" strike="noStrike" kern="1200" dirty="0" smtClean="0">
+              <a:rPr lang="en-US" sz="1200" b="0" i="0" u="none" strike="noStrike" kern="1200" dirty="0">
                 <a:solidFill>
                   <a:schemeClr val="tx1"/>
                 </a:solidFill>
@@ -8103,7 +8103,7 @@
               <a:t>: </a:t>
             </a:r>
             <a:r>
-              <a:rPr lang="en-US" sz="1200" b="0" i="0" u="none" strike="noStrike" kern="1200" dirty="0" err="1" smtClean="0">
+              <a:rPr lang="en-US" sz="1200" b="0" i="0" u="none" strike="noStrike" kern="1200" dirty="0" err="1">
                 <a:solidFill>
                   <a:schemeClr val="tx1"/>
                 </a:solidFill>
@@ -8115,7 +8115,7 @@
               <a:t>itt</a:t>
             </a:r>
             <a:r>
-              <a:rPr lang="en-US" sz="1200" b="0" i="0" u="none" strike="noStrike" kern="1200" dirty="0" smtClean="0">
+              <a:rPr lang="en-US" sz="1200" b="0" i="0" u="none" strike="noStrike" kern="1200" dirty="0">
                 <a:solidFill>
                   <a:schemeClr val="tx1"/>
                 </a:solidFill>
@@ -8127,7 +8127,7 @@
               <a:t> is </a:t>
             </a:r>
             <a:r>
-              <a:rPr lang="en-US" sz="1200" b="0" i="0" u="none" strike="noStrike" kern="1200" dirty="0" err="1" smtClean="0">
+              <a:rPr lang="en-US" sz="1200" b="0" i="0" u="none" strike="noStrike" kern="1200" dirty="0" err="1">
                 <a:solidFill>
                   <a:schemeClr val="tx1"/>
                 </a:solidFill>
@@ -8139,7 +8139,7 @@
               <a:t>nyers</a:t>
             </a:r>
             <a:r>
-              <a:rPr lang="en-US" sz="1200" b="0" i="0" u="none" strike="noStrike" kern="1200" dirty="0" smtClean="0">
+              <a:rPr lang="en-US" sz="1200" b="0" i="0" u="none" strike="noStrike" kern="1200" dirty="0">
                 <a:solidFill>
                   <a:schemeClr val="tx1"/>
                 </a:solidFill>
@@ -8151,7 +8151,7 @@
               <a:t> </a:t>
             </a:r>
             <a:r>
-              <a:rPr lang="en-US" sz="1200" b="0" i="0" u="none" strike="noStrike" kern="1200" dirty="0" err="1" smtClean="0">
+              <a:rPr lang="en-US" sz="1200" b="0" i="0" u="none" strike="noStrike" kern="1200" dirty="0" err="1">
                 <a:solidFill>
                   <a:schemeClr val="tx1"/>
                 </a:solidFill>
@@ -8163,7 +8163,7 @@
               <a:t>pointert</a:t>
             </a:r>
             <a:r>
-              <a:rPr lang="en-US" sz="1200" b="0" i="0" u="none" strike="noStrike" kern="1200" dirty="0" smtClean="0">
+              <a:rPr lang="en-US" sz="1200" b="0" i="0" u="none" strike="noStrike" kern="1200" dirty="0">
                 <a:solidFill>
                   <a:schemeClr val="tx1"/>
                 </a:solidFill>
@@ -8175,7 +8175,7 @@
               <a:t> </a:t>
             </a:r>
             <a:r>
-              <a:rPr lang="en-US" sz="1200" b="0" i="0" u="none" strike="noStrike" kern="1200" dirty="0" err="1" smtClean="0">
+              <a:rPr lang="en-US" sz="1200" b="0" i="0" u="none" strike="noStrike" kern="1200" dirty="0" err="1">
                 <a:solidFill>
                   <a:schemeClr val="tx1"/>
                 </a:solidFill>
@@ -8187,7 +8187,7 @@
               <a:t>vesz</a:t>
             </a:r>
             <a:r>
-              <a:rPr lang="en-US" sz="1200" b="0" i="0" u="none" strike="noStrike" kern="1200" dirty="0" smtClean="0">
+              <a:rPr lang="en-US" sz="1200" b="0" i="0" u="none" strike="noStrike" kern="1200" dirty="0">
                 <a:solidFill>
                   <a:schemeClr val="tx1"/>
                 </a:solidFill>
@@ -8199,7 +8199,7 @@
               <a:t> </a:t>
             </a:r>
             <a:r>
-              <a:rPr lang="en-US" sz="1200" b="0" i="0" u="none" strike="noStrike" kern="1200" dirty="0" err="1" smtClean="0">
+              <a:rPr lang="en-US" sz="1200" b="0" i="0" u="none" strike="noStrike" kern="1200" dirty="0" err="1">
                 <a:solidFill>
                   <a:schemeClr val="tx1"/>
                 </a:solidFill>
@@ -8211,7 +8211,7 @@
               <a:t>át</a:t>
             </a:r>
             <a:r>
-              <a:rPr lang="en-US" sz="1200" b="0" i="0" u="none" strike="noStrike" kern="1200" dirty="0" smtClean="0">
+              <a:rPr lang="en-US" sz="1200" b="0" i="0" u="none" strike="noStrike" kern="1200" dirty="0">
                 <a:solidFill>
                   <a:schemeClr val="tx1"/>
                 </a:solidFill>
@@ -8223,7 +8223,7 @@
               <a:t> a </a:t>
             </a:r>
             <a:r>
-              <a:rPr lang="en-US" sz="1200" b="0" i="0" u="none" strike="noStrike" kern="1200" dirty="0" err="1" smtClean="0">
+              <a:rPr lang="en-US" sz="1200" b="0" i="0" u="none" strike="noStrike" kern="1200" dirty="0" err="1">
                 <a:solidFill>
                   <a:schemeClr val="tx1"/>
                 </a:solidFill>
@@ -8235,7 +8235,7 @@
               <a:t>függvény</a:t>
             </a:r>
             <a:r>
-              <a:rPr lang="en-US" sz="1200" b="0" i="0" u="none" strike="noStrike" kern="1200" dirty="0" smtClean="0">
+              <a:rPr lang="en-US" sz="1200" b="0" i="0" u="none" strike="noStrike" kern="1200" dirty="0">
                 <a:solidFill>
                   <a:schemeClr val="tx1"/>
                 </a:solidFill>
@@ -8247,7 +8247,7 @@
               <a:t>, </a:t>
             </a:r>
             <a:r>
-              <a:rPr lang="en-US" sz="1200" b="0" i="0" u="none" strike="noStrike" kern="1200" dirty="0" err="1" smtClean="0">
+              <a:rPr lang="en-US" sz="1200" b="0" i="0" u="none" strike="noStrike" kern="1200" dirty="0" err="1">
                 <a:solidFill>
                   <a:schemeClr val="tx1"/>
                 </a:solidFill>
@@ -8259,7 +8259,7 @@
               <a:t>jelezve</a:t>
             </a:r>
             <a:r>
-              <a:rPr lang="en-US" sz="1200" b="0" i="0" u="none" strike="noStrike" kern="1200" dirty="0" smtClean="0">
+              <a:rPr lang="en-US" sz="1200" b="0" i="0" u="none" strike="noStrike" kern="1200" dirty="0">
                 <a:solidFill>
                   <a:schemeClr val="tx1"/>
                 </a:solidFill>
@@ -8271,7 +8271,7 @@
               <a:t>, </a:t>
             </a:r>
             <a:r>
-              <a:rPr lang="en-US" sz="1200" b="0" i="0" u="none" strike="noStrike" kern="1200" dirty="0" err="1" smtClean="0">
+              <a:rPr lang="en-US" sz="1200" b="0" i="0" u="none" strike="noStrike" kern="1200" dirty="0" err="1">
                 <a:solidFill>
                   <a:schemeClr val="tx1"/>
                 </a:solidFill>
@@ -8283,7 +8283,7 @@
               <a:t>hogy</a:t>
             </a:r>
             <a:r>
-              <a:rPr lang="en-US" sz="1200" b="0" i="0" u="none" strike="noStrike" kern="1200" dirty="0" smtClean="0">
+              <a:rPr lang="en-US" sz="1200" b="0" i="0" u="none" strike="noStrike" kern="1200" dirty="0">
                 <a:solidFill>
                   <a:schemeClr val="tx1"/>
                 </a:solidFill>
@@ -8295,7 +8295,7 @@
               <a:t> </a:t>
             </a:r>
             <a:r>
-              <a:rPr lang="en-US" sz="1200" b="0" i="0" u="none" strike="noStrike" kern="1200" dirty="0" err="1" smtClean="0">
+              <a:rPr lang="en-US" sz="1200" b="0" i="0" u="none" strike="noStrike" kern="1200" dirty="0" err="1">
                 <a:solidFill>
                   <a:schemeClr val="tx1"/>
                 </a:solidFill>
@@ -8307,7 +8307,7 @@
               <a:t>nem</a:t>
             </a:r>
             <a:r>
-              <a:rPr lang="en-US" sz="1200" b="0" i="0" u="none" strike="noStrike" kern="1200" dirty="0" smtClean="0">
+              <a:rPr lang="en-US" sz="1200" b="0" i="0" u="none" strike="noStrike" kern="1200" dirty="0">
                 <a:solidFill>
                   <a:schemeClr val="tx1"/>
                 </a:solidFill>
@@ -8319,7 +8319,7 @@
               <a:t> </a:t>
             </a:r>
             <a:r>
-              <a:rPr lang="en-US" sz="1200" b="0" i="0" u="none" strike="noStrike" kern="1200" dirty="0" err="1" smtClean="0">
+              <a:rPr lang="en-US" sz="1200" b="0" i="0" u="none" strike="noStrike" kern="1200" dirty="0" err="1">
                 <a:solidFill>
                   <a:schemeClr val="tx1"/>
                 </a:solidFill>
@@ -8331,7 +8331,7 @@
               <a:t>szól</a:t>
             </a:r>
             <a:r>
-              <a:rPr lang="en-US" sz="1200" b="0" i="0" u="none" strike="noStrike" kern="1200" dirty="0" smtClean="0">
+              <a:rPr lang="en-US" sz="1200" b="0" i="0" u="none" strike="noStrike" kern="1200" dirty="0">
                 <a:solidFill>
                   <a:schemeClr val="tx1"/>
                 </a:solidFill>
@@ -8343,7 +8343,7 @@
               <a:t> </a:t>
             </a:r>
             <a:r>
-              <a:rPr lang="en-US" sz="1200" b="0" i="0" u="none" strike="noStrike" kern="1200" dirty="0" err="1" smtClean="0">
+              <a:rPr lang="en-US" sz="1200" b="0" i="0" u="none" strike="noStrike" kern="1200" dirty="0" err="1">
                 <a:solidFill>
                   <a:schemeClr val="tx1"/>
                 </a:solidFill>
@@ -8355,7 +8355,7 @@
               <a:t>bele</a:t>
             </a:r>
             <a:r>
-              <a:rPr lang="en-US" sz="1200" b="0" i="0" u="none" strike="noStrike" kern="1200" dirty="0" smtClean="0">
+              <a:rPr lang="en-US" sz="1200" b="0" i="0" u="none" strike="noStrike" kern="1200" dirty="0">
                 <a:solidFill>
                   <a:schemeClr val="tx1"/>
                 </a:solidFill>
@@ -8367,7 +8367,7 @@
               <a:t> </a:t>
             </a:r>
             <a:r>
-              <a:rPr lang="en-US" sz="1200" b="0" i="0" u="none" strike="noStrike" kern="1200" dirty="0" err="1" smtClean="0">
+              <a:rPr lang="en-US" sz="1200" b="0" i="0" u="none" strike="noStrike" kern="1200" dirty="0" err="1">
                 <a:solidFill>
                   <a:schemeClr val="tx1"/>
                 </a:solidFill>
@@ -8379,7 +8379,7 @@
               <a:t>az</a:t>
             </a:r>
             <a:r>
-              <a:rPr lang="en-US" sz="1200" b="0" i="0" u="none" strike="noStrike" kern="1200" dirty="0" smtClean="0">
+              <a:rPr lang="en-US" sz="1200" b="0" i="0" u="none" strike="noStrike" kern="1200" dirty="0">
                 <a:solidFill>
                   <a:schemeClr val="tx1"/>
                 </a:solidFill>
@@ -8391,7 +8391,7 @@
               <a:t> </a:t>
             </a:r>
             <a:r>
-              <a:rPr lang="en-US" sz="1200" b="0" i="0" u="none" strike="noStrike" kern="1200" dirty="0" err="1" smtClean="0">
+              <a:rPr lang="en-US" sz="1200" b="0" i="0" u="none" strike="noStrike" kern="1200" dirty="0" err="1">
                 <a:solidFill>
                   <a:schemeClr val="tx1"/>
                 </a:solidFill>
@@ -8403,7 +8403,7 @@
               <a:t>objektum</a:t>
             </a:r>
             <a:r>
-              <a:rPr lang="en-US" sz="1200" b="0" i="0" u="none" strike="noStrike" kern="1200" dirty="0" smtClean="0">
+              <a:rPr lang="en-US" sz="1200" b="0" i="0" u="none" strike="noStrike" kern="1200" dirty="0">
                 <a:solidFill>
                   <a:schemeClr val="tx1"/>
                 </a:solidFill>
@@ -8415,7 +8415,7 @@
               <a:t> </a:t>
             </a:r>
             <a:r>
-              <a:rPr lang="en-US" sz="1200" b="0" i="0" u="none" strike="noStrike" kern="1200" dirty="0" err="1" smtClean="0">
+              <a:rPr lang="en-US" sz="1200" b="0" i="0" u="none" strike="noStrike" kern="1200" dirty="0" err="1">
                 <a:solidFill>
                   <a:schemeClr val="tx1"/>
                 </a:solidFill>
@@ -8427,7 +8427,7 @@
               <a:t>élettartamába</a:t>
             </a:r>
             <a:r>
-              <a:rPr lang="en-US" sz="1200" b="0" i="0" u="none" strike="noStrike" kern="1200" dirty="0" smtClean="0">
+              <a:rPr lang="en-US" sz="1200" b="0" i="0" u="none" strike="noStrike" kern="1200" dirty="0">
                 <a:solidFill>
                   <a:schemeClr val="tx1"/>
                 </a:solidFill>
@@ -8439,7 +8439,7 @@
               <a:t>, </a:t>
             </a:r>
             <a:r>
-              <a:rPr lang="en-US" sz="1200" b="0" i="0" u="none" strike="noStrike" kern="1200" dirty="0" err="1" smtClean="0">
+              <a:rPr lang="en-US" sz="1200" b="0" i="0" u="none" strike="noStrike" kern="1200" dirty="0" err="1">
                 <a:solidFill>
                   <a:schemeClr val="tx1"/>
                 </a:solidFill>
@@ -8451,7 +8451,7 @@
               <a:t>csak</a:t>
             </a:r>
             <a:r>
-              <a:rPr lang="en-US" sz="1200" b="0" i="0" u="none" strike="noStrike" kern="1200" dirty="0" smtClean="0">
+              <a:rPr lang="en-US" sz="1200" b="0" i="0" u="none" strike="noStrike" kern="1200" dirty="0">
                 <a:solidFill>
                   <a:schemeClr val="tx1"/>
                 </a:solidFill>
@@ -8463,7 +8463,7 @@
               <a:t> </a:t>
             </a:r>
             <a:r>
-              <a:rPr lang="en-US" sz="1200" b="0" i="0" u="none" strike="noStrike" kern="1200" dirty="0" err="1" smtClean="0">
+              <a:rPr lang="en-US" sz="1200" b="0" i="0" u="none" strike="noStrike" kern="1200" dirty="0" err="1">
                 <a:solidFill>
                   <a:schemeClr val="tx1"/>
                 </a:solidFill>
@@ -8475,7 +8475,7 @@
               <a:t>használja</a:t>
             </a:r>
             <a:r>
-              <a:rPr lang="en-US" sz="1200" b="0" i="0" u="none" strike="noStrike" kern="1200" dirty="0" smtClean="0">
+              <a:rPr lang="en-US" sz="1200" b="0" i="0" u="none" strike="noStrike" kern="1200" dirty="0">
                 <a:solidFill>
                   <a:schemeClr val="tx1"/>
                 </a:solidFill>
@@ -8487,7 +8487,7 @@
               <a:t> </a:t>
             </a:r>
             <a:r>
-              <a:rPr lang="en-US" sz="1200" b="0" i="0" u="none" strike="noStrike" kern="1200" dirty="0" err="1" smtClean="0">
+              <a:rPr lang="en-US" sz="1200" b="0" i="0" u="none" strike="noStrike" kern="1200" dirty="0" err="1">
                 <a:solidFill>
                   <a:schemeClr val="tx1"/>
                 </a:solidFill>
@@ -8499,7 +8499,7 @@
               <a:t>azt</a:t>
             </a:r>
             <a:r>
-              <a:rPr lang="en-US" sz="1200" b="0" i="0" u="none" strike="noStrike" kern="1200" dirty="0" smtClean="0">
+              <a:rPr lang="en-US" sz="1200" b="0" i="0" u="none" strike="noStrike" kern="1200" dirty="0">
                 <a:solidFill>
                   <a:schemeClr val="tx1"/>
                 </a:solidFill>
@@ -8596,11 +8596,11 @@
           <a:lstStyle/>
           <a:p>
             <a:r>
-              <a:rPr lang="hu-HU" dirty="0" smtClean="0"/>
+              <a:rPr lang="hu-HU" dirty="0"/>
               <a:t>Egy eltolás,</a:t>
             </a:r>
             <a:r>
-              <a:rPr lang="hu-HU" baseline="0" dirty="0" smtClean="0"/>
+              <a:rPr lang="hu-HU" baseline="0" dirty="0"/>
               <a:t> hogy látszódjon a képen a doboz.</a:t>
             </a:r>
             <a:endParaRPr lang="en-US" dirty="0"/>
@@ -8778,116 +8778,116 @@
           <a:lstStyle/>
           <a:p>
             <a:r>
-              <a:rPr lang="hu-HU" dirty="0" smtClean="0"/>
+              <a:rPr lang="hu-HU" dirty="0"/>
               <a:t>Az Egg</a:t>
             </a:r>
             <a:r>
-              <a:rPr lang="en-US" dirty="0" smtClean="0"/>
+              <a:rPr lang="en-US" dirty="0"/>
               <a:t>::</a:t>
             </a:r>
             <a:r>
-              <a:rPr lang="en-US" dirty="0" err="1" smtClean="0"/>
+              <a:rPr lang="en-US" dirty="0" err="1"/>
               <a:t>ConstantBuffer</a:t>
             </a:r>
             <a:r>
-              <a:rPr lang="en-US" baseline="0" dirty="0" smtClean="0"/>
-              <a:t> </a:t>
-            </a:r>
-            <a:r>
-              <a:rPr lang="en-US" baseline="0" dirty="0" err="1" smtClean="0"/>
+              <a:rPr lang="en-US" baseline="0" dirty="0"/>
+              <a:t> </a:t>
+            </a:r>
+            <a:r>
+              <a:rPr lang="en-US" baseline="0" dirty="0" err="1"/>
               <a:t>egy</a:t>
             </a:r>
             <a:r>
-              <a:rPr lang="en-US" baseline="0" dirty="0" smtClean="0"/>
+              <a:rPr lang="en-US" baseline="0" dirty="0"/>
               <a:t> template t</a:t>
             </a:r>
             <a:r>
-              <a:rPr lang="hu-HU" baseline="0" dirty="0" smtClean="0"/>
+              <a:rPr lang="hu-HU" baseline="0" dirty="0"/>
               <a:t>ípus. A constantBuffers.h-ban levű layout struktúrát adhatjuk template paraméternek. A korábbi vertex bufferehez hasonlóan ez is létrehoz egy megfelelő méretű committed buffer erőforrást (a saját heapjével együtt, attól committed).</a:t>
             </a:r>
           </a:p>
           <a:p>
-            <a:endParaRPr lang="hu-HU" baseline="0" dirty="0" smtClean="0"/>
-          </a:p>
-          <a:p>
-            <a:r>
-              <a:rPr lang="hu-HU" baseline="0" dirty="0" smtClean="0"/>
+            <a:endParaRPr lang="hu-HU" baseline="0" dirty="0"/>
+          </a:p>
+          <a:p>
+            <a:r>
+              <a:rPr lang="hu-HU" baseline="0" dirty="0"/>
               <a:t>Az Egg</a:t>
             </a:r>
             <a:r>
-              <a:rPr lang="en-US" baseline="0" dirty="0" smtClean="0"/>
+              <a:rPr lang="en-US" baseline="0" dirty="0"/>
               <a:t>::</a:t>
             </a:r>
             <a:r>
-              <a:rPr lang="hu-HU" baseline="0" dirty="0" smtClean="0"/>
+              <a:rPr lang="hu-HU" baseline="0" dirty="0"/>
               <a:t>ConstantBuffer</a:t>
             </a:r>
             <a:r>
-              <a:rPr lang="en-US" baseline="0" dirty="0" smtClean="0"/>
+              <a:rPr lang="en-US" baseline="0" dirty="0"/>
               <a:t>::Upload met</a:t>
             </a:r>
             <a:r>
-              <a:rPr lang="hu-HU" baseline="0" dirty="0" smtClean="0"/>
+              <a:rPr lang="hu-HU" baseline="0" dirty="0"/>
               <a:t>ódus </a:t>
             </a:r>
             <a:r>
-              <a:rPr lang="en-US" baseline="0" dirty="0" err="1" smtClean="0"/>
+              <a:rPr lang="en-US" baseline="0" dirty="0" err="1"/>
               <a:t>memcpy-zza</a:t>
             </a:r>
             <a:r>
-              <a:rPr lang="en-US" baseline="0" dirty="0" smtClean="0"/>
-              <a:t> </a:t>
-            </a:r>
-            <a:r>
-              <a:rPr lang="en-US" baseline="0" dirty="0" err="1" smtClean="0"/>
+              <a:rPr lang="en-US" baseline="0" dirty="0"/>
+              <a:t> </a:t>
+            </a:r>
+            <a:r>
+              <a:rPr lang="en-US" baseline="0" dirty="0" err="1"/>
               <a:t>az</a:t>
             </a:r>
             <a:r>
-              <a:rPr lang="en-US" baseline="0" dirty="0" smtClean="0"/>
-              <a:t> </a:t>
-            </a:r>
-            <a:r>
-              <a:rPr lang="en-US" baseline="0" dirty="0" err="1" smtClean="0"/>
+              <a:rPr lang="en-US" baseline="0" dirty="0"/>
+              <a:t> </a:t>
+            </a:r>
+            <a:r>
+              <a:rPr lang="en-US" baseline="0" dirty="0" err="1"/>
               <a:t>adatokat</a:t>
             </a:r>
             <a:r>
-              <a:rPr lang="en-US" baseline="0" dirty="0" smtClean="0"/>
+              <a:rPr lang="en-US" baseline="0" dirty="0"/>
               <a:t> a </a:t>
             </a:r>
             <a:r>
-              <a:rPr lang="en-US" baseline="0" dirty="0" err="1" smtClean="0"/>
+              <a:rPr lang="en-US" baseline="0" dirty="0" err="1"/>
               <a:t>perzisztensen</a:t>
             </a:r>
             <a:r>
-              <a:rPr lang="en-US" baseline="0" dirty="0" smtClean="0"/>
-              <a:t> </a:t>
-            </a:r>
-            <a:r>
-              <a:rPr lang="en-US" baseline="0" dirty="0" err="1" smtClean="0"/>
+              <a:rPr lang="en-US" baseline="0" dirty="0"/>
+              <a:t> </a:t>
+            </a:r>
+            <a:r>
+              <a:rPr lang="en-US" baseline="0" dirty="0" err="1"/>
               <a:t>mappelt</a:t>
             </a:r>
             <a:r>
-              <a:rPr lang="en-US" baseline="0" dirty="0" smtClean="0"/>
-              <a:t> </a:t>
-            </a:r>
-            <a:r>
-              <a:rPr lang="en-US" baseline="0" dirty="0" err="1" smtClean="0"/>
+              <a:rPr lang="en-US" baseline="0" dirty="0"/>
+              <a:t> </a:t>
+            </a:r>
+            <a:r>
+              <a:rPr lang="en-US" baseline="0" dirty="0" err="1"/>
               <a:t>ter</a:t>
             </a:r>
             <a:r>
-              <a:rPr lang="hu-HU" baseline="0" dirty="0" smtClean="0"/>
+              <a:rPr lang="hu-HU" baseline="0" dirty="0"/>
               <a:t>ületre. Különben a buffer tartalmát az overloadolt -</a:t>
             </a:r>
             <a:r>
-              <a:rPr lang="en-US" baseline="0" dirty="0" smtClean="0"/>
+              <a:rPr lang="en-US" baseline="0" dirty="0"/>
               <a:t>&gt; </a:t>
             </a:r>
             <a:r>
-              <a:rPr lang="en-US" baseline="0" dirty="0" err="1" smtClean="0"/>
+              <a:rPr lang="en-US" baseline="0" dirty="0" err="1"/>
               <a:t>oper</a:t>
             </a:r>
             <a:r>
-              <a:rPr lang="hu-HU" baseline="0" dirty="0" smtClean="0"/>
+              <a:rPr lang="hu-HU" baseline="0" dirty="0"/>
               <a:t>átorral elérhetjük és beállíthatjuk.</a:t>
             </a:r>
             <a:endParaRPr lang="en-US" dirty="0"/>
@@ -10653,10 +10653,9 @@
               <a:t>használni</a:t>
             </a:r>
             <a:r>
-              <a:rPr lang="en-US" dirty="0" smtClean="0"/>
+              <a:rPr lang="en-US" dirty="0"/>
               <a:t>.</a:t>
             </a:r>
-            <a:endParaRPr lang="en-US" dirty="0"/>
           </a:p>
           <a:p>
             <a:pPr marL="171450" indent="-171450">
@@ -10664,7 +10663,7 @@
               <a:buChar char="-"/>
             </a:pPr>
             <a:r>
-              <a:rPr lang="en-US" dirty="0" err="1" smtClean="0"/>
+              <a:rPr lang="en-US" dirty="0" err="1"/>
               <a:t>shared_ptr</a:t>
             </a:r>
             <a:r>
@@ -10807,10 +10806,10 @@
               <a:t> </a:t>
             </a:r>
             <a:r>
-              <a:rPr lang="en-US" dirty="0" err="1" smtClean="0"/>
+              <a:rPr lang="en-US" dirty="0" err="1"/>
               <a:t>vonatkozóan</a:t>
             </a:r>
-            <a:endParaRPr lang="en-US" dirty="0" smtClean="0"/>
+            <a:endParaRPr lang="en-US" dirty="0"/>
           </a:p>
           <a:p>
             <a:pPr marL="171450" marR="0" lvl="0" indent="-171450" algn="l" defTabSz="914400" rtl="0" eaLnBrk="1" fontAlgn="auto" latinLnBrk="0" hangingPunct="1">
@@ -10831,146 +10830,146 @@
               <a:defRPr/>
             </a:pPr>
             <a:r>
-              <a:rPr lang="en-US" dirty="0" err="1" smtClean="0"/>
+              <a:rPr lang="en-US" dirty="0" err="1"/>
               <a:t>unique_ptr</a:t>
             </a:r>
             <a:r>
-              <a:rPr lang="en-US" dirty="0" smtClean="0"/>
+              <a:rPr lang="en-US" dirty="0"/>
               <a:t>: </a:t>
             </a:r>
             <a:r>
-              <a:rPr lang="en-US" dirty="0" err="1" smtClean="0"/>
+              <a:rPr lang="en-US" dirty="0" err="1"/>
               <a:t>egy</a:t>
             </a:r>
             <a:r>
-              <a:rPr lang="en-US" dirty="0" smtClean="0"/>
-              <a:t> </a:t>
-            </a:r>
-            <a:r>
-              <a:rPr lang="en-US" dirty="0" err="1" smtClean="0"/>
+              <a:rPr lang="en-US" dirty="0"/>
+              <a:t> </a:t>
+            </a:r>
+            <a:r>
+              <a:rPr lang="en-US" dirty="0" err="1"/>
               <a:t>darab</a:t>
             </a:r>
             <a:r>
-              <a:rPr lang="en-US" dirty="0" smtClean="0"/>
-              <a:t> </a:t>
-            </a:r>
-            <a:r>
-              <a:rPr lang="en-US" dirty="0" err="1" smtClean="0"/>
+              <a:rPr lang="en-US" dirty="0"/>
+              <a:t> </a:t>
+            </a:r>
+            <a:r>
+              <a:rPr lang="en-US" dirty="0" err="1"/>
               <a:t>létezik</a:t>
             </a:r>
             <a:r>
-              <a:rPr lang="en-US" dirty="0" smtClean="0"/>
-              <a:t> </a:t>
-            </a:r>
-            <a:r>
-              <a:rPr lang="en-US" dirty="0" err="1" smtClean="0"/>
+              <a:rPr lang="en-US" dirty="0"/>
+              <a:t> </a:t>
+            </a:r>
+            <a:r>
+              <a:rPr lang="en-US" dirty="0" err="1"/>
               <a:t>belőle</a:t>
             </a:r>
             <a:r>
-              <a:rPr lang="en-US" dirty="0" smtClean="0"/>
-              <a:t> </a:t>
-            </a:r>
-            <a:r>
-              <a:rPr lang="en-US" dirty="0" err="1" smtClean="0"/>
+              <a:rPr lang="en-US" dirty="0"/>
+              <a:t> </a:t>
+            </a:r>
+            <a:r>
+              <a:rPr lang="en-US" dirty="0" err="1"/>
               <a:t>és</a:t>
             </a:r>
             <a:r>
-              <a:rPr lang="en-US" dirty="0" smtClean="0"/>
-              <a:t> </a:t>
-            </a:r>
-            <a:r>
-              <a:rPr lang="en-US" dirty="0" err="1" smtClean="0"/>
+              <a:rPr lang="en-US" dirty="0"/>
+              <a:t> </a:t>
+            </a:r>
+            <a:r>
+              <a:rPr lang="en-US" dirty="0" err="1"/>
               <a:t>amelyik</a:t>
             </a:r>
             <a:r>
-              <a:rPr lang="en-US" dirty="0" smtClean="0"/>
-              <a:t> </a:t>
-            </a:r>
-            <a:r>
-              <a:rPr lang="en-US" dirty="0" err="1" smtClean="0"/>
+              <a:rPr lang="en-US" dirty="0"/>
+              <a:t> </a:t>
+            </a:r>
+            <a:r>
+              <a:rPr lang="en-US" dirty="0" err="1"/>
               <a:t>objektumnál</a:t>
             </a:r>
             <a:r>
-              <a:rPr lang="en-US" dirty="0" smtClean="0"/>
-              <a:t> </a:t>
-            </a:r>
-            <a:r>
-              <a:rPr lang="en-US" dirty="0" err="1" smtClean="0"/>
+              <a:rPr lang="en-US" dirty="0"/>
+              <a:t> </a:t>
+            </a:r>
+            <a:r>
+              <a:rPr lang="en-US" dirty="0" err="1"/>
               <a:t>ez</a:t>
             </a:r>
             <a:r>
-              <a:rPr lang="en-US" dirty="0" smtClean="0"/>
+              <a:rPr lang="en-US" dirty="0"/>
               <a:t> van, </a:t>
             </a:r>
             <a:r>
-              <a:rPr lang="en-US" dirty="0" err="1" smtClean="0"/>
+              <a:rPr lang="en-US" dirty="0" err="1"/>
               <a:t>az</a:t>
             </a:r>
             <a:r>
-              <a:rPr lang="en-US" dirty="0" smtClean="0"/>
+              <a:rPr lang="en-US" dirty="0"/>
               <a:t> a </a:t>
             </a:r>
             <a:r>
-              <a:rPr lang="en-US" dirty="0" err="1" smtClean="0"/>
+              <a:rPr lang="en-US" dirty="0" err="1"/>
               <a:t>tulajdonos</a:t>
             </a:r>
             <a:r>
-              <a:rPr lang="en-US" dirty="0" smtClean="0"/>
+              <a:rPr lang="en-US" dirty="0"/>
               <a:t>. </a:t>
             </a:r>
             <a:r>
-              <a:rPr lang="en-US" dirty="0" err="1" smtClean="0"/>
+              <a:rPr lang="en-US" dirty="0" err="1"/>
               <a:t>Sokan</a:t>
             </a:r>
             <a:r>
-              <a:rPr lang="en-US" dirty="0" smtClean="0"/>
-              <a:t> </a:t>
-            </a:r>
-            <a:r>
-              <a:rPr lang="en-US" dirty="0" err="1" smtClean="0"/>
+              <a:rPr lang="en-US" dirty="0"/>
+              <a:t> </a:t>
+            </a:r>
+            <a:r>
+              <a:rPr lang="en-US" dirty="0" err="1"/>
               <a:t>szeretik</a:t>
             </a:r>
             <a:r>
-              <a:rPr lang="en-US" dirty="0" smtClean="0"/>
+              <a:rPr lang="en-US" dirty="0"/>
               <a:t>, de mi </a:t>
             </a:r>
             <a:r>
-              <a:rPr lang="en-US" dirty="0" err="1" smtClean="0"/>
+              <a:rPr lang="en-US" dirty="0" err="1"/>
               <a:t>nem</a:t>
             </a:r>
             <a:r>
-              <a:rPr lang="en-US" dirty="0" smtClean="0"/>
-              <a:t> </a:t>
-            </a:r>
-            <a:r>
-              <a:rPr lang="en-US" dirty="0" err="1" smtClean="0"/>
+              <a:rPr lang="en-US" dirty="0"/>
+              <a:t> </a:t>
+            </a:r>
+            <a:r>
+              <a:rPr lang="en-US" dirty="0" err="1"/>
               <a:t>haszn</a:t>
             </a:r>
             <a:r>
-              <a:rPr lang="hu-HU" dirty="0" smtClean="0"/>
+              <a:rPr lang="hu-HU" dirty="0"/>
               <a:t>áljuk,</a:t>
             </a:r>
             <a:r>
-              <a:rPr lang="hu-HU" baseline="0" dirty="0" smtClean="0"/>
+              <a:rPr lang="hu-HU" baseline="0" dirty="0"/>
               <a:t> mert a sima shared</a:t>
             </a:r>
             <a:r>
-              <a:rPr lang="en-US" baseline="0" dirty="0" smtClean="0"/>
+              <a:rPr lang="en-US" baseline="0" dirty="0"/>
               <a:t>_</a:t>
             </a:r>
             <a:r>
-              <a:rPr lang="en-US" baseline="0" dirty="0" err="1" smtClean="0"/>
+              <a:rPr lang="en-US" baseline="0" dirty="0" err="1"/>
               <a:t>ptr</a:t>
             </a:r>
             <a:r>
-              <a:rPr lang="en-US" baseline="0" dirty="0" smtClean="0"/>
-              <a:t> </a:t>
-            </a:r>
-            <a:r>
-              <a:rPr lang="hu-HU" baseline="0" dirty="0" smtClean="0"/>
+              <a:rPr lang="en-US" baseline="0" dirty="0"/>
+              <a:t> </a:t>
+            </a:r>
+            <a:r>
+              <a:rPr lang="hu-HU" baseline="0" dirty="0"/>
               <a:t>funkcionálisan jó ugyanerre, legfeljebb nem használjuk ki, hogy több tulajdonos lehet. Teljesítményprobléma nem lesz ebből.</a:t>
             </a:r>
-            <a:endParaRPr lang="en-US" dirty="0" smtClean="0"/>
+            <a:endParaRPr lang="en-US" dirty="0"/>
           </a:p>
           <a:p>
             <a:pPr marL="0" indent="0">
@@ -10985,39 +10984,39 @@
               <a:buNone/>
             </a:pPr>
             <a:r>
-              <a:rPr lang="en-US" dirty="0" err="1" smtClean="0"/>
+              <a:rPr lang="en-US" dirty="0" err="1"/>
               <a:t>Mikor</a:t>
             </a:r>
             <a:r>
-              <a:rPr lang="en-US" dirty="0" smtClean="0"/>
-              <a:t> </a:t>
-            </a:r>
-            <a:r>
-              <a:rPr lang="en-US" dirty="0" err="1" smtClean="0"/>
+              <a:rPr lang="en-US" dirty="0"/>
+              <a:t> </a:t>
+            </a:r>
+            <a:r>
+              <a:rPr lang="en-US" dirty="0" err="1"/>
               <a:t>mit</a:t>
             </a:r>
             <a:r>
-              <a:rPr lang="en-US" dirty="0" smtClean="0"/>
-              <a:t> </a:t>
-            </a:r>
-            <a:r>
-              <a:rPr lang="hu-HU" dirty="0" smtClean="0"/>
+              <a:rPr lang="en-US" dirty="0"/>
+              <a:t> </a:t>
+            </a:r>
+            <a:r>
+              <a:rPr lang="hu-HU" dirty="0"/>
               <a:t>kellene átadni </a:t>
             </a:r>
             <a:r>
-              <a:rPr lang="en-US" dirty="0" err="1" smtClean="0"/>
+              <a:rPr lang="en-US" dirty="0" err="1"/>
               <a:t>paraméterként</a:t>
             </a:r>
             <a:r>
-              <a:rPr lang="en-US" dirty="0" smtClean="0"/>
+              <a:rPr lang="en-US" dirty="0"/>
               <a:t>?</a:t>
             </a:r>
             <a:r>
-              <a:rPr lang="hu-HU" dirty="0" smtClean="0"/>
+              <a:rPr lang="hu-HU" dirty="0"/>
               <a:t> Milyen típusú legyen egy</a:t>
             </a:r>
             <a:r>
-              <a:rPr lang="hu-HU" baseline="0" dirty="0" smtClean="0"/>
+              <a:rPr lang="hu-HU" baseline="0" dirty="0"/>
               <a:t> metódus paramétere? Attól függ, mit akar kezdeni a pointerrel. Csak használja? Törli? Eltárolja és az objektum tulajdonaként fogja kezelni?</a:t>
             </a:r>
             <a:endParaRPr lang="en-US" dirty="0"/>
@@ -11076,35 +11075,35 @@
               <a:t> </a:t>
             </a:r>
             <a:r>
-              <a:rPr lang="en-US" dirty="0" err="1" smtClean="0"/>
+              <a:rPr lang="en-US" dirty="0" err="1"/>
               <a:t>át</a:t>
             </a:r>
             <a:r>
-              <a:rPr lang="hu-HU" dirty="0" smtClean="0"/>
+              <a:rPr lang="hu-HU" dirty="0"/>
               <a:t>. Na</a:t>
             </a:r>
             <a:r>
-              <a:rPr lang="hu-HU" baseline="0" dirty="0" smtClean="0"/>
+              <a:rPr lang="hu-HU" baseline="0" dirty="0"/>
               <a:t> ezért nem használjuk, mert amikor bármit át kell adni, akkor a unique</a:t>
             </a:r>
             <a:r>
-              <a:rPr lang="en-US" baseline="0" dirty="0" smtClean="0"/>
+              <a:rPr lang="en-US" baseline="0" dirty="0"/>
               <a:t>_</a:t>
             </a:r>
             <a:r>
-              <a:rPr lang="en-US" baseline="0" dirty="0" err="1" smtClean="0"/>
+              <a:rPr lang="en-US" baseline="0" dirty="0" err="1"/>
               <a:t>ptr</a:t>
             </a:r>
             <a:r>
-              <a:rPr lang="en-US" baseline="0" dirty="0" smtClean="0"/>
-              <a:t> </a:t>
-            </a:r>
-            <a:r>
-              <a:rPr lang="en-US" baseline="0" dirty="0" err="1" smtClean="0"/>
+              <a:rPr lang="en-US" baseline="0" dirty="0"/>
+              <a:t> </a:t>
+            </a:r>
+            <a:r>
+              <a:rPr lang="en-US" baseline="0" dirty="0" err="1"/>
               <a:t>probl</a:t>
             </a:r>
             <a:r>
-              <a:rPr lang="hu-HU" baseline="0" dirty="0" smtClean="0"/>
+              <a:rPr lang="hu-HU" baseline="0" dirty="0"/>
               <a:t>émássá válik kicsit</a:t>
             </a:r>
             <a:endParaRPr lang="en-US" dirty="0"/>
@@ -11139,39 +11138,39 @@
               <a:t> ownership </a:t>
             </a:r>
             <a:r>
-              <a:rPr lang="en-US" dirty="0" err="1" smtClean="0"/>
+              <a:rPr lang="en-US" dirty="0" err="1"/>
               <a:t>osztoszkodáskor</a:t>
             </a:r>
             <a:r>
-              <a:rPr lang="hu-HU" dirty="0" smtClean="0"/>
+              <a:rPr lang="hu-HU" dirty="0"/>
               <a:t>. Abból funkcionálisan soha sincs probléma, ha shared</a:t>
             </a:r>
             <a:r>
-              <a:rPr lang="en-US" dirty="0" smtClean="0"/>
+              <a:rPr lang="en-US" dirty="0"/>
               <a:t>_</a:t>
             </a:r>
             <a:r>
-              <a:rPr lang="en-US" dirty="0" err="1" smtClean="0"/>
+              <a:rPr lang="en-US" dirty="0" err="1"/>
               <a:t>ptr</a:t>
             </a:r>
             <a:r>
-              <a:rPr lang="en-US" dirty="0" smtClean="0"/>
+              <a:rPr lang="en-US" dirty="0"/>
               <a:t>-t</a:t>
             </a:r>
             <a:r>
-              <a:rPr lang="en-US" baseline="0" dirty="0" smtClean="0"/>
-              <a:t> </a:t>
-            </a:r>
-            <a:r>
-              <a:rPr lang="en-US" baseline="0" dirty="0" err="1" smtClean="0"/>
+              <a:rPr lang="en-US" baseline="0" dirty="0"/>
+              <a:t> </a:t>
+            </a:r>
+            <a:r>
+              <a:rPr lang="en-US" baseline="0" dirty="0" err="1"/>
               <a:t>adunk</a:t>
             </a:r>
             <a:r>
-              <a:rPr lang="en-US" baseline="0" dirty="0" smtClean="0"/>
-              <a:t> </a:t>
-            </a:r>
-            <a:r>
-              <a:rPr lang="hu-HU" baseline="0" dirty="0" smtClean="0"/>
+              <a:rPr lang="en-US" baseline="0" dirty="0"/>
+              <a:t> </a:t>
+            </a:r>
+            <a:r>
+              <a:rPr lang="hu-HU" baseline="0" dirty="0"/>
               <a:t>át, csak nagyon drága a copy construktora, ezért nem optimális.</a:t>
             </a:r>
             <a:endParaRPr lang="en-US" dirty="0"/>
@@ -11182,20 +11181,16 @@
               <a:buChar char="-"/>
             </a:pPr>
             <a:r>
-              <a:rPr lang="hu-HU" dirty="0" smtClean="0"/>
+              <a:rPr lang="hu-HU" dirty="0"/>
               <a:t>A fenitek miatt elterjedt gyakorlat, hogy </a:t>
             </a:r>
             <a:r>
-              <a:rPr lang="en-US" dirty="0" err="1" smtClean="0"/>
+              <a:rPr lang="en-US" dirty="0" err="1"/>
               <a:t>nyers</a:t>
             </a:r>
             <a:r>
-              <a:rPr lang="en-US" dirty="0" smtClean="0"/>
-              <a:t> </a:t>
-            </a:r>
-            <a:r>
-              <a:rPr lang="en-US" dirty="0"/>
-              <a:t>T* pointer </a:t>
+              <a:rPr lang="en-US" dirty="0"/>
+              <a:t> T* pointer </a:t>
             </a:r>
             <a:r>
               <a:rPr lang="en-US" dirty="0" err="1"/>
@@ -11211,234 +11206,230 @@
             </a:r>
             <a:r>
               <a:rPr lang="en-US" dirty="0"/>
-              <a:t> T</a:t>
-            </a:r>
-            <a:r>
-              <a:rPr lang="en-US" dirty="0" smtClean="0"/>
-              <a:t>&amp;</a:t>
-            </a:r>
-            <a:r>
-              <a:rPr lang="hu-HU" baseline="0" dirty="0" smtClean="0"/>
+              <a:t> T&amp;</a:t>
+            </a:r>
+            <a:r>
+              <a:rPr lang="hu-HU" baseline="0" dirty="0"/>
               <a:t> a parametér típusa, ha nem veszi át az ownershipet és nem törli/írtja felül a pointert. Viszont erre nincsenek nyelvi garanciák, és a T*-ból még csak nem is látszik ez a szándék. Ezért vannak javaslatok: std</a:t>
             </a:r>
             <a:r>
-              <a:rPr lang="en-US" baseline="0" dirty="0" smtClean="0"/>
+              <a:rPr lang="en-US" baseline="0" dirty="0"/>
               <a:t>::experimental::</a:t>
             </a:r>
             <a:r>
-              <a:rPr lang="en-US" baseline="0" dirty="0" err="1" smtClean="0"/>
+              <a:rPr lang="en-US" baseline="0" dirty="0" err="1"/>
               <a:t>observer_ptr</a:t>
             </a:r>
             <a:r>
-              <a:rPr lang="en-US" baseline="0" dirty="0" smtClean="0"/>
+              <a:rPr lang="en-US" baseline="0" dirty="0"/>
               <a:t>, </a:t>
             </a:r>
             <a:r>
-              <a:rPr lang="en-US" baseline="0" dirty="0" err="1" smtClean="0"/>
+              <a:rPr lang="en-US" baseline="0" dirty="0" err="1"/>
               <a:t>object_ptr</a:t>
             </a:r>
             <a:r>
-              <a:rPr lang="en-US" baseline="0" dirty="0" smtClean="0"/>
+              <a:rPr lang="en-US" baseline="0" dirty="0"/>
               <a:t>, </a:t>
             </a:r>
             <a:r>
-              <a:rPr lang="en-US" baseline="0" dirty="0" err="1" smtClean="0"/>
+              <a:rPr lang="en-US" baseline="0" dirty="0" err="1"/>
               <a:t>stb</a:t>
             </a:r>
             <a:r>
-              <a:rPr lang="en-US" baseline="0" dirty="0" smtClean="0"/>
+              <a:rPr lang="en-US" baseline="0" dirty="0"/>
               <a:t>. de </a:t>
             </a:r>
             <a:r>
-              <a:rPr lang="en-US" baseline="0" dirty="0" err="1" smtClean="0"/>
+              <a:rPr lang="en-US" baseline="0" dirty="0" err="1"/>
               <a:t>ezek</a:t>
             </a:r>
             <a:r>
-              <a:rPr lang="en-US" baseline="0" dirty="0" smtClean="0"/>
-              <a:t> </a:t>
-            </a:r>
-            <a:r>
-              <a:rPr lang="en-US" baseline="0" dirty="0" err="1" smtClean="0"/>
+              <a:rPr lang="en-US" baseline="0" dirty="0"/>
+              <a:t> </a:t>
+            </a:r>
+            <a:r>
+              <a:rPr lang="en-US" baseline="0" dirty="0" err="1"/>
               <a:t>nem</a:t>
             </a:r>
             <a:r>
-              <a:rPr lang="en-US" baseline="0" dirty="0" smtClean="0"/>
-              <a:t> </a:t>
-            </a:r>
-            <a:r>
-              <a:rPr lang="en-US" baseline="0" dirty="0" err="1" smtClean="0"/>
+              <a:rPr lang="en-US" baseline="0" dirty="0"/>
+              <a:t> </a:t>
+            </a:r>
+            <a:r>
+              <a:rPr lang="en-US" baseline="0" dirty="0" err="1"/>
               <a:t>szabv</a:t>
             </a:r>
             <a:r>
-              <a:rPr lang="hu-HU" baseline="0" dirty="0" smtClean="0"/>
+              <a:rPr lang="hu-HU" baseline="0" dirty="0"/>
               <a:t>ányosak és vannak velük gondok. De a lényeg, hogy legyen egy típus, ami egy sima pointert takar, de nem törölhető. Mi access</a:t>
             </a:r>
             <a:r>
-              <a:rPr lang="en-US" baseline="0" dirty="0" smtClean="0"/>
+              <a:rPr lang="en-US" baseline="0" dirty="0"/>
               <a:t>_</a:t>
             </a:r>
             <a:r>
-              <a:rPr lang="en-US" baseline="0" dirty="0" err="1" smtClean="0"/>
+              <a:rPr lang="en-US" baseline="0" dirty="0" err="1"/>
               <a:t>ptr-nek</a:t>
             </a:r>
             <a:r>
-              <a:rPr lang="en-US" baseline="0" dirty="0" smtClean="0"/>
-              <a:t> </a:t>
-            </a:r>
-            <a:r>
-              <a:rPr lang="en-US" baseline="0" dirty="0" err="1" smtClean="0"/>
+              <a:rPr lang="en-US" baseline="0" dirty="0"/>
+              <a:t> </a:t>
+            </a:r>
+            <a:r>
+              <a:rPr lang="en-US" baseline="0" dirty="0" err="1"/>
               <a:t>fogjuk</a:t>
             </a:r>
             <a:r>
-              <a:rPr lang="en-US" baseline="0" dirty="0" smtClean="0"/>
+              <a:rPr lang="en-US" baseline="0" dirty="0"/>
               <a:t> h</a:t>
             </a:r>
             <a:r>
-              <a:rPr lang="hu-HU" baseline="0" dirty="0" smtClean="0"/>
+              <a:rPr lang="hu-HU" baseline="0" dirty="0"/>
               <a:t>ívni. A szabály: </a:t>
             </a:r>
             <a:r>
-              <a:rPr lang="en-US" baseline="0" dirty="0" err="1" smtClean="0"/>
+              <a:rPr lang="en-US" baseline="0" dirty="0" err="1"/>
               <a:t>adattag</a:t>
             </a:r>
             <a:r>
-              <a:rPr lang="en-US" baseline="0" dirty="0" smtClean="0"/>
-              <a:t> </a:t>
-            </a:r>
-            <a:r>
-              <a:rPr lang="en-US" baseline="0" dirty="0" err="1" smtClean="0"/>
+              <a:rPr lang="en-US" baseline="0" dirty="0"/>
+              <a:t> </a:t>
+            </a:r>
+            <a:r>
+              <a:rPr lang="en-US" baseline="0" dirty="0" err="1"/>
               <a:t>nem</a:t>
             </a:r>
             <a:r>
-              <a:rPr lang="en-US" baseline="0" dirty="0" smtClean="0"/>
-              <a:t> </a:t>
-            </a:r>
-            <a:r>
-              <a:rPr lang="en-US" baseline="0" dirty="0" err="1" smtClean="0"/>
+              <a:rPr lang="en-US" baseline="0" dirty="0"/>
+              <a:t> </a:t>
+            </a:r>
+            <a:r>
+              <a:rPr lang="en-US" baseline="0" dirty="0" err="1"/>
               <a:t>lehet</a:t>
             </a:r>
             <a:r>
-              <a:rPr lang="en-US" baseline="0" dirty="0" smtClean="0"/>
-              <a:t> </a:t>
-            </a:r>
-            <a:r>
-              <a:rPr lang="hu-HU" baseline="0" dirty="0" smtClean="0"/>
+              <a:rPr lang="en-US" baseline="0" dirty="0"/>
+              <a:t> </a:t>
+            </a:r>
+            <a:r>
+              <a:rPr lang="hu-HU" baseline="0" dirty="0"/>
               <a:t>access</a:t>
             </a:r>
             <a:r>
-              <a:rPr lang="en-US" baseline="0" dirty="0" smtClean="0"/>
+              <a:rPr lang="en-US" baseline="0" dirty="0"/>
               <a:t>_</a:t>
             </a:r>
             <a:r>
-              <a:rPr lang="en-US" baseline="0" dirty="0" err="1" smtClean="0"/>
+              <a:rPr lang="en-US" baseline="0" dirty="0" err="1"/>
               <a:t>ptr</a:t>
             </a:r>
             <a:r>
-              <a:rPr lang="en-US" baseline="0" dirty="0" smtClean="0"/>
+              <a:rPr lang="en-US" baseline="0" dirty="0"/>
               <a:t> t</a:t>
             </a:r>
             <a:r>
-              <a:rPr lang="hu-HU" baseline="0" dirty="0" smtClean="0"/>
+              <a:rPr lang="hu-HU" baseline="0" dirty="0"/>
               <a:t>ípusú, hiszen nem fejez ki tulajdonlást</a:t>
             </a:r>
             <a:r>
-              <a:rPr lang="en-US" baseline="0" dirty="0" smtClean="0"/>
+              <a:rPr lang="en-US" baseline="0" dirty="0"/>
               <a:t>.</a:t>
             </a:r>
             <a:r>
-              <a:rPr lang="hu-HU" baseline="0" dirty="0" smtClean="0"/>
+              <a:rPr lang="hu-HU" baseline="0" dirty="0"/>
               <a:t> acces</a:t>
             </a:r>
             <a:r>
-              <a:rPr lang="en-US" baseline="0" dirty="0" smtClean="0"/>
+              <a:rPr lang="en-US" baseline="0" dirty="0"/>
               <a:t>_</a:t>
             </a:r>
             <a:r>
-              <a:rPr lang="en-US" baseline="0" dirty="0" err="1" smtClean="0"/>
+              <a:rPr lang="en-US" baseline="0" dirty="0" err="1"/>
               <a:t>ptr</a:t>
             </a:r>
             <a:r>
-              <a:rPr lang="en-US" baseline="0" dirty="0" smtClean="0"/>
+              <a:rPr lang="en-US" baseline="0" dirty="0"/>
               <a:t>-t </a:t>
             </a:r>
             <a:r>
-              <a:rPr lang="en-US" baseline="0" dirty="0" err="1" smtClean="0"/>
+              <a:rPr lang="en-US" baseline="0" dirty="0" err="1"/>
               <a:t>csak</a:t>
             </a:r>
             <a:r>
-              <a:rPr lang="en-US" baseline="0" dirty="0" smtClean="0"/>
-              <a:t> </a:t>
-            </a:r>
-            <a:r>
-              <a:rPr lang="hu-HU" baseline="0" dirty="0" smtClean="0"/>
+              <a:rPr lang="en-US" baseline="0" dirty="0"/>
+              <a:t> </a:t>
+            </a:r>
+            <a:r>
+              <a:rPr lang="hu-HU" baseline="0" dirty="0"/>
               <a:t>shared</a:t>
             </a:r>
             <a:r>
-              <a:rPr lang="en-US" baseline="0" dirty="0" smtClean="0"/>
+              <a:rPr lang="en-US" baseline="0" dirty="0"/>
               <a:t>_</a:t>
             </a:r>
             <a:r>
-              <a:rPr lang="en-US" baseline="0" dirty="0" err="1" smtClean="0"/>
+              <a:rPr lang="en-US" baseline="0" dirty="0" err="1"/>
               <a:t>ptr</a:t>
             </a:r>
             <a:r>
-              <a:rPr lang="en-US" baseline="0" dirty="0" smtClean="0"/>
+              <a:rPr lang="en-US" baseline="0" dirty="0"/>
               <a:t>-b</a:t>
             </a:r>
             <a:r>
-              <a:rPr lang="hu-HU" baseline="0" dirty="0" smtClean="0"/>
+              <a:rPr lang="hu-HU" baseline="0" dirty="0"/>
               <a:t>ől fogunk tudni gyártani, úgy, ha egy shared</a:t>
             </a:r>
             <a:r>
-              <a:rPr lang="en-US" baseline="0" dirty="0" smtClean="0"/>
+              <a:rPr lang="en-US" baseline="0" dirty="0"/>
               <a:t>_</a:t>
             </a:r>
             <a:r>
-              <a:rPr lang="en-US" baseline="0" dirty="0" err="1" smtClean="0"/>
+              <a:rPr lang="en-US" baseline="0" dirty="0" err="1"/>
               <a:t>ptr</a:t>
             </a:r>
             <a:r>
-              <a:rPr lang="en-US" baseline="0" dirty="0" smtClean="0"/>
+              <a:rPr lang="en-US" baseline="0" dirty="0"/>
               <a:t>-t </a:t>
             </a:r>
             <a:r>
-              <a:rPr lang="en-US" baseline="0" dirty="0" err="1" smtClean="0"/>
+              <a:rPr lang="en-US" baseline="0" dirty="0" err="1"/>
               <a:t>adunk</a:t>
             </a:r>
             <a:r>
-              <a:rPr lang="en-US" baseline="0" dirty="0" smtClean="0"/>
-              <a:t> </a:t>
-            </a:r>
-            <a:r>
-              <a:rPr lang="hu-HU" baseline="0" dirty="0" smtClean="0"/>
+              <a:rPr lang="en-US" baseline="0" dirty="0"/>
+              <a:t> </a:t>
+            </a:r>
+            <a:r>
+              <a:rPr lang="hu-HU" baseline="0" dirty="0"/>
               <a:t>át egy access</a:t>
             </a:r>
             <a:r>
-              <a:rPr lang="en-US" baseline="0" dirty="0" smtClean="0"/>
+              <a:rPr lang="en-US" baseline="0" dirty="0"/>
               <a:t>_</a:t>
             </a:r>
             <a:r>
-              <a:rPr lang="en-US" baseline="0" dirty="0" err="1" smtClean="0"/>
+              <a:rPr lang="en-US" baseline="0" dirty="0" err="1"/>
               <a:t>ptr</a:t>
             </a:r>
             <a:r>
-              <a:rPr lang="en-US" baseline="0" dirty="0" smtClean="0"/>
+              <a:rPr lang="en-US" baseline="0" dirty="0"/>
               <a:t>-t v</a:t>
             </a:r>
             <a:r>
-              <a:rPr lang="hu-HU" baseline="0" dirty="0" smtClean="0"/>
+              <a:rPr lang="hu-HU" baseline="0" dirty="0"/>
               <a:t>áró metódusnak. Ez hatékony (a háttérben csak egy nyers pointer átadása van), és nehéz vele hülyeséget csinálni (bár szándékosan persze lehet). Viszont a com</a:t>
             </a:r>
             <a:r>
-              <a:rPr lang="en-US" baseline="0" dirty="0" smtClean="0"/>
+              <a:rPr lang="en-US" baseline="0" dirty="0"/>
               <a:t>_</a:t>
             </a:r>
             <a:r>
-              <a:rPr lang="en-US" baseline="0" dirty="0" err="1" smtClean="0"/>
+              <a:rPr lang="en-US" baseline="0" dirty="0" err="1"/>
               <a:t>ptr-ekn</a:t>
             </a:r>
             <a:r>
-              <a:rPr lang="hu-HU" baseline="0" dirty="0" smtClean="0"/>
+              <a:rPr lang="hu-HU" baseline="0" dirty="0"/>
               <a:t>él maradunk a sima nyers pointerek átadásánál, mert a D3D API is nyers pointerekkel működik.</a:t>
             </a:r>
             <a:endParaRPr lang="en-US" dirty="0"/>
@@ -11859,17 +11850,17 @@
               <a:t>függvények</a:t>
             </a:r>
             <a:r>
-              <a:rPr lang="en-US" dirty="0" smtClean="0"/>
+              <a:rPr lang="en-US" dirty="0"/>
               <a:t>)</a:t>
             </a:r>
-            <a:endParaRPr lang="hu-HU" dirty="0" smtClean="0"/>
+            <a:endParaRPr lang="hu-HU" dirty="0"/>
           </a:p>
           <a:p>
             <a:pPr marL="0" indent="0">
               <a:buFontTx/>
               <a:buNone/>
             </a:pPr>
-            <a:endParaRPr lang="hu-HU" dirty="0" smtClean="0"/>
+            <a:endParaRPr lang="hu-HU" dirty="0"/>
           </a:p>
           <a:p>
             <a:pPr marL="0" indent="0">
@@ -11877,11 +11868,11 @@
               <a:buNone/>
             </a:pPr>
             <a:r>
-              <a:rPr lang="hu-HU" dirty="0" smtClean="0"/>
+              <a:rPr lang="hu-HU" dirty="0"/>
               <a:t>A</a:t>
             </a:r>
             <a:r>
-              <a:rPr lang="hu-HU" baseline="0" dirty="0" smtClean="0"/>
+              <a:rPr lang="hu-HU" baseline="0" dirty="0"/>
               <a:t> következő type aliasok lerövidítik a smart pointer típusok neveit:</a:t>
             </a:r>
           </a:p>
@@ -11891,35 +11882,35 @@
               <a:buNone/>
             </a:pPr>
             <a:r>
-              <a:rPr lang="hu-HU" baseline="0" dirty="0" smtClean="0"/>
+              <a:rPr lang="hu-HU" baseline="0" dirty="0"/>
               <a:t>MySmartClassP vagy MySmartClass</a:t>
             </a:r>
             <a:r>
-              <a:rPr lang="en-US" baseline="0" dirty="0" smtClean="0"/>
+              <a:rPr lang="en-US" baseline="0" dirty="0"/>
               <a:t>::P = </a:t>
             </a:r>
             <a:r>
-              <a:rPr lang="en-US" baseline="0" dirty="0" err="1" smtClean="0"/>
+              <a:rPr lang="en-US" baseline="0" dirty="0" err="1"/>
               <a:t>std</a:t>
             </a:r>
             <a:r>
-              <a:rPr lang="en-US" baseline="0" dirty="0" smtClean="0"/>
+              <a:rPr lang="en-US" baseline="0" dirty="0"/>
               <a:t>::</a:t>
             </a:r>
             <a:r>
-              <a:rPr lang="en-US" baseline="0" dirty="0" err="1" smtClean="0"/>
+              <a:rPr lang="en-US" baseline="0" dirty="0" err="1"/>
               <a:t>shared_ptr</a:t>
             </a:r>
             <a:r>
-              <a:rPr lang="en-US" baseline="0" dirty="0" smtClean="0"/>
+              <a:rPr lang="en-US" baseline="0" dirty="0"/>
               <a:t>&lt;</a:t>
             </a:r>
             <a:r>
-              <a:rPr lang="hu-HU" baseline="0" dirty="0" smtClean="0"/>
+              <a:rPr lang="hu-HU" baseline="0" dirty="0"/>
               <a:t>MySmartClass</a:t>
             </a:r>
             <a:r>
-              <a:rPr lang="en-US" baseline="0" dirty="0" smtClean="0"/>
+              <a:rPr lang="en-US" baseline="0" dirty="0"/>
               <a:t>&gt;</a:t>
             </a:r>
           </a:p>
@@ -11942,35 +11933,35 @@
               <a:defRPr/>
             </a:pPr>
             <a:r>
-              <a:rPr lang="hu-HU" baseline="0" dirty="0" smtClean="0"/>
+              <a:rPr lang="hu-HU" baseline="0" dirty="0"/>
               <a:t>MySmartClass</a:t>
             </a:r>
             <a:r>
-              <a:rPr lang="en-US" baseline="0" dirty="0" smtClean="0"/>
+              <a:rPr lang="en-US" baseline="0" dirty="0"/>
               <a:t>A</a:t>
             </a:r>
             <a:r>
-              <a:rPr lang="hu-HU" baseline="0" dirty="0" smtClean="0"/>
+              <a:rPr lang="hu-HU" baseline="0" dirty="0"/>
               <a:t> vagy MySmartClass</a:t>
             </a:r>
             <a:r>
-              <a:rPr lang="en-US" baseline="0" dirty="0" smtClean="0"/>
+              <a:rPr lang="en-US" baseline="0" dirty="0"/>
               <a:t>::A = </a:t>
             </a:r>
             <a:r>
-              <a:rPr lang="en-US" baseline="0" dirty="0" err="1" smtClean="0"/>
+              <a:rPr lang="en-US" baseline="0" dirty="0" err="1"/>
               <a:t>access_ptr</a:t>
             </a:r>
             <a:r>
-              <a:rPr lang="en-US" baseline="0" dirty="0" smtClean="0"/>
+              <a:rPr lang="en-US" baseline="0" dirty="0"/>
               <a:t>&lt;</a:t>
             </a:r>
             <a:r>
-              <a:rPr lang="hu-HU" baseline="0" dirty="0" smtClean="0"/>
+              <a:rPr lang="hu-HU" baseline="0" dirty="0"/>
               <a:t>MySmartClass</a:t>
             </a:r>
             <a:r>
-              <a:rPr lang="en-US" baseline="0" dirty="0" smtClean="0"/>
+              <a:rPr lang="en-US" baseline="0" dirty="0"/>
               <a:t>&gt;</a:t>
             </a:r>
           </a:p>
@@ -12290,232 +12281,232 @@
               <a:defRPr/>
             </a:pPr>
             <a:r>
-              <a:rPr lang="en-US" dirty="0" smtClean="0"/>
+              <a:rPr lang="en-US" dirty="0"/>
               <a:t>A GG_CLASS, GG_SUBCLASS </a:t>
             </a:r>
             <a:r>
-              <a:rPr lang="en-US" dirty="0" err="1" smtClean="0"/>
+              <a:rPr lang="en-US" dirty="0" err="1"/>
               <a:t>makróval</a:t>
             </a:r>
             <a:r>
-              <a:rPr lang="en-US" dirty="0" smtClean="0"/>
-              <a:t> </a:t>
-            </a:r>
-            <a:r>
-              <a:rPr lang="en-US" dirty="0" err="1" smtClean="0"/>
+              <a:rPr lang="en-US" dirty="0"/>
+              <a:t> </a:t>
+            </a:r>
+            <a:r>
+              <a:rPr lang="en-US" dirty="0" err="1"/>
               <a:t>definiált</a:t>
             </a:r>
             <a:r>
-              <a:rPr lang="en-US" dirty="0" smtClean="0"/>
-              <a:t> </a:t>
-            </a:r>
-            <a:r>
-              <a:rPr lang="en-US" dirty="0" err="1" smtClean="0"/>
+              <a:rPr lang="en-US" dirty="0"/>
+              <a:t> </a:t>
+            </a:r>
+            <a:r>
+              <a:rPr lang="en-US" dirty="0" err="1"/>
               <a:t>osztályoknak</a:t>
             </a:r>
             <a:r>
-              <a:rPr lang="en-US" dirty="0" smtClean="0"/>
+              <a:rPr lang="en-US" dirty="0"/>
               <a:t> van </a:t>
             </a:r>
             <a:r>
-              <a:rPr lang="en-US" dirty="0" err="1" smtClean="0"/>
+              <a:rPr lang="en-US" dirty="0" err="1"/>
               <a:t>typedefelve</a:t>
             </a:r>
             <a:r>
-              <a:rPr lang="en-US" dirty="0" smtClean="0"/>
+              <a:rPr lang="en-US" dirty="0"/>
               <a:t> P </a:t>
             </a:r>
             <a:r>
-              <a:rPr lang="en-US" dirty="0" err="1" smtClean="0"/>
+              <a:rPr lang="en-US" dirty="0" err="1"/>
               <a:t>posztfix</a:t>
             </a:r>
             <a:r>
-              <a:rPr lang="hu-HU" dirty="0" smtClean="0"/>
+              <a:rPr lang="hu-HU" dirty="0"/>
               <a:t>ű</a:t>
             </a:r>
             <a:r>
-              <a:rPr lang="en-US" dirty="0" smtClean="0"/>
-              <a:t> </a:t>
-            </a:r>
-            <a:r>
-              <a:rPr lang="en-US" dirty="0" err="1" smtClean="0"/>
+              <a:rPr lang="en-US" dirty="0"/>
+              <a:t> </a:t>
+            </a:r>
+            <a:r>
+              <a:rPr lang="en-US" dirty="0" err="1"/>
               <a:t>típus</a:t>
             </a:r>
             <a:r>
-              <a:rPr lang="en-US" dirty="0" smtClean="0"/>
+              <a:rPr lang="en-US" dirty="0"/>
               <a:t>, </a:t>
             </a:r>
             <a:r>
-              <a:rPr lang="en-US" dirty="0" err="1" smtClean="0"/>
+              <a:rPr lang="en-US" dirty="0" err="1"/>
               <a:t>ez</a:t>
             </a:r>
             <a:r>
-              <a:rPr lang="en-US" dirty="0" smtClean="0"/>
+              <a:rPr lang="en-US" dirty="0"/>
               <a:t> a </a:t>
             </a:r>
             <a:r>
-              <a:rPr lang="en-US" dirty="0" err="1" smtClean="0"/>
+              <a:rPr lang="en-US" dirty="0" err="1"/>
               <a:t>shared_ptr</a:t>
             </a:r>
             <a:r>
-              <a:rPr lang="en-US" dirty="0" smtClean="0"/>
+              <a:rPr lang="en-US" dirty="0"/>
               <a:t>&lt;T&gt;-t </a:t>
             </a:r>
             <a:r>
-              <a:rPr lang="en-US" dirty="0" err="1" smtClean="0"/>
+              <a:rPr lang="en-US" dirty="0" err="1"/>
               <a:t>typedefeli</a:t>
             </a:r>
             <a:r>
-              <a:rPr lang="en-US" dirty="0" smtClean="0"/>
+              <a:rPr lang="en-US" dirty="0"/>
               <a:t>. </a:t>
             </a:r>
             <a:r>
-              <a:rPr lang="en-US" dirty="0" err="1" smtClean="0"/>
+              <a:rPr lang="en-US" dirty="0" err="1"/>
               <a:t>Tehát</a:t>
             </a:r>
             <a:r>
-              <a:rPr lang="en-US" dirty="0" smtClean="0"/>
-              <a:t> </a:t>
-            </a:r>
-            <a:r>
-              <a:rPr lang="en-US" dirty="0" err="1" smtClean="0"/>
+              <a:rPr lang="en-US" dirty="0"/>
+              <a:t> </a:t>
+            </a:r>
+            <a:r>
+              <a:rPr lang="en-US" dirty="0" err="1"/>
               <a:t>itt</a:t>
             </a:r>
             <a:r>
-              <a:rPr lang="en-US" dirty="0" smtClean="0"/>
-              <a:t> </a:t>
-            </a:r>
-            <a:r>
-              <a:rPr lang="en-US" dirty="0" err="1" smtClean="0"/>
+              <a:rPr lang="en-US" dirty="0"/>
+              <a:t> </a:t>
+            </a:r>
+            <a:r>
+              <a:rPr lang="en-US" dirty="0" err="1"/>
               <a:t>egy</a:t>
             </a:r>
             <a:r>
-              <a:rPr lang="en-US" dirty="0" smtClean="0"/>
-              <a:t> </a:t>
-            </a:r>
-            <a:r>
-              <a:rPr lang="en-US" dirty="0" err="1" smtClean="0"/>
+              <a:rPr lang="en-US" dirty="0"/>
+              <a:t> </a:t>
+            </a:r>
+            <a:r>
+              <a:rPr lang="en-US" dirty="0" err="1"/>
               <a:t>shared_ptr</a:t>
             </a:r>
             <a:r>
-              <a:rPr lang="en-US" dirty="0" smtClean="0"/>
+              <a:rPr lang="en-US" dirty="0"/>
               <a:t>&lt;Egg::Mesh::Shaded&gt;-et </a:t>
             </a:r>
             <a:r>
-              <a:rPr lang="en-US" dirty="0" err="1" smtClean="0"/>
+              <a:rPr lang="en-US" dirty="0" err="1"/>
               <a:t>példányosítunk</a:t>
             </a:r>
             <a:r>
-              <a:rPr lang="en-US" dirty="0" smtClean="0"/>
+              <a:rPr lang="en-US" dirty="0"/>
               <a:t>, </a:t>
             </a:r>
             <a:r>
-              <a:rPr lang="en-US" dirty="0" err="1" smtClean="0"/>
+              <a:rPr lang="en-US" dirty="0" err="1"/>
               <a:t>amelyre</a:t>
             </a:r>
             <a:r>
-              <a:rPr lang="en-US" dirty="0" smtClean="0"/>
-              <a:t> </a:t>
-            </a:r>
-            <a:r>
-              <a:rPr lang="en-US" dirty="0" err="1" smtClean="0"/>
+              <a:rPr lang="en-US" dirty="0"/>
+              <a:t> </a:t>
+            </a:r>
+            <a:r>
+              <a:rPr lang="en-US" dirty="0" err="1"/>
               <a:t>hasonlóan</a:t>
             </a:r>
             <a:r>
-              <a:rPr lang="en-US" dirty="0" smtClean="0"/>
+              <a:rPr lang="en-US" dirty="0"/>
               <a:t> a GG_CLASS, GG_SUBCLASS </a:t>
             </a:r>
             <a:r>
-              <a:rPr lang="en-US" dirty="0" err="1" smtClean="0"/>
+              <a:rPr lang="en-US" dirty="0" err="1"/>
               <a:t>miatt</a:t>
             </a:r>
             <a:r>
-              <a:rPr lang="en-US" dirty="0" smtClean="0"/>
-              <a:t> </a:t>
-            </a:r>
-            <a:r>
-              <a:rPr lang="en-US" dirty="0" err="1" smtClean="0"/>
+              <a:rPr lang="en-US" dirty="0"/>
+              <a:t> </a:t>
+            </a:r>
+            <a:r>
+              <a:rPr lang="en-US" dirty="0" err="1"/>
               <a:t>lesz</a:t>
             </a:r>
             <a:r>
-              <a:rPr lang="en-US" dirty="0" smtClean="0"/>
-              <a:t> </a:t>
-            </a:r>
-            <a:r>
-              <a:rPr lang="en-US" dirty="0" err="1" smtClean="0"/>
+              <a:rPr lang="en-US" dirty="0"/>
+              <a:t> </a:t>
+            </a:r>
+            <a:r>
+              <a:rPr lang="en-US" dirty="0" err="1"/>
               <a:t>statikus</a:t>
             </a:r>
             <a:r>
-              <a:rPr lang="en-US" dirty="0" smtClean="0"/>
+              <a:rPr lang="en-US" dirty="0"/>
               <a:t> Create </a:t>
             </a:r>
             <a:r>
-              <a:rPr lang="en-US" dirty="0" err="1" smtClean="0"/>
+              <a:rPr lang="en-US" dirty="0" err="1"/>
               <a:t>függvény</a:t>
             </a:r>
             <a:r>
-              <a:rPr lang="en-US" dirty="0" smtClean="0"/>
+              <a:rPr lang="en-US" dirty="0"/>
               <a:t>, </a:t>
             </a:r>
             <a:r>
-              <a:rPr lang="en-US" dirty="0" err="1" smtClean="0"/>
+              <a:rPr lang="en-US" dirty="0" err="1"/>
               <a:t>amely</a:t>
             </a:r>
             <a:r>
-              <a:rPr lang="en-US" dirty="0" smtClean="0"/>
-              <a:t> </a:t>
-            </a:r>
-            <a:r>
-              <a:rPr lang="en-US" dirty="0" err="1" smtClean="0"/>
+              <a:rPr lang="en-US" dirty="0"/>
+              <a:t> </a:t>
+            </a:r>
+            <a:r>
+              <a:rPr lang="en-US" dirty="0" err="1"/>
               <a:t>az</a:t>
             </a:r>
             <a:r>
-              <a:rPr lang="en-US" dirty="0" smtClean="0"/>
-              <a:t> </a:t>
-            </a:r>
-            <a:r>
-              <a:rPr lang="en-US" dirty="0" err="1" smtClean="0"/>
+              <a:rPr lang="en-US" dirty="0"/>
+              <a:t> </a:t>
+            </a:r>
+            <a:r>
+              <a:rPr lang="en-US" dirty="0" err="1"/>
               <a:t>összes</a:t>
             </a:r>
             <a:r>
-              <a:rPr lang="en-US" dirty="0" smtClean="0"/>
-              <a:t> </a:t>
-            </a:r>
-            <a:r>
-              <a:rPr lang="en-US" dirty="0" err="1" smtClean="0"/>
+              <a:rPr lang="en-US" dirty="0"/>
+              <a:t> </a:t>
+            </a:r>
+            <a:r>
+              <a:rPr lang="en-US" dirty="0" err="1"/>
               <a:t>argumentumot</a:t>
             </a:r>
             <a:r>
-              <a:rPr lang="en-US" dirty="0" smtClean="0"/>
-              <a:t> </a:t>
-            </a:r>
-            <a:r>
-              <a:rPr lang="en-US" dirty="0" err="1" smtClean="0"/>
+              <a:rPr lang="en-US" dirty="0"/>
+              <a:t> </a:t>
+            </a:r>
+            <a:r>
+              <a:rPr lang="en-US" dirty="0" err="1"/>
               <a:t>továbbítja</a:t>
             </a:r>
             <a:r>
-              <a:rPr lang="en-US" dirty="0" smtClean="0"/>
-              <a:t> </a:t>
-            </a:r>
-            <a:r>
-              <a:rPr lang="en-US" dirty="0" err="1" smtClean="0"/>
+              <a:rPr lang="en-US" dirty="0"/>
+              <a:t> </a:t>
+            </a:r>
+            <a:r>
+              <a:rPr lang="en-US" dirty="0" err="1"/>
               <a:t>majd</a:t>
             </a:r>
             <a:r>
-              <a:rPr lang="en-US" dirty="0" smtClean="0"/>
+              <a:rPr lang="en-US" dirty="0"/>
               <a:t> a </a:t>
             </a:r>
             <a:r>
-              <a:rPr lang="en-US" dirty="0" err="1" smtClean="0"/>
+              <a:rPr lang="en-US" dirty="0" err="1"/>
               <a:t>ctornak</a:t>
             </a:r>
             <a:r>
-              <a:rPr lang="en-US" dirty="0" smtClean="0"/>
+              <a:rPr lang="en-US" dirty="0"/>
               <a:t>.</a:t>
             </a:r>
           </a:p>
           <a:p>
-            <a:endParaRPr lang="hu-HU" dirty="0" smtClean="0"/>
+            <a:endParaRPr lang="hu-HU" dirty="0"/>
           </a:p>
           <a:p>
             <a:pPr marL="0" marR="0" lvl="0" indent="0" algn="l" defTabSz="914400" rtl="0" eaLnBrk="1" fontAlgn="auto" latinLnBrk="0" hangingPunct="1">
@@ -12536,11 +12527,11 @@
               <a:defRPr/>
             </a:pPr>
             <a:r>
-              <a:rPr lang="en-US" dirty="0" err="1" smtClean="0"/>
+              <a:rPr lang="en-US" dirty="0" err="1"/>
               <a:t>Itt</a:t>
             </a:r>
             <a:r>
-              <a:rPr lang="en-US" dirty="0" smtClean="0"/>
+              <a:rPr lang="en-US" dirty="0"/>
               <a:t> </a:t>
             </a:r>
             <a:r>
@@ -12573,111 +12564,107 @@
             </a:r>
             <a:r>
               <a:rPr lang="en-US" dirty="0"/>
-              <a:t> a </a:t>
-            </a:r>
-            <a:r>
-              <a:rPr lang="en-US" dirty="0" smtClean="0"/>
-              <a:t>shaded</a:t>
-            </a:r>
-            <a:r>
-              <a:rPr lang="hu-HU" dirty="0" smtClean="0"/>
+              <a:t> a shaded</a:t>
+            </a:r>
+            <a:r>
+              <a:rPr lang="hu-HU" dirty="0"/>
               <a:t> mesh </a:t>
             </a:r>
             <a:r>
-              <a:rPr lang="en-US" dirty="0" err="1" smtClean="0"/>
+              <a:rPr lang="en-US" dirty="0" err="1"/>
               <a:t>példányt</a:t>
             </a:r>
             <a:r>
-              <a:rPr lang="en-US" dirty="0" smtClean="0"/>
+              <a:rPr lang="en-US" dirty="0"/>
               <a:t>.</a:t>
             </a:r>
             <a:r>
-              <a:rPr lang="hu-HU" dirty="0" smtClean="0"/>
+              <a:rPr lang="hu-HU" dirty="0"/>
               <a:t> A shaded mesh egy geometria</a:t>
             </a:r>
             <a:r>
-              <a:rPr lang="hu-HU" baseline="0" dirty="0" smtClean="0"/>
+              <a:rPr lang="hu-HU" baseline="0" dirty="0"/>
               <a:t> és egy anyag kombinációja. A geometria a vertex/index bufferek letrehozásáért felel, az anyag a shaderekért és az ő bemeneteik bekötéséért (ezt majd kipróbáljuk nemsokára). A geometria az egyik előregyártott lesz. </a:t>
             </a:r>
             <a:r>
-              <a:rPr lang="en-US" dirty="0" err="1" smtClean="0"/>
+              <a:rPr lang="en-US" dirty="0" err="1"/>
               <a:t>Az</a:t>
             </a:r>
             <a:r>
-              <a:rPr lang="en-US" dirty="0" smtClean="0"/>
+              <a:rPr lang="en-US" dirty="0"/>
               <a:t> Egg::Mesh::Prefabs::</a:t>
             </a:r>
             <a:r>
-              <a:rPr lang="en-US" dirty="0" err="1" smtClean="0"/>
+              <a:rPr lang="en-US" dirty="0" err="1"/>
               <a:t>Unitbox</a:t>
             </a:r>
             <a:r>
-              <a:rPr lang="en-US" dirty="0" smtClean="0"/>
-              <a:t> </a:t>
-            </a:r>
-            <a:r>
-              <a:rPr lang="en-US" dirty="0" err="1" smtClean="0"/>
+              <a:rPr lang="en-US" dirty="0"/>
+              <a:t> </a:t>
+            </a:r>
+            <a:r>
+              <a:rPr lang="en-US" dirty="0" err="1"/>
               <a:t>statikus</a:t>
             </a:r>
             <a:r>
-              <a:rPr lang="en-US" dirty="0" smtClean="0"/>
-              <a:t> </a:t>
-            </a:r>
-            <a:r>
-              <a:rPr lang="en-US" dirty="0" err="1" smtClean="0"/>
+              <a:rPr lang="en-US" dirty="0"/>
+              <a:t> </a:t>
+            </a:r>
+            <a:r>
+              <a:rPr lang="en-US" dirty="0" err="1"/>
               <a:t>függvényben</a:t>
             </a:r>
             <a:r>
-              <a:rPr lang="en-US" dirty="0" smtClean="0"/>
-              <a:t> </a:t>
-            </a:r>
-            <a:r>
-              <a:rPr lang="en-US" dirty="0" err="1" smtClean="0"/>
+              <a:rPr lang="en-US" dirty="0"/>
+              <a:t> </a:t>
+            </a:r>
+            <a:r>
+              <a:rPr lang="en-US" dirty="0" err="1"/>
               <a:t>kézzel</a:t>
             </a:r>
             <a:r>
-              <a:rPr lang="en-US" dirty="0" smtClean="0"/>
+              <a:rPr lang="en-US" dirty="0"/>
               <a:t> le </a:t>
             </a:r>
             <a:r>
-              <a:rPr lang="en-US" dirty="0" err="1" smtClean="0"/>
+              <a:rPr lang="en-US" dirty="0" err="1"/>
               <a:t>vannak</a:t>
             </a:r>
             <a:r>
-              <a:rPr lang="en-US" dirty="0" smtClean="0"/>
-              <a:t> </a:t>
-            </a:r>
-            <a:r>
-              <a:rPr lang="en-US" dirty="0" err="1" smtClean="0"/>
+              <a:rPr lang="en-US" dirty="0"/>
+              <a:t> </a:t>
+            </a:r>
+            <a:r>
+              <a:rPr lang="en-US" dirty="0" err="1"/>
               <a:t>írva</a:t>
             </a:r>
             <a:r>
-              <a:rPr lang="en-US" dirty="0" smtClean="0"/>
+              <a:rPr lang="en-US" dirty="0"/>
               <a:t> a 3d </a:t>
             </a:r>
             <a:r>
-              <a:rPr lang="en-US" dirty="0" err="1" smtClean="0"/>
+              <a:rPr lang="en-US" dirty="0" err="1"/>
               <a:t>modellünk</a:t>
             </a:r>
             <a:r>
-              <a:rPr lang="en-US" dirty="0" smtClean="0"/>
-              <a:t> </a:t>
-            </a:r>
-            <a:r>
-              <a:rPr lang="en-US" dirty="0" err="1" smtClean="0"/>
+              <a:rPr lang="en-US" dirty="0"/>
+              <a:t> </a:t>
+            </a:r>
+            <a:r>
+              <a:rPr lang="en-US" dirty="0" err="1"/>
               <a:t>koordinátái</a:t>
             </a:r>
             <a:r>
-              <a:rPr lang="en-US" dirty="0" smtClean="0"/>
+              <a:rPr lang="en-US" dirty="0"/>
               <a:t>.</a:t>
             </a:r>
           </a:p>
           <a:p>
-            <a:endParaRPr lang="hu-HU" baseline="0" dirty="0" smtClean="0"/>
-          </a:p>
-          <a:p>
-            <a:r>
-              <a:rPr lang="hu-HU" baseline="0" dirty="0" smtClean="0"/>
+            <a:endParaRPr lang="hu-HU" baseline="0" dirty="0"/>
+          </a:p>
+          <a:p>
+            <a:r>
+              <a:rPr lang="hu-HU" baseline="0" dirty="0"/>
               <a:t>A geometria és az anyag birtokában tudjuk létrehozni a rajzoláshoz szükséges GPSO-t, mivel a GPSP része az input layout, és ahhoz a shader bemenetet és a vertexadatok layoutját is ismernünk kell. A shaded mesh tárolja a geometry/material kombóhoz passzoló GPSO-t. De mi van (és ez több, mint valószínű), ha több shadedmeshnek ugyanolyan GPSO kell? Erre van a psoManager, aki a meglevő GPSO-kat tárolja, illetve kérni lehet tőle egy geometria/anyag kombóhoz passzolót. Ha nincs még, gyárt egyet, eltárolja, és visszaadja. Mindez a shaded mesh konstruktorában megtörténik.</a:t>
             </a:r>
             <a:endParaRPr lang="en-US" dirty="0"/>
@@ -12769,39 +12756,39 @@
           <a:lstStyle/>
           <a:p>
             <a:r>
-              <a:rPr lang="hu-HU" dirty="0" smtClean="0"/>
+              <a:rPr lang="hu-HU" dirty="0"/>
               <a:t>A</a:t>
             </a:r>
             <a:r>
-              <a:rPr lang="hu-HU" baseline="0" dirty="0" smtClean="0"/>
+              <a:rPr lang="hu-HU" baseline="0" dirty="0"/>
               <a:t> korábbi dolgok maradnak (viewport, barrier, render target, clear, ...), a rajzolás viszont ennyire egyszerű lesz. A shaded mesh </a:t>
             </a:r>
             <a:r>
-              <a:rPr lang="en-US" baseline="0" dirty="0" smtClean="0"/>
+              <a:rPr lang="en-US" baseline="0" dirty="0"/>
               <a:t>be</a:t>
             </a:r>
             <a:r>
-              <a:rPr lang="hu-HU" baseline="0" dirty="0" smtClean="0"/>
+              <a:rPr lang="hu-HU" baseline="0" dirty="0"/>
               <a:t>á</a:t>
             </a:r>
             <a:r>
-              <a:rPr lang="en-US" baseline="0" dirty="0" err="1" smtClean="0"/>
+              <a:rPr lang="en-US" baseline="0" dirty="0" err="1"/>
               <a:t>lltja</a:t>
             </a:r>
             <a:r>
-              <a:rPr lang="en-US" baseline="0" dirty="0" smtClean="0"/>
-              <a:t> </a:t>
-            </a:r>
-            <a:r>
-              <a:rPr lang="hu-HU" baseline="0" dirty="0" smtClean="0"/>
+              <a:rPr lang="en-US" baseline="0" dirty="0"/>
+              <a:t> </a:t>
+            </a:r>
+            <a:r>
+              <a:rPr lang="hu-HU" baseline="0" dirty="0"/>
               <a:t>a GPSO</a:t>
             </a:r>
             <a:r>
-              <a:rPr lang="en-US" baseline="0" dirty="0" smtClean="0"/>
+              <a:rPr lang="en-US" baseline="0" dirty="0"/>
               <a:t>-t</a:t>
             </a:r>
             <a:r>
-              <a:rPr lang="hu-HU" baseline="0" dirty="0" smtClean="0"/>
+              <a:rPr lang="hu-HU" baseline="0" dirty="0"/>
               <a:t>, érvényre juttatja a material beállításait, és ráküldi a geometriát a pipelinera, rajzolásra. </a:t>
             </a:r>
             <a:endParaRPr lang="en-US" dirty="0"/>
@@ -12892,25 +12879,25 @@
           <a:lstStyle/>
           <a:p>
             <a:r>
-              <a:rPr lang="hu-HU" dirty="0" smtClean="0"/>
+              <a:rPr lang="hu-HU" dirty="0"/>
               <a:t>A VS-ben</a:t>
             </a:r>
             <a:r>
-              <a:rPr lang="hu-HU" baseline="0" dirty="0" smtClean="0"/>
+              <a:rPr lang="hu-HU" baseline="0" dirty="0"/>
               <a:t> a z koordinátához hozzáadtunk valamennyit, hogy látszódjon valami. Ez ideiglenes, később kivehetjük.</a:t>
             </a:r>
-            <a:endParaRPr lang="hu-HU" dirty="0" smtClean="0"/>
-          </a:p>
-          <a:p>
-            <a:endParaRPr lang="hu-HU" dirty="0" smtClean="0"/>
-          </a:p>
-          <a:p>
-            <a:r>
-              <a:rPr lang="en-US" dirty="0" err="1" smtClean="0"/>
+            <a:endParaRPr lang="hu-HU" dirty="0"/>
+          </a:p>
+          <a:p>
+            <a:endParaRPr lang="hu-HU" dirty="0"/>
+          </a:p>
+          <a:p>
+            <a:r>
+              <a:rPr lang="en-US" dirty="0" err="1"/>
               <a:t>Bár</a:t>
             </a:r>
             <a:r>
-              <a:rPr lang="en-US" dirty="0" smtClean="0"/>
+              <a:rPr lang="en-US" dirty="0"/>
               <a:t> </a:t>
             </a:r>
             <a:r>
@@ -14295,7 +14282,7 @@
             <a:fld id="{77DAEA1A-6276-4434-840E-9C81C04BC3C1}" type="datetimeFigureOut">
               <a:rPr lang="en-US" smtClean="0"/>
               <a:pPr/>
-              <a:t>9/18/2020</a:t>
+              <a:t>9/22/2021</a:t>
             </a:fld>
             <a:endParaRPr lang="en-US"/>
           </a:p>
@@ -14774,13 +14761,6 @@
   <p:clrMapOvr>
     <a:masterClrMapping/>
   </p:clrMapOvr>
-  <p:timing>
-    <p:tnLst>
-      <p:par>
-        <p:cTn id="1" dur="indefinite" restart="never" nodeType="tmRoot"/>
-      </p:par>
-    </p:tnLst>
-  </p:timing>
 </p:sld>
 </file>
 
@@ -14806,7 +14786,7 @@
           <p:cNvPr id="2" name="Title 1">
             <a:extLst>
               <a:ext uri="{FF2B5EF4-FFF2-40B4-BE49-F238E27FC236}">
-                <a16:creationId xmlns="" xmlns:a16="http://schemas.microsoft.com/office/drawing/2014/main" id="{BA1CFB0B-3752-4BC2-90F4-141AB8C9BE78}"/>
+                <a16:creationId xmlns:a16="http://schemas.microsoft.com/office/drawing/2014/main" id="{BA1CFB0B-3752-4BC2-90F4-141AB8C9BE78}"/>
               </a:ext>
             </a:extLst>
           </p:cNvPr>
@@ -14847,7 +14827,7 @@
           <p:cNvPr id="3" name="Picture 2">
             <a:extLst>
               <a:ext uri="{FF2B5EF4-FFF2-40B4-BE49-F238E27FC236}">
-                <a16:creationId xmlns="" xmlns:a16="http://schemas.microsoft.com/office/drawing/2014/main" id="{4FD19D92-8344-4F9F-B89E-64010EF6902B}"/>
+                <a16:creationId xmlns:a16="http://schemas.microsoft.com/office/drawing/2014/main" id="{4FD19D92-8344-4F9F-B89E-64010EF6902B}"/>
               </a:ext>
             </a:extLst>
           </p:cNvPr>
@@ -14882,13 +14862,6 @@
   <p:clrMapOvr>
     <a:masterClrMapping/>
   </p:clrMapOvr>
-  <p:timing>
-    <p:tnLst>
-      <p:par>
-        <p:cTn id="1" dur="indefinite" restart="never" nodeType="tmRoot"/>
-      </p:par>
-    </p:tnLst>
-  </p:timing>
 </p:sld>
 </file>
 
@@ -14925,7 +14898,7 @@
           <a:lstStyle/>
           <a:p>
             <a:r>
-              <a:rPr lang="hu-HU" dirty="0" smtClean="0"/>
+              <a:rPr lang="hu-HU" dirty="0"/>
               <a:t>Feladat</a:t>
             </a:r>
             <a:endParaRPr lang="en-US" dirty="0"/>
@@ -14948,7 +14921,7 @@
           <a:lstStyle/>
           <a:p>
             <a:r>
-              <a:rPr lang="hu-HU" dirty="0" smtClean="0"/>
+              <a:rPr lang="hu-HU" dirty="0"/>
               <a:t>az innen következő lépések nincsenek még a kódban</a:t>
             </a:r>
             <a:endParaRPr lang="en-US" dirty="0"/>
@@ -14965,13 +14938,6 @@
   <p:clrMapOvr>
     <a:masterClrMapping/>
   </p:clrMapOvr>
-  <p:timing>
-    <p:tnLst>
-      <p:par>
-        <p:cTn id="1" dur="indefinite" restart="never" nodeType="tmRoot"/>
-      </p:par>
-    </p:tnLst>
-  </p:timing>
 </p:sld>
 </file>
 
@@ -14997,7 +14963,7 @@
           <p:cNvPr id="2" name="Title 1">
             <a:extLst>
               <a:ext uri="{FF2B5EF4-FFF2-40B4-BE49-F238E27FC236}">
-                <a16:creationId xmlns="" xmlns:a16="http://schemas.microsoft.com/office/drawing/2014/main" id="{BA1CFB0B-3752-4BC2-90F4-141AB8C9BE78}"/>
+                <a16:creationId xmlns:a16="http://schemas.microsoft.com/office/drawing/2014/main" id="{BA1CFB0B-3752-4BC2-90F4-141AB8C9BE78}"/>
               </a:ext>
             </a:extLst>
           </p:cNvPr>
@@ -15034,7 +15000,7 @@
           <p:cNvPr id="8" name="Content Placeholder 2">
             <a:extLst>
               <a:ext uri="{FF2B5EF4-FFF2-40B4-BE49-F238E27FC236}">
-                <a16:creationId xmlns="" xmlns:a16="http://schemas.microsoft.com/office/drawing/2014/main" id="{4CB61772-3705-40E6-95A2-F01AB94A3E5D}"/>
+                <a16:creationId xmlns:a16="http://schemas.microsoft.com/office/drawing/2014/main" id="{4CB61772-3705-40E6-95A2-F01AB94A3E5D}"/>
               </a:ext>
             </a:extLst>
           </p:cNvPr>
@@ -15467,13 +15433,6 @@
   <p:clrMapOvr>
     <a:masterClrMapping/>
   </p:clrMapOvr>
-  <p:timing>
-    <p:tnLst>
-      <p:par>
-        <p:cTn id="1" dur="indefinite" restart="never" nodeType="tmRoot"/>
-      </p:par>
-    </p:tnLst>
-  </p:timing>
 </p:sld>
 </file>
 
@@ -15586,7 +15545,7 @@
           <p:cNvPr id="6" name="Title 5">
             <a:extLst>
               <a:ext uri="{FF2B5EF4-FFF2-40B4-BE49-F238E27FC236}">
-                <a16:creationId xmlns="" xmlns:a16="http://schemas.microsoft.com/office/drawing/2014/main" id="{13397F04-F22D-49B7-9111-3E764FC17708}"/>
+                <a16:creationId xmlns:a16="http://schemas.microsoft.com/office/drawing/2014/main" id="{13397F04-F22D-49B7-9111-3E764FC17708}"/>
               </a:ext>
             </a:extLst>
           </p:cNvPr>
@@ -15625,13 +15584,6 @@
   <p:clrMapOvr>
     <a:masterClrMapping/>
   </p:clrMapOvr>
-  <p:timing>
-    <p:tnLst>
-      <p:par>
-        <p:cTn id="1" dur="indefinite" restart="never" nodeType="tmRoot"/>
-      </p:par>
-    </p:tnLst>
-  </p:timing>
 </p:sld>
 </file>
 
@@ -16229,7 +16181,7 @@
           <p:cNvPr id="6" name="Title 5">
             <a:extLst>
               <a:ext uri="{FF2B5EF4-FFF2-40B4-BE49-F238E27FC236}">
-                <a16:creationId xmlns="" xmlns:a16="http://schemas.microsoft.com/office/drawing/2014/main" id="{13397F04-F22D-49B7-9111-3E764FC17708}"/>
+                <a16:creationId xmlns:a16="http://schemas.microsoft.com/office/drawing/2014/main" id="{13397F04-F22D-49B7-9111-3E764FC17708}"/>
               </a:ext>
             </a:extLst>
           </p:cNvPr>
@@ -16268,13 +16220,6 @@
   <p:clrMapOvr>
     <a:masterClrMapping/>
   </p:clrMapOvr>
-  <p:timing>
-    <p:tnLst>
-      <p:par>
-        <p:cTn id="1" dur="indefinite" restart="never" nodeType="tmRoot"/>
-      </p:par>
-    </p:tnLst>
-  </p:timing>
 </p:sld>
 </file>
 
@@ -16374,7 +16319,7 @@
           <p:cNvPr id="6" name="Title 5">
             <a:extLst>
               <a:ext uri="{FF2B5EF4-FFF2-40B4-BE49-F238E27FC236}">
-                <a16:creationId xmlns="" xmlns:a16="http://schemas.microsoft.com/office/drawing/2014/main" id="{13397F04-F22D-49B7-9111-3E764FC17708}"/>
+                <a16:creationId xmlns:a16="http://schemas.microsoft.com/office/drawing/2014/main" id="{13397F04-F22D-49B7-9111-3E764FC17708}"/>
               </a:ext>
             </a:extLst>
           </p:cNvPr>
@@ -16413,13 +16358,6 @@
   <p:clrMapOvr>
     <a:masterClrMapping/>
   </p:clrMapOvr>
-  <p:timing>
-    <p:tnLst>
-      <p:par>
-        <p:cTn id="1" dur="indefinite" restart="never" nodeType="tmRoot"/>
-      </p:par>
-    </p:tnLst>
-  </p:timing>
 </p:sld>
 </file>
 
@@ -16456,7 +16394,7 @@
           <a:lstStyle/>
           <a:p>
             <a:r>
-              <a:rPr lang="hu-HU" dirty="0" smtClean="0"/>
+              <a:rPr lang="hu-HU" dirty="0"/>
               <a:t>Feladat – CB adattagok</a:t>
             </a:r>
             <a:endParaRPr lang="en-US" dirty="0"/>
@@ -16480,15 +16418,15 @@
           <a:p>
             <a:pPr fontAlgn="base"/>
             <a:r>
-              <a:rPr lang="en-US" dirty="0" err="1" smtClean="0"/>
+              <a:rPr lang="en-US" dirty="0" err="1"/>
               <a:t>PerObjectCb</a:t>
             </a:r>
             <a:r>
-              <a:rPr lang="en-US" dirty="0" smtClean="0"/>
-              <a:t> </a:t>
-            </a:r>
-            <a:r>
-              <a:rPr lang="en-US" dirty="0" err="1" smtClean="0"/>
+              <a:rPr lang="en-US" dirty="0"/>
+              <a:t> </a:t>
+            </a:r>
+            <a:r>
+              <a:rPr lang="en-US" dirty="0" err="1"/>
               <a:t>cb</a:t>
             </a:r>
             <a:r>
@@ -16503,15 +16441,15 @@
           <a:p>
             <a:pPr fontAlgn="base"/>
             <a:r>
-              <a:rPr lang="en-US" dirty="0" err="1" smtClean="0"/>
+              <a:rPr lang="en-US" dirty="0" err="1"/>
               <a:t>com_ptr</a:t>
             </a:r>
             <a:r>
-              <a:rPr lang="en-US" dirty="0" smtClean="0"/>
+              <a:rPr lang="en-US" dirty="0"/>
               <a:t>&lt;ID3D12Resource&gt; </a:t>
             </a:r>
             <a:r>
-              <a:rPr lang="en-US" dirty="0" err="1" smtClean="0"/>
+              <a:rPr lang="en-US" dirty="0" err="1"/>
               <a:t>constantBuffer</a:t>
             </a:r>
             <a:r>
@@ -16526,15 +16464,11 @@
           <a:p>
             <a:pPr fontAlgn="base"/>
             <a:r>
-              <a:rPr lang="en-US" dirty="0" smtClean="0"/>
-              <a:t>UINT8 *</a:t>
-            </a:r>
-            <a:r>
-              <a:rPr lang="en-US" dirty="0"/>
-              <a:t> </a:t>
-            </a:r>
-            <a:r>
-              <a:rPr lang="en-US" dirty="0" err="1" smtClean="0"/>
+              <a:rPr lang="en-US" dirty="0"/>
+              <a:t>UINT8 * </a:t>
+            </a:r>
+            <a:r>
+              <a:rPr lang="en-US" dirty="0" err="1"/>
               <a:t>mappedPtr</a:t>
             </a:r>
             <a:r>
@@ -16558,13 +16492,6 @@
   <p:clrMapOvr>
     <a:masterClrMapping/>
   </p:clrMapOvr>
-  <p:timing>
-    <p:tnLst>
-      <p:par>
-        <p:cTn id="1" dur="indefinite" restart="never" nodeType="tmRoot"/>
-      </p:par>
-    </p:tnLst>
-  </p:timing>
 </p:sld>
 </file>
 
@@ -16601,7 +16528,7 @@
           <a:lstStyle/>
           <a:p>
             <a:r>
-              <a:rPr lang="hu-HU" sz="3600" dirty="0" smtClean="0"/>
+              <a:rPr lang="hu-HU" sz="3600" dirty="0"/>
               <a:t>Feladat - CreateResources</a:t>
             </a:r>
             <a:endParaRPr lang="en-US" sz="3600" dirty="0"/>
@@ -17085,13 +17012,6 @@
   <p:clrMapOvr>
     <a:masterClrMapping/>
   </p:clrMapOvr>
-  <p:timing>
-    <p:tnLst>
-      <p:par>
-        <p:cTn id="1" dur="indefinite" restart="never" nodeType="tmRoot"/>
-      </p:par>
-    </p:tnLst>
-  </p:timing>
 </p:sld>
 </file>
 
@@ -17128,7 +17048,7 @@
           <a:lstStyle/>
           <a:p>
             <a:r>
-              <a:rPr lang="hu-HU" sz="3200" dirty="0" smtClean="0"/>
+              <a:rPr lang="hu-HU" sz="3200" dirty="0"/>
               <a:t>Feladat - PopulateCommandList</a:t>
             </a:r>
             <a:endParaRPr lang="en-US" sz="3200" dirty="0"/>
@@ -17251,14 +17171,14 @@
           <a:p>
             <a:pPr fontAlgn="base"/>
             <a:r>
-              <a:rPr lang="en-US" sz="2400" b="0" dirty="0" smtClean="0">
+              <a:rPr lang="en-US" sz="2400" b="0" dirty="0">
                 <a:solidFill>
                   <a:srgbClr val="000000"/>
                 </a:solidFill>
               </a:rPr>
               <a:t>​</a:t>
             </a:r>
-            <a:endParaRPr lang="hu-HU" sz="2400" b="0" dirty="0" smtClean="0">
+            <a:endParaRPr lang="hu-HU" sz="2400" b="0" dirty="0">
               <a:solidFill>
                 <a:srgbClr val="000000"/>
               </a:solidFill>
@@ -17275,7 +17195,7 @@
           </a:p>
           <a:p>
             <a:pPr fontAlgn="base"/>
-            <a:endParaRPr lang="hu-HU" sz="2400" b="0" dirty="0" smtClean="0">
+            <a:endParaRPr lang="hu-HU" sz="2400" b="0" dirty="0">
               <a:solidFill>
                 <a:srgbClr val="000000"/>
               </a:solidFill>
@@ -17293,7 +17213,7 @@
           </a:p>
           <a:p>
             <a:pPr fontAlgn="base"/>
-            <a:endParaRPr lang="hu-HU" sz="2400" b="0" dirty="0" smtClean="0">
+            <a:endParaRPr lang="hu-HU" sz="2400" b="0" dirty="0">
               <a:solidFill>
                 <a:srgbClr val="000000"/>
               </a:solidFill>
@@ -17545,7 +17465,7 @@
           <a:p>
             <a:pPr algn="ctr"/>
             <a:r>
-              <a:rPr lang="en-US" dirty="0" smtClean="0"/>
+              <a:rPr lang="en-US" dirty="0"/>
               <a:t>HIBA</a:t>
             </a:r>
           </a:p>
@@ -17561,11 +17481,7 @@
             </a:r>
             <a:r>
               <a:rPr lang="en-US" dirty="0"/>
-              <a:t>: No root signature has been set, so setting a root CBV doesn't make sense and is invalid</a:t>
-            </a:r>
-            <a:r>
-              <a:rPr lang="en-US" dirty="0" smtClean="0"/>
-              <a:t>.</a:t>
+              <a:t>: No root signature has been set, so setting a root CBV doesn't make sense and is invalid.</a:t>
             </a:r>
           </a:p>
           <a:p>
@@ -17575,19 +17491,19 @@
           <a:p>
             <a:pPr algn="ctr"/>
             <a:r>
-              <a:rPr lang="en-US" dirty="0" smtClean="0"/>
+              <a:rPr lang="en-US" dirty="0"/>
               <a:t>H</a:t>
             </a:r>
             <a:r>
-              <a:rPr lang="hu-HU" dirty="0" smtClean="0"/>
+              <a:rPr lang="hu-HU" dirty="0"/>
               <a:t>át persze, mert a GPSO-t és a root signituret a ShadedMesh</a:t>
             </a:r>
             <a:r>
-              <a:rPr lang="en-US" dirty="0" smtClean="0"/>
+              <a:rPr lang="en-US" dirty="0"/>
               <a:t>::draw </a:t>
             </a:r>
             <a:r>
-              <a:rPr lang="hu-HU" dirty="0" smtClean="0"/>
+              <a:rPr lang="hu-HU" dirty="0"/>
               <a:t>állítja be </a:t>
             </a:r>
             <a:endParaRPr lang="en-US" dirty="0"/>
@@ -17604,13 +17520,6 @@
   <p:clrMapOvr>
     <a:masterClrMapping/>
   </p:clrMapOvr>
-  <p:timing>
-    <p:tnLst>
-      <p:par>
-        <p:cTn id="1" dur="indefinite" restart="never" nodeType="tmRoot"/>
-      </p:par>
-    </p:tnLst>
-  </p:timing>
 </p:sld>
 </file>
 
@@ -17647,7 +17556,7 @@
           <a:lstStyle/>
           <a:p>
             <a:r>
-              <a:rPr lang="hu-HU" sz="2400" dirty="0" smtClean="0"/>
+              <a:rPr lang="hu-HU" sz="2400" dirty="0"/>
               <a:t>LoadAssests: CB beállítás Material-lal</a:t>
             </a:r>
             <a:endParaRPr lang="en-US" sz="2400" dirty="0"/>
@@ -17671,77 +17580,56 @@
           <a:p>
             <a:r>
               <a:rPr lang="en-US" dirty="0"/>
-              <a:t>material-</a:t>
-            </a:r>
-            <a:r>
-              <a:rPr lang="en-US" dirty="0" smtClean="0"/>
-              <a:t>&gt;</a:t>
-            </a:r>
-          </a:p>
-          <a:p>
-            <a:r>
-              <a:rPr lang="en-US" dirty="0"/>
-              <a:t> </a:t>
-            </a:r>
-            <a:r>
-              <a:rPr lang="en-US" dirty="0" smtClean="0"/>
-              <a:t> </a:t>
-            </a:r>
-            <a:r>
-              <a:rPr lang="en-US" dirty="0" err="1" smtClean="0"/>
+              <a:t>material-&gt;</a:t>
+            </a:r>
+          </a:p>
+          <a:p>
+            <a:r>
+              <a:rPr lang="en-US" dirty="0"/>
+              <a:t>  </a:t>
+            </a:r>
+            <a:r>
+              <a:rPr lang="en-US" dirty="0" err="1"/>
               <a:t>SetConstantBuffer</a:t>
             </a:r>
             <a:r>
-              <a:rPr lang="en-US" dirty="0" smtClean="0"/>
+              <a:rPr lang="en-US" dirty="0"/>
               <a:t>(</a:t>
             </a:r>
           </a:p>
           <a:p>
             <a:r>
               <a:rPr lang="en-US" dirty="0"/>
-              <a:t> </a:t>
-            </a:r>
-            <a:r>
-              <a:rPr lang="en-US" dirty="0" smtClean="0"/>
-              <a:t>  </a:t>
-            </a:r>
-            <a:r>
-              <a:rPr lang="en-US" dirty="0" err="1" smtClean="0"/>
+              <a:t>   </a:t>
+            </a:r>
+            <a:r>
+              <a:rPr lang="en-US" dirty="0" err="1"/>
               <a:t>constantBuffer</a:t>
             </a:r>
             <a:r>
-              <a:rPr lang="en-US" dirty="0" smtClean="0"/>
+              <a:rPr lang="en-US" dirty="0"/>
               <a:t>,</a:t>
             </a:r>
           </a:p>
           <a:p>
             <a:r>
               <a:rPr lang="en-US" dirty="0"/>
-              <a:t> </a:t>
-            </a:r>
-            <a:r>
-              <a:rPr lang="en-US" dirty="0" smtClean="0"/>
-              <a:t>  0,</a:t>
-            </a:r>
-          </a:p>
-          <a:p>
-            <a:r>
-              <a:rPr lang="en-US" dirty="0"/>
-              <a:t> </a:t>
-            </a:r>
-            <a:r>
-              <a:rPr lang="en-US" dirty="0" smtClean="0"/>
-              <a:t>  "</a:t>
-            </a:r>
-            <a:r>
-              <a:rPr lang="en-US" dirty="0" err="1" smtClean="0"/>
+              <a:t>   0,</a:t>
+            </a:r>
+          </a:p>
+          <a:p>
+            <a:r>
+              <a:rPr lang="en-US" dirty="0"/>
+              <a:t>   "</a:t>
+            </a:r>
+            <a:r>
+              <a:rPr lang="en-US" dirty="0" err="1"/>
               <a:t>PerObjectCB</a:t>
             </a:r>
             <a:r>
-              <a:rPr lang="en-US" dirty="0" smtClean="0"/>
+              <a:rPr lang="en-US" dirty="0"/>
               <a:t>");</a:t>
             </a:r>
-            <a:endParaRPr lang="en-US" dirty="0"/>
           </a:p>
         </p:txBody>
       </p:sp>
@@ -17755,13 +17643,6 @@
   <p:clrMapOvr>
     <a:masterClrMapping/>
   </p:clrMapOvr>
-  <p:timing>
-    <p:tnLst>
-      <p:par>
-        <p:cTn id="1" dur="indefinite" restart="never" nodeType="tmRoot"/>
-      </p:par>
-    </p:tnLst>
-  </p:timing>
 </p:sld>
 </file>
 
@@ -17810,7 +17691,7 @@
           <p:cNvPr id="4" name="Tartalom helye 2">
             <a:extLst>
               <a:ext uri="{FF2B5EF4-FFF2-40B4-BE49-F238E27FC236}">
-                <a16:creationId xmlns="" xmlns:a16="http://schemas.microsoft.com/office/drawing/2014/main" id="{6656AE22-C593-43CD-BEF3-6FFD0E284A64}"/>
+                <a16:creationId xmlns:a16="http://schemas.microsoft.com/office/drawing/2014/main" id="{6656AE22-C593-43CD-BEF3-6FFD0E284A64}"/>
               </a:ext>
             </a:extLst>
           </p:cNvPr>
@@ -18022,13 +17903,6 @@
   <p:clrMapOvr>
     <a:masterClrMapping/>
   </p:clrMapOvr>
-  <p:timing>
-    <p:tnLst>
-      <p:par>
-        <p:cTn id="1" dur="indefinite" restart="never" nodeType="tmRoot"/>
-      </p:par>
-    </p:tnLst>
-  </p:timing>
 </p:sld>
 </file>
 
@@ -18065,19 +17939,19 @@
           <a:lstStyle/>
           <a:p>
             <a:r>
-              <a:rPr lang="en-US" sz="2400" dirty="0" smtClean="0"/>
+              <a:rPr lang="en-US" sz="2400" dirty="0"/>
               <a:t>Update</a:t>
             </a:r>
             <a:r>
-              <a:rPr lang="hu-HU" sz="2400" dirty="0" smtClean="0"/>
+              <a:rPr lang="hu-HU" sz="2400" dirty="0"/>
               <a:t>: </a:t>
             </a:r>
             <a:r>
-              <a:rPr lang="en-US" sz="2400" dirty="0" smtClean="0"/>
+              <a:rPr lang="en-US" sz="2400" dirty="0"/>
               <a:t>m</a:t>
             </a:r>
             <a:r>
-              <a:rPr lang="hu-HU" sz="2400" dirty="0" smtClean="0"/>
+              <a:rPr lang="hu-HU" sz="2400" dirty="0"/>
               <a:t>átrix beállítása</a:t>
             </a:r>
             <a:endParaRPr lang="en-US" sz="2400" dirty="0"/>
@@ -18113,7 +17987,6 @@
               <a:rPr lang="en-US" dirty="0"/>
               <a:t> = Float4x4::Translation( Float3(0, 0, 0.6));</a:t>
             </a:r>
-            <a:endParaRPr lang="en-US" dirty="0"/>
           </a:p>
         </p:txBody>
       </p:sp>
@@ -18127,13 +18000,6 @@
   <p:clrMapOvr>
     <a:masterClrMapping/>
   </p:clrMapOvr>
-  <p:timing>
-    <p:tnLst>
-      <p:par>
-        <p:cTn id="1" dur="indefinite" restart="never" nodeType="tmRoot"/>
-      </p:par>
-    </p:tnLst>
-  </p:timing>
 </p:sld>
 </file>
 
@@ -18159,7 +18025,7 @@
           <p:cNvPr id="2" name="Title 1">
             <a:extLst>
               <a:ext uri="{FF2B5EF4-FFF2-40B4-BE49-F238E27FC236}">
-                <a16:creationId xmlns="" xmlns:a16="http://schemas.microsoft.com/office/drawing/2014/main" id="{BA1CFB0B-3752-4BC2-90F4-141AB8C9BE78}"/>
+                <a16:creationId xmlns:a16="http://schemas.microsoft.com/office/drawing/2014/main" id="{BA1CFB0B-3752-4BC2-90F4-141AB8C9BE78}"/>
               </a:ext>
             </a:extLst>
           </p:cNvPr>
@@ -18176,10 +18042,9 @@
           <a:lstStyle/>
           <a:p>
             <a:r>
-              <a:rPr lang="hu-HU" dirty="0" smtClean="0"/>
+              <a:rPr lang="hu-HU" dirty="0"/>
               <a:t>Ugyanaz, csak CB-rel</a:t>
             </a:r>
-            <a:endParaRPr lang="hu-HU" dirty="0"/>
           </a:p>
         </p:txBody>
       </p:sp>
@@ -18188,7 +18053,7 @@
           <p:cNvPr id="3" name="Picture 2">
             <a:extLst>
               <a:ext uri="{FF2B5EF4-FFF2-40B4-BE49-F238E27FC236}">
-                <a16:creationId xmlns="" xmlns:a16="http://schemas.microsoft.com/office/drawing/2014/main" id="{4FD19D92-8344-4F9F-B89E-64010EF6902B}"/>
+                <a16:creationId xmlns:a16="http://schemas.microsoft.com/office/drawing/2014/main" id="{4FD19D92-8344-4F9F-B89E-64010EF6902B}"/>
               </a:ext>
             </a:extLst>
           </p:cNvPr>
@@ -18223,13 +18088,6 @@
   <p:clrMapOvr>
     <a:masterClrMapping/>
   </p:clrMapOvr>
-  <p:timing>
-    <p:tnLst>
-      <p:par>
-        <p:cTn id="1" dur="indefinite" restart="never" nodeType="tmRoot"/>
-      </p:par>
-    </p:tnLst>
-  </p:timing>
 </p:sld>
 </file>
 
@@ -18266,7 +18124,7 @@
           <a:lstStyle/>
           <a:p>
             <a:r>
-              <a:rPr lang="hu-HU" dirty="0" smtClean="0"/>
+              <a:rPr lang="hu-HU" dirty="0"/>
               <a:t>Feladat</a:t>
             </a:r>
             <a:endParaRPr lang="en-US" dirty="0"/>
@@ -18289,13 +18147,13 @@
           <a:lstStyle/>
           <a:p>
             <a:r>
-              <a:rPr lang="hu-HU" dirty="0" smtClean="0"/>
-              <a:t>írjuk úgy át a az Update-et, hogy a doboz mozogjon</a:t>
-            </a:r>
-          </a:p>
-          <a:p>
-            <a:r>
-              <a:rPr lang="hu-HU" dirty="0" smtClean="0"/>
+              <a:rPr lang="hu-HU" dirty="0"/>
+              <a:t>írjuk úgy át az Update-et, hogy a doboz mozogjon</a:t>
+            </a:r>
+          </a:p>
+          <a:p>
+            <a:r>
+              <a:rPr lang="hu-HU" dirty="0"/>
               <a:t>zuhanjon lefelé, és pattanjon vissza a kép aljáról </a:t>
             </a:r>
             <a:endParaRPr lang="en-US" dirty="0"/>
@@ -18337,7 +18195,7 @@
           <p:cNvPr id="2" name="Title 1">
             <a:extLst>
               <a:ext uri="{FF2B5EF4-FFF2-40B4-BE49-F238E27FC236}">
-                <a16:creationId xmlns="" xmlns:a16="http://schemas.microsoft.com/office/drawing/2014/main" id="{BA1CFB0B-3752-4BC2-90F4-141AB8C9BE78}"/>
+                <a16:creationId xmlns:a16="http://schemas.microsoft.com/office/drawing/2014/main" id="{BA1CFB0B-3752-4BC2-90F4-141AB8C9BE78}"/>
               </a:ext>
             </a:extLst>
           </p:cNvPr>
@@ -18354,35 +18212,31 @@
           <a:lstStyle/>
           <a:p>
             <a:r>
-              <a:rPr lang="en-US" dirty="0" err="1" smtClean="0"/>
+              <a:rPr lang="en-US" dirty="0" err="1"/>
               <a:t>Egyszer</a:t>
             </a:r>
             <a:r>
-              <a:rPr lang="hu-HU" dirty="0" smtClean="0"/>
-              <a:t>űbb </a:t>
-            </a:r>
-            <a:r>
               <a:rPr lang="hu-HU" dirty="0"/>
-              <a:t>k</a:t>
-            </a:r>
-            <a:r>
-              <a:rPr lang="en-US" dirty="0" err="1" smtClean="0"/>
+              <a:t>űbb k</a:t>
+            </a:r>
+            <a:r>
+              <a:rPr lang="en-US" dirty="0" err="1"/>
               <a:t>onstans</a:t>
             </a:r>
             <a:r>
-              <a:rPr lang="hu-HU" dirty="0" smtClean="0"/>
+              <a:rPr lang="hu-HU" dirty="0"/>
               <a:t>b</a:t>
             </a:r>
             <a:r>
-              <a:rPr lang="en-US" dirty="0" err="1" smtClean="0"/>
+              <a:rPr lang="en-US" dirty="0" err="1"/>
               <a:t>uffer</a:t>
             </a:r>
             <a:r>
-              <a:rPr lang="hu-HU" dirty="0" smtClean="0"/>
+              <a:rPr lang="hu-HU" dirty="0"/>
               <a:t>-</a:t>
             </a:r>
             <a:r>
-              <a:rPr lang="en-US" dirty="0" err="1" smtClean="0"/>
+              <a:rPr lang="en-US" dirty="0" err="1"/>
               <a:t>kezelés</a:t>
             </a:r>
             <a:endParaRPr lang="hu-HU" dirty="0"/>
@@ -18394,7 +18248,7 @@
           <p:cNvPr id="8" name="Content Placeholder 2">
             <a:extLst>
               <a:ext uri="{FF2B5EF4-FFF2-40B4-BE49-F238E27FC236}">
-                <a16:creationId xmlns="" xmlns:a16="http://schemas.microsoft.com/office/drawing/2014/main" id="{4CB61772-3705-40E6-95A2-F01AB94A3E5D}"/>
+                <a16:creationId xmlns:a16="http://schemas.microsoft.com/office/drawing/2014/main" id="{4CB61772-3705-40E6-95A2-F01AB94A3E5D}"/>
               </a:ext>
             </a:extLst>
           </p:cNvPr>
@@ -18591,19 +18445,19 @@
               <a:t> </a:t>
             </a:r>
             <a:r>
-              <a:rPr lang="en-US" sz="2800" dirty="0" err="1" smtClean="0"/>
+              <a:rPr lang="en-US" sz="2800" dirty="0" err="1"/>
               <a:t>elő</a:t>
             </a:r>
             <a:r>
-              <a:rPr lang="hu-HU" sz="2800" dirty="0" smtClean="0"/>
-              <a:t> </a:t>
-            </a:r>
-            <a:r>
-              <a:rPr lang="en-US" sz="2800" dirty="0" err="1" smtClean="0"/>
+              <a:rPr lang="hu-HU" sz="2800" dirty="0"/>
+              <a:t> </a:t>
+            </a:r>
+            <a:r>
+              <a:rPr lang="en-US" sz="2800" dirty="0" err="1"/>
               <a:t>fognak</a:t>
             </a:r>
             <a:r>
-              <a:rPr lang="en-US" sz="2800" dirty="0" smtClean="0"/>
+              <a:rPr lang="en-US" sz="2800" dirty="0"/>
               <a:t> </a:t>
             </a:r>
             <a:r>
@@ -18709,7 +18563,7 @@
               <a:t> </a:t>
             </a:r>
             <a:r>
-              <a:rPr lang="en-US" sz="2800" dirty="0" err="1" smtClean="0"/>
+              <a:rPr lang="en-US" sz="2800" dirty="0" err="1"/>
               <a:t>használni</a:t>
             </a:r>
             <a:endParaRPr lang="hu-HU" sz="2800" dirty="0"/>
@@ -18717,15 +18571,15 @@
           <a:p>
             <a:pPr lvl="1"/>
             <a:r>
-              <a:rPr lang="hu-HU" sz="2400" dirty="0" smtClean="0"/>
+              <a:rPr lang="hu-HU" sz="2400" dirty="0"/>
               <a:t>csak egy Constan</a:t>
             </a:r>
             <a:r>
-              <a:rPr lang="en-US" sz="2400" dirty="0" smtClean="0"/>
+              <a:rPr lang="en-US" sz="2400" dirty="0"/>
               <a:t>t</a:t>
             </a:r>
             <a:r>
-              <a:rPr lang="hu-HU" sz="2400" dirty="0" smtClean="0"/>
+              <a:rPr lang="hu-HU" sz="2400" dirty="0"/>
               <a:t>Buffer</a:t>
             </a:r>
             <a:r>
@@ -18737,44 +18591,43 @@
               <a:t>PerObjectCB</a:t>
             </a:r>
             <a:r>
-              <a:rPr lang="en-US" sz="2400" dirty="0" smtClean="0"/>
+              <a:rPr lang="en-US" sz="2400" dirty="0"/>
               <a:t>&gt; </a:t>
             </a:r>
             <a:r>
-              <a:rPr lang="en-US" sz="2400" dirty="0" err="1" smtClean="0"/>
+              <a:rPr lang="en-US" sz="2400" dirty="0" err="1"/>
               <a:t>adattag</a:t>
             </a:r>
-            <a:endParaRPr lang="en-US" sz="2400" dirty="0" smtClean="0"/>
+            <a:endParaRPr lang="en-US" sz="2400" dirty="0"/>
           </a:p>
           <a:p>
             <a:pPr lvl="1"/>
             <a:r>
-              <a:rPr lang="en-US" sz="2400" dirty="0" err="1" smtClean="0"/>
+              <a:rPr lang="en-US" sz="2400" dirty="0" err="1"/>
               <a:t>CreateResources</a:t>
             </a:r>
             <a:r>
-              <a:rPr lang="en-US" sz="2400" dirty="0" smtClean="0"/>
+              <a:rPr lang="en-US" sz="2400" dirty="0"/>
               <a:t>-b</a:t>
             </a:r>
             <a:r>
-              <a:rPr lang="hu-HU" sz="2400" dirty="0" smtClean="0"/>
+              <a:rPr lang="hu-HU" sz="2400" dirty="0"/>
               <a:t>ől CreateResources hívása</a:t>
             </a:r>
           </a:p>
           <a:p>
             <a:pPr lvl="1"/>
             <a:r>
-              <a:rPr lang="hu-HU" sz="2400" dirty="0" smtClean="0"/>
+              <a:rPr lang="hu-HU" sz="2400" dirty="0"/>
               <a:t>LoadAssets-ben a materialnak simán beállíthatjuk, csak ezt az egy paramétert adva a SetConstantBuffer-nek</a:t>
             </a:r>
           </a:p>
           <a:p>
             <a:pPr lvl="1"/>
             <a:r>
-              <a:rPr lang="hu-HU" sz="2400" dirty="0" smtClean="0"/>
+              <a:rPr lang="hu-HU" sz="2400" dirty="0"/>
               <a:t>Update-ben fel is tölthetjük az Upload metódussal, memcpy-zni kézzel nem kell</a:t>
             </a:r>
-            <a:endParaRPr lang="hu-HU" sz="2400" dirty="0"/>
           </a:p>
         </p:txBody>
       </p:sp>
@@ -18813,7 +18666,7 @@
           <p:cNvPr id="2" name="Title 1">
             <a:extLst>
               <a:ext uri="{FF2B5EF4-FFF2-40B4-BE49-F238E27FC236}">
-                <a16:creationId xmlns="" xmlns:a16="http://schemas.microsoft.com/office/drawing/2014/main" id="{BA1CFB0B-3752-4BC2-90F4-141AB8C9BE78}"/>
+                <a16:creationId xmlns:a16="http://schemas.microsoft.com/office/drawing/2014/main" id="{BA1CFB0B-3752-4BC2-90F4-141AB8C9BE78}"/>
               </a:ext>
             </a:extLst>
           </p:cNvPr>
@@ -18842,7 +18695,7 @@
           <p:cNvPr id="3" name="Content Placeholder 2">
             <a:extLst>
               <a:ext uri="{FF2B5EF4-FFF2-40B4-BE49-F238E27FC236}">
-                <a16:creationId xmlns="" xmlns:a16="http://schemas.microsoft.com/office/drawing/2014/main" id="{A97D8901-D24D-4C6F-95EA-012E93D21C9F}"/>
+                <a16:creationId xmlns:a16="http://schemas.microsoft.com/office/drawing/2014/main" id="{A97D8901-D24D-4C6F-95EA-012E93D21C9F}"/>
               </a:ext>
             </a:extLst>
           </p:cNvPr>
@@ -19077,13 +18930,6 @@
   <p:clrMapOvr>
     <a:masterClrMapping/>
   </p:clrMapOvr>
-  <p:timing>
-    <p:tnLst>
-      <p:par>
-        <p:cTn id="1" dur="indefinite" restart="never" nodeType="tmRoot"/>
-      </p:par>
-    </p:tnLst>
-  </p:timing>
 </p:sld>
 </file>
 
@@ -19109,7 +18955,7 @@
           <p:cNvPr id="2" name="Title 1">
             <a:extLst>
               <a:ext uri="{FF2B5EF4-FFF2-40B4-BE49-F238E27FC236}">
-                <a16:creationId xmlns="" xmlns:a16="http://schemas.microsoft.com/office/drawing/2014/main" id="{BA1CFB0B-3752-4BC2-90F4-141AB8C9BE78}"/>
+                <a16:creationId xmlns:a16="http://schemas.microsoft.com/office/drawing/2014/main" id="{BA1CFB0B-3752-4BC2-90F4-141AB8C9BE78}"/>
               </a:ext>
             </a:extLst>
           </p:cNvPr>
@@ -19146,7 +18992,7 @@
           <p:cNvPr id="8" name="Content Placeholder 2">
             <a:extLst>
               <a:ext uri="{FF2B5EF4-FFF2-40B4-BE49-F238E27FC236}">
-                <a16:creationId xmlns="" xmlns:a16="http://schemas.microsoft.com/office/drawing/2014/main" id="{4CB61772-3705-40E6-95A2-F01AB94A3E5D}"/>
+                <a16:creationId xmlns:a16="http://schemas.microsoft.com/office/drawing/2014/main" id="{4CB61772-3705-40E6-95A2-F01AB94A3E5D}"/>
               </a:ext>
             </a:extLst>
           </p:cNvPr>
@@ -19484,13 +19330,6 @@
   <p:clrMapOvr>
     <a:masterClrMapping/>
   </p:clrMapOvr>
-  <p:timing>
-    <p:tnLst>
-      <p:par>
-        <p:cTn id="1" dur="indefinite" restart="never" nodeType="tmRoot"/>
-      </p:par>
-    </p:tnLst>
-  </p:timing>
 </p:sld>
 </file>
 
@@ -19516,7 +19355,7 @@
           <p:cNvPr id="2" name="Title 1">
             <a:extLst>
               <a:ext uri="{FF2B5EF4-FFF2-40B4-BE49-F238E27FC236}">
-                <a16:creationId xmlns="" xmlns:a16="http://schemas.microsoft.com/office/drawing/2014/main" id="{BA1CFB0B-3752-4BC2-90F4-141AB8C9BE78}"/>
+                <a16:creationId xmlns:a16="http://schemas.microsoft.com/office/drawing/2014/main" id="{BA1CFB0B-3752-4BC2-90F4-141AB8C9BE78}"/>
               </a:ext>
             </a:extLst>
           </p:cNvPr>
@@ -19553,7 +19392,7 @@
           <p:cNvPr id="8" name="Content Placeholder 2">
             <a:extLst>
               <a:ext uri="{FF2B5EF4-FFF2-40B4-BE49-F238E27FC236}">
-                <a16:creationId xmlns="" xmlns:a16="http://schemas.microsoft.com/office/drawing/2014/main" id="{4CB61772-3705-40E6-95A2-F01AB94A3E5D}"/>
+                <a16:creationId xmlns:a16="http://schemas.microsoft.com/office/drawing/2014/main" id="{4CB61772-3705-40E6-95A2-F01AB94A3E5D}"/>
               </a:ext>
             </a:extLst>
           </p:cNvPr>
@@ -19979,13 +19818,6 @@
   <p:clrMapOvr>
     <a:masterClrMapping/>
   </p:clrMapOvr>
-  <p:timing>
-    <p:tnLst>
-      <p:par>
-        <p:cTn id="1" dur="indefinite" restart="never" nodeType="tmRoot"/>
-      </p:par>
-    </p:tnLst>
-  </p:timing>
 </p:sld>
 </file>
 
@@ -20011,7 +19843,7 @@
           <p:cNvPr id="2" name="Title 1">
             <a:extLst>
               <a:ext uri="{FF2B5EF4-FFF2-40B4-BE49-F238E27FC236}">
-                <a16:creationId xmlns="" xmlns:a16="http://schemas.microsoft.com/office/drawing/2014/main" id="{BA1CFB0B-3752-4BC2-90F4-141AB8C9BE78}"/>
+                <a16:creationId xmlns:a16="http://schemas.microsoft.com/office/drawing/2014/main" id="{BA1CFB0B-3752-4BC2-90F4-141AB8C9BE78}"/>
               </a:ext>
             </a:extLst>
           </p:cNvPr>
@@ -20048,7 +19880,7 @@
           <p:cNvPr id="8" name="Content Placeholder 2">
             <a:extLst>
               <a:ext uri="{FF2B5EF4-FFF2-40B4-BE49-F238E27FC236}">
-                <a16:creationId xmlns="" xmlns:a16="http://schemas.microsoft.com/office/drawing/2014/main" id="{4CB61772-3705-40E6-95A2-F01AB94A3E5D}"/>
+                <a16:creationId xmlns:a16="http://schemas.microsoft.com/office/drawing/2014/main" id="{4CB61772-3705-40E6-95A2-F01AB94A3E5D}"/>
               </a:ext>
             </a:extLst>
           </p:cNvPr>
@@ -20309,13 +20141,6 @@
   <p:clrMapOvr>
     <a:masterClrMapping/>
   </p:clrMapOvr>
-  <p:timing>
-    <p:tnLst>
-      <p:par>
-        <p:cTn id="1" dur="indefinite" restart="never" nodeType="tmRoot"/>
-      </p:par>
-    </p:tnLst>
-  </p:timing>
 </p:sld>
 </file>
 
@@ -20341,7 +20166,7 @@
           <p:cNvPr id="2" name="Title 1">
             <a:extLst>
               <a:ext uri="{FF2B5EF4-FFF2-40B4-BE49-F238E27FC236}">
-                <a16:creationId xmlns="" xmlns:a16="http://schemas.microsoft.com/office/drawing/2014/main" id="{BA1CFB0B-3752-4BC2-90F4-141AB8C9BE78}"/>
+                <a16:creationId xmlns:a16="http://schemas.microsoft.com/office/drawing/2014/main" id="{BA1CFB0B-3752-4BC2-90F4-141AB8C9BE78}"/>
               </a:ext>
             </a:extLst>
           </p:cNvPr>
@@ -20370,7 +20195,7 @@
           <p:cNvPr id="8" name="Content Placeholder 2">
             <a:extLst>
               <a:ext uri="{FF2B5EF4-FFF2-40B4-BE49-F238E27FC236}">
-                <a16:creationId xmlns="" xmlns:a16="http://schemas.microsoft.com/office/drawing/2014/main" id="{4CB61772-3705-40E6-95A2-F01AB94A3E5D}"/>
+                <a16:creationId xmlns:a16="http://schemas.microsoft.com/office/drawing/2014/main" id="{4CB61772-3705-40E6-95A2-F01AB94A3E5D}"/>
               </a:ext>
             </a:extLst>
           </p:cNvPr>
@@ -20531,7 +20356,7 @@
           </a:lstStyle>
           <a:p>
             <a:r>
-              <a:rPr lang="en-US" b="1" dirty="0" smtClean="0"/>
+              <a:rPr lang="en-US" b="1" dirty="0"/>
               <a:t>ggl002App.h</a:t>
             </a:r>
             <a:r>
@@ -20594,28 +20419,27 @@
               <a:rPr lang="en-US" dirty="0"/>
               <a:t> </a:t>
             </a:r>
-            <a:endParaRPr lang="en-US" dirty="0" smtClean="0"/>
           </a:p>
           <a:p>
             <a:pPr lvl="1"/>
             <a:r>
-              <a:rPr lang="en-US" dirty="0" smtClean="0"/>
+              <a:rPr lang="en-US" dirty="0"/>
               <a:t>a </a:t>
             </a:r>
             <a:r>
-              <a:rPr lang="en-US" dirty="0" err="1" smtClean="0"/>
+              <a:rPr lang="en-US" dirty="0" err="1"/>
               <a:t>SimpleApp</a:t>
             </a:r>
             <a:r>
-              <a:rPr lang="en-US" dirty="0" smtClean="0"/>
+              <a:rPr lang="en-US" dirty="0"/>
               <a:t> a </a:t>
             </a:r>
             <a:r>
-              <a:rPr lang="en-US" dirty="0" err="1" smtClean="0"/>
+              <a:rPr lang="en-US" dirty="0" err="1"/>
               <a:t>kor</a:t>
             </a:r>
             <a:r>
-              <a:rPr lang="hu-HU" dirty="0" smtClean="0"/>
+              <a:rPr lang="hu-HU" dirty="0"/>
               <a:t>ábbi háromszöges appban látott műveleteket kezeli, kivéve az rajzolandó előforrások allokációját (LoadAssets) és a rajzolást (PopulateCommandList)</a:t>
             </a:r>
             <a:endParaRPr lang="en-US" dirty="0"/>
@@ -20703,13 +20527,6 @@
   <p:clrMapOvr>
     <a:masterClrMapping/>
   </p:clrMapOvr>
-  <p:timing>
-    <p:tnLst>
-      <p:par>
-        <p:cTn id="1" dur="indefinite" restart="never" nodeType="tmRoot"/>
-      </p:par>
-    </p:tnLst>
-  </p:timing>
 </p:sld>
 </file>
 
@@ -20950,23 +20767,15 @@
             </a:r>
             <a:r>
               <a:rPr lang="en-US" dirty="0"/>
-              <a:t> = Egg::Mesh::Shaded::</a:t>
-            </a:r>
-            <a:r>
-              <a:rPr lang="en-US" dirty="0" smtClean="0"/>
-              <a:t>Create(</a:t>
-            </a:r>
-            <a:r>
-              <a:rPr lang="en-US" dirty="0" err="1" smtClean="0"/>
+              <a:t> = Egg::Mesh::Shaded::Create(</a:t>
+            </a:r>
+            <a:r>
+              <a:rPr lang="en-US" dirty="0" err="1"/>
               <a:t>psoManager</a:t>
             </a:r>
             <a:r>
-              <a:rPr lang="en-US" dirty="0" smtClean="0"/>
-              <a:t>, </a:t>
-            </a:r>
-            <a:r>
-              <a:rPr lang="en-US" dirty="0"/>
-              <a:t>material, geometry);</a:t>
+              <a:rPr lang="en-US" dirty="0"/>
+              <a:t>, material, geometry);</a:t>
             </a:r>
             <a:endParaRPr lang="en-US" sz="2400" dirty="0"/>
           </a:p>
@@ -20977,7 +20786,7 @@
           <p:cNvPr id="6" name="Title 5">
             <a:extLst>
               <a:ext uri="{FF2B5EF4-FFF2-40B4-BE49-F238E27FC236}">
-                <a16:creationId xmlns="" xmlns:a16="http://schemas.microsoft.com/office/drawing/2014/main" id="{13397F04-F22D-49B7-9111-3E764FC17708}"/>
+                <a16:creationId xmlns:a16="http://schemas.microsoft.com/office/drawing/2014/main" id="{13397F04-F22D-49B7-9111-3E764FC17708}"/>
               </a:ext>
             </a:extLst>
           </p:cNvPr>
@@ -21060,7 +20869,7 @@
               <a:t>ggl002App.h – </a:t>
             </a:r>
             <a:r>
-              <a:rPr lang="en-US" sz="2800" dirty="0" err="1" smtClean="0"/>
+              <a:rPr lang="en-US" sz="2800" dirty="0" err="1"/>
               <a:t>PopulateCommandLists</a:t>
             </a:r>
             <a:endParaRPr lang="en-US" sz="2800" dirty="0"/>
